--- a/lectures/4/1_External Secondary Data_Causal Research.pptx
+++ b/lectures/4/1_External Secondary Data_Causal Research.pptx
@@ -5,10 +5,10 @@
     <p:sldMasterId id="2147483648" r:id="rId4"/>
   </p:sldMasterIdLst>
   <p:notesMasterIdLst>
-    <p:notesMasterId r:id="rId43"/>
+    <p:notesMasterId r:id="rId42"/>
   </p:notesMasterIdLst>
   <p:handoutMasterIdLst>
-    <p:handoutMasterId r:id="rId44"/>
+    <p:handoutMasterId r:id="rId43"/>
   </p:handoutMasterIdLst>
   <p:sldIdLst>
     <p:sldId id="293" r:id="rId5"/>
@@ -16,39 +16,38 @@
     <p:sldId id="281" r:id="rId7"/>
     <p:sldId id="282" r:id="rId8"/>
     <p:sldId id="283" r:id="rId9"/>
-    <p:sldId id="285" r:id="rId10"/>
-    <p:sldId id="257" r:id="rId11"/>
-    <p:sldId id="260" r:id="rId12"/>
-    <p:sldId id="261" r:id="rId13"/>
-    <p:sldId id="262" r:id="rId14"/>
-    <p:sldId id="263" r:id="rId15"/>
-    <p:sldId id="264" r:id="rId16"/>
-    <p:sldId id="265" r:id="rId17"/>
-    <p:sldId id="266" r:id="rId18"/>
-    <p:sldId id="267" r:id="rId19"/>
-    <p:sldId id="268" r:id="rId20"/>
-    <p:sldId id="270" r:id="rId21"/>
-    <p:sldId id="271" r:id="rId22"/>
-    <p:sldId id="272" r:id="rId23"/>
-    <p:sldId id="273" r:id="rId24"/>
-    <p:sldId id="274" r:id="rId25"/>
-    <p:sldId id="275" r:id="rId26"/>
-    <p:sldId id="278" r:id="rId27"/>
-    <p:sldId id="292" r:id="rId28"/>
-    <p:sldId id="295" r:id="rId29"/>
-    <p:sldId id="298" r:id="rId30"/>
-    <p:sldId id="288" r:id="rId31"/>
-    <p:sldId id="289" r:id="rId32"/>
-    <p:sldId id="290" r:id="rId33"/>
-    <p:sldId id="294" r:id="rId34"/>
-    <p:sldId id="291" r:id="rId35"/>
-    <p:sldId id="297" r:id="rId36"/>
-    <p:sldId id="287" r:id="rId37"/>
-    <p:sldId id="286" r:id="rId38"/>
-    <p:sldId id="296" r:id="rId39"/>
-    <p:sldId id="279" r:id="rId40"/>
-    <p:sldId id="299" r:id="rId41"/>
-    <p:sldId id="280" r:id="rId42"/>
+    <p:sldId id="257" r:id="rId10"/>
+    <p:sldId id="260" r:id="rId11"/>
+    <p:sldId id="261" r:id="rId12"/>
+    <p:sldId id="262" r:id="rId13"/>
+    <p:sldId id="263" r:id="rId14"/>
+    <p:sldId id="264" r:id="rId15"/>
+    <p:sldId id="265" r:id="rId16"/>
+    <p:sldId id="266" r:id="rId17"/>
+    <p:sldId id="267" r:id="rId18"/>
+    <p:sldId id="268" r:id="rId19"/>
+    <p:sldId id="270" r:id="rId20"/>
+    <p:sldId id="271" r:id="rId21"/>
+    <p:sldId id="272" r:id="rId22"/>
+    <p:sldId id="273" r:id="rId23"/>
+    <p:sldId id="274" r:id="rId24"/>
+    <p:sldId id="275" r:id="rId25"/>
+    <p:sldId id="278" r:id="rId26"/>
+    <p:sldId id="292" r:id="rId27"/>
+    <p:sldId id="295" r:id="rId28"/>
+    <p:sldId id="298" r:id="rId29"/>
+    <p:sldId id="288" r:id="rId30"/>
+    <p:sldId id="289" r:id="rId31"/>
+    <p:sldId id="290" r:id="rId32"/>
+    <p:sldId id="294" r:id="rId33"/>
+    <p:sldId id="291" r:id="rId34"/>
+    <p:sldId id="297" r:id="rId35"/>
+    <p:sldId id="287" r:id="rId36"/>
+    <p:sldId id="286" r:id="rId37"/>
+    <p:sldId id="296" r:id="rId38"/>
+    <p:sldId id="279" r:id="rId39"/>
+    <p:sldId id="299" r:id="rId40"/>
+    <p:sldId id="280" r:id="rId41"/>
   </p:sldIdLst>
   <p:sldSz cx="12192000" cy="6858000"/>
   <p:notesSz cx="6858000" cy="9144000"/>
@@ -17680,7 +17679,7 @@
           <a:p>
             <a:fld id="{73B2889B-A0AC-4482-8592-5C96F2309420}" type="datetimeFigureOut">
               <a:rPr lang="en-US" smtClean="0"/>
-              <a:t>9/15/2021</a:t>
+              <a:t>2/8/2022</a:t>
             </a:fld>
             <a:endParaRPr lang="en-US"/>
           </a:p>
@@ -17857,7 +17856,7 @@
           <a:p>
             <a:fld id="{830EB223-FFC0-462A-A3B8-EAA7CE0F8CBD}" type="datetimeFigureOut">
               <a:rPr lang="en-US" smtClean="0"/>
-              <a:t>9/15/2021</a:t>
+              <a:t>2/8/2022</a:t>
             </a:fld>
             <a:endParaRPr lang="en-US" dirty="0"/>
           </a:p>
@@ -18257,13 +18256,7 @@
           <a:p>
             <a:r>
               <a:rPr lang="en-US" dirty="0"/>
-              <a:t>Review</a:t>
-            </a:r>
-          </a:p>
-          <a:p>
-            <a:r>
-              <a:rPr lang="en-US" dirty="0"/>
-              <a:t>You can review this slide before taking the quiz</a:t>
+              <a:t>A reminder of the three types of primary data research</a:t>
             </a:r>
           </a:p>
         </p:txBody>
@@ -18285,7 +18278,7 @@
           <a:p>
             <a:fld id="{BC849E9A-41F7-4779-A581-48A7C374A227}" type="slidenum">
               <a:rPr lang="en-US" smtClean="0"/>
-              <a:t>19</a:t>
+              <a:t>17</a:t>
             </a:fld>
             <a:endParaRPr lang="en-US" dirty="0"/>
           </a:p>
@@ -18294,7 +18287,7 @@
     </p:spTree>
     <p:extLst>
       <p:ext uri="{BB962C8B-B14F-4D97-AF65-F5344CB8AC3E}">
-        <p14:creationId xmlns:p14="http://schemas.microsoft.com/office/powerpoint/2010/main" val="3628140193"/>
+        <p14:creationId xmlns:p14="http://schemas.microsoft.com/office/powerpoint/2010/main" val="705224648"/>
       </p:ext>
     </p:extLst>
   </p:cSld>
@@ -18350,25 +18343,13 @@
           <a:p>
             <a:r>
               <a:rPr lang="en-US" dirty="0"/>
-              <a:t>This is the only new slide that helps you visualize the relationship among types of research design. </a:t>
+              <a:t>Review</a:t>
             </a:r>
           </a:p>
           <a:p>
             <a:r>
               <a:rPr lang="en-US" dirty="0"/>
-              <a:t>As you can see, all types of research are interconnected. </a:t>
-            </a:r>
-          </a:p>
-          <a:p>
-            <a:r>
-              <a:rPr lang="en-US" dirty="0"/>
-              <a:t>I will give you an example of why we conduct causal research after descriptive research </a:t>
-            </a:r>
-          </a:p>
-          <a:p>
-            <a:r>
-              <a:rPr lang="en-US" dirty="0"/>
-              <a:t>Then can you tell me why after we do causal research, we do descriptive research again?</a:t>
+              <a:t>You can review this slide before taking the quiz</a:t>
             </a:r>
           </a:p>
         </p:txBody>
@@ -18390,7 +18371,7 @@
           <a:p>
             <a:fld id="{BC849E9A-41F7-4779-A581-48A7C374A227}" type="slidenum">
               <a:rPr lang="en-US" smtClean="0"/>
-              <a:t>20</a:t>
+              <a:t>18</a:t>
             </a:fld>
             <a:endParaRPr lang="en-US" dirty="0"/>
           </a:p>
@@ -18399,7 +18380,7 @@
     </p:spTree>
     <p:extLst>
       <p:ext uri="{BB962C8B-B14F-4D97-AF65-F5344CB8AC3E}">
-        <p14:creationId xmlns:p14="http://schemas.microsoft.com/office/powerpoint/2010/main" val="1761874480"/>
+        <p14:creationId xmlns:p14="http://schemas.microsoft.com/office/powerpoint/2010/main" val="3628140193"/>
       </p:ext>
     </p:extLst>
   </p:cSld>
@@ -18453,35 +18434,27 @@
           <a:bodyPr/>
           <a:lstStyle/>
           <a:p>
-            <a:pPr marL="0" marR="0" lvl="0" indent="0" algn="l" defTabSz="914400" rtl="0" eaLnBrk="1" fontAlgn="auto" latinLnBrk="0" hangingPunct="1">
-              <a:lnSpc>
-                <a:spcPct val="100000"/>
-              </a:lnSpc>
-              <a:spcBef>
-                <a:spcPts val="0"/>
-              </a:spcBef>
-              <a:spcAft>
-                <a:spcPts val="0"/>
-              </a:spcAft>
-              <a:buClrTx/>
-              <a:buSzTx/>
-              <a:buFontTx/>
-              <a:buNone/>
-              <a:tabLst/>
-              <a:defRPr/>
-            </a:pPr>
-            <a:r>
-              <a:rPr lang="en-US" altLang="en-US" b="1" dirty="0"/>
-              <a:t>condition X causes event Y</a:t>
-            </a:r>
-          </a:p>
-          <a:p>
-            <a:endParaRPr lang="en-US" dirty="0"/>
-          </a:p>
-          <a:p>
             <a:r>
               <a:rPr lang="en-US" dirty="0"/>
-              <a:t>A review of causality</a:t>
+              <a:t>This slide will help you visualize the relationship among types of research design. </a:t>
+            </a:r>
+          </a:p>
+          <a:p>
+            <a:r>
+              <a:rPr lang="en-US" dirty="0"/>
+              <a:t>As you can see, all types of research are interconnected. </a:t>
+            </a:r>
+          </a:p>
+          <a:p>
+            <a:r>
+              <a:rPr lang="en-US" dirty="0"/>
+              <a:t>I will give you an example of why we conduct causal research after descriptive research </a:t>
+            </a:r>
+          </a:p>
+          <a:p>
+            <a:r>
+              <a:rPr lang="en-US" dirty="0"/>
+              <a:t>Then can you tell me why after we do causal research, we do descriptive research again?</a:t>
             </a:r>
           </a:p>
         </p:txBody>
@@ -18503,7 +18476,7 @@
           <a:p>
             <a:fld id="{BC849E9A-41F7-4779-A581-48A7C374A227}" type="slidenum">
               <a:rPr lang="en-US" smtClean="0"/>
-              <a:t>21</a:t>
+              <a:t>19</a:t>
             </a:fld>
             <a:endParaRPr lang="en-US" dirty="0"/>
           </a:p>
@@ -18512,7 +18485,7 @@
     </p:spTree>
     <p:extLst>
       <p:ext uri="{BB962C8B-B14F-4D97-AF65-F5344CB8AC3E}">
-        <p14:creationId xmlns:p14="http://schemas.microsoft.com/office/powerpoint/2010/main" val="539714365"/>
+        <p14:creationId xmlns:p14="http://schemas.microsoft.com/office/powerpoint/2010/main" val="1761874480"/>
       </p:ext>
     </p:extLst>
   </p:cSld>
@@ -18566,24 +18539,35 @@
           <a:bodyPr/>
           <a:lstStyle/>
           <a:p>
+            <a:pPr marL="0" marR="0" lvl="0" indent="0" algn="l" defTabSz="914400" rtl="0" eaLnBrk="1" fontAlgn="auto" latinLnBrk="0" hangingPunct="1">
+              <a:lnSpc>
+                <a:spcPct val="100000"/>
+              </a:lnSpc>
+              <a:spcBef>
+                <a:spcPts val="0"/>
+              </a:spcBef>
+              <a:spcAft>
+                <a:spcPts val="0"/>
+              </a:spcAft>
+              <a:buClrTx/>
+              <a:buSzTx/>
+              <a:buFontTx/>
+              <a:buNone/>
+              <a:tabLst/>
+              <a:defRPr/>
+            </a:pPr>
+            <a:r>
+              <a:rPr lang="en-US" altLang="en-US" b="1" dirty="0"/>
+              <a:t>condition X causes event Y</a:t>
+            </a:r>
+          </a:p>
+          <a:p>
+            <a:endParaRPr lang="en-US" dirty="0"/>
+          </a:p>
+          <a:p>
             <a:r>
               <a:rPr lang="en-US" dirty="0"/>
-              <a:t>Correlation does not mean causation. </a:t>
-            </a:r>
-          </a:p>
-          <a:p>
-            <a:r>
-              <a:rPr lang="en-US" dirty="0"/>
-              <a:t>Even though you can satisfy the first condition, you have to satisfy the other conditions as well in order to establish causal relationship. Hence, many people thought they can </a:t>
-            </a:r>
-          </a:p>
-          <a:p>
-            <a:endParaRPr lang="en-US" dirty="0"/>
-          </a:p>
-          <a:p>
-            <a:r>
-              <a:rPr lang="en-US" dirty="0"/>
-              <a:t>Because we can never know for certain that we have eliminated all other possible causes of an effect, we can never state with certainty that X caused Y. </a:t>
+              <a:t>A review of causality</a:t>
             </a:r>
           </a:p>
         </p:txBody>
@@ -18605,7 +18589,7 @@
           <a:p>
             <a:fld id="{BC849E9A-41F7-4779-A581-48A7C374A227}" type="slidenum">
               <a:rPr lang="en-US" smtClean="0"/>
-              <a:t>22</a:t>
+              <a:t>20</a:t>
             </a:fld>
             <a:endParaRPr lang="en-US" dirty="0"/>
           </a:p>
@@ -18614,7 +18598,7 @@
     </p:spTree>
     <p:extLst>
       <p:ext uri="{BB962C8B-B14F-4D97-AF65-F5344CB8AC3E}">
-        <p14:creationId xmlns:p14="http://schemas.microsoft.com/office/powerpoint/2010/main" val="459305630"/>
+        <p14:creationId xmlns:p14="http://schemas.microsoft.com/office/powerpoint/2010/main" val="539714365"/>
       </p:ext>
     </p:extLst>
   </p:cSld>
@@ -18670,13 +18654,13 @@
           <a:p>
             <a:r>
               <a:rPr lang="en-US" dirty="0"/>
-              <a:t>I hope you guys did read or at least skim this chapter. Because what I am going to talk about is PhD-level knowledge. </a:t>
+              <a:t>Correlation does not mean causation. </a:t>
             </a:r>
           </a:p>
           <a:p>
             <a:r>
               <a:rPr lang="en-US" dirty="0"/>
-              <a:t>In social science, when we want to formulate a theory, we only do it in the conceptual world that contain constructs. </a:t>
+              <a:t>Even though you can satisfy the first condition, you have to satisfy the other conditions as well in order to establish causal relationship. Hence, many people thought they can </a:t>
             </a:r>
           </a:p>
           <a:p>
@@ -18685,45 +18669,7 @@
           <a:p>
             <a:r>
               <a:rPr lang="en-US" dirty="0"/>
-              <a:t>Construct is “an abstract idea or concept composed of a set of attitudes or behaviors that are thought be related.”</a:t>
-            </a:r>
-          </a:p>
-          <a:p>
-            <a:r>
-              <a:rPr lang="en-US" dirty="0"/>
-              <a:t>Variables are ”elements of a construct that can be measured or quantified” </a:t>
-            </a:r>
-          </a:p>
-          <a:p>
-            <a:r>
-              <a:rPr lang="en-US" dirty="0"/>
-              <a:t>They are called variables because they can take on different values, that is, they can vary </a:t>
-            </a:r>
-          </a:p>
-          <a:p>
-            <a:endParaRPr lang="en-US" dirty="0"/>
-          </a:p>
-          <a:p>
-            <a:r>
-              <a:rPr lang="en-US" dirty="0"/>
-              <a:t>I know this still seems rather vague; we will go into an example in the next slide</a:t>
-            </a:r>
-          </a:p>
-          <a:p>
-            <a:endParaRPr lang="en-US" dirty="0"/>
-          </a:p>
-          <a:p>
-            <a:r>
-              <a:rPr lang="en-US" dirty="0"/>
-              <a:t>If you can understand the difference between constructs and variables, you already finish a quarter of your </a:t>
-            </a:r>
-            <a:r>
-              <a:rPr lang="en-US" dirty="0" err="1"/>
-              <a:t>phd</a:t>
-            </a:r>
-            <a:r>
-              <a:rPr lang="en-US" dirty="0"/>
-              <a:t>. </a:t>
+              <a:t>Because we can never know for certain that we have eliminated all other possible causes of an effect, we can never state with certainty that X caused Y. </a:t>
             </a:r>
           </a:p>
         </p:txBody>
@@ -18745,7 +18691,7 @@
           <a:p>
             <a:fld id="{BC849E9A-41F7-4779-A581-48A7C374A227}" type="slidenum">
               <a:rPr lang="en-US" smtClean="0"/>
-              <a:t>24</a:t>
+              <a:t>21</a:t>
             </a:fld>
             <a:endParaRPr lang="en-US" dirty="0"/>
           </a:p>
@@ -18754,7 +18700,7 @@
     </p:spTree>
     <p:extLst>
       <p:ext uri="{BB962C8B-B14F-4D97-AF65-F5344CB8AC3E}">
-        <p14:creationId xmlns:p14="http://schemas.microsoft.com/office/powerpoint/2010/main" val="577857294"/>
+        <p14:creationId xmlns:p14="http://schemas.microsoft.com/office/powerpoint/2010/main" val="459305630"/>
       </p:ext>
     </p:extLst>
   </p:cSld>
@@ -18810,120 +18756,60 @@
           <a:p>
             <a:r>
               <a:rPr lang="en-US" dirty="0"/>
-              <a:t>4 ads, what is the “best” ad?</a:t>
+              <a:t>I hope you guys did read or at least skim this chapter. Because what I am going to talk about is PhD-level knowledge. </a:t>
             </a:r>
           </a:p>
           <a:p>
             <a:r>
               <a:rPr lang="en-US" dirty="0"/>
-              <a:t>What info we need to determine the best ad?</a:t>
+              <a:t>In social science, when we want to formulate a theory, we only do it in the conceptual world that contain constructs. </a:t>
             </a:r>
           </a:p>
           <a:p>
-            <a:pPr marL="171450" indent="-171450">
-              <a:buFont typeface="Arial" panose="020B0604020202020204" pitchFamily="34" charset="0"/>
-              <a:buChar char="•"/>
-            </a:pPr>
+            <a:endParaRPr lang="en-US" dirty="0"/>
+          </a:p>
+          <a:p>
             <a:r>
               <a:rPr lang="en-US" dirty="0"/>
-              <a:t>Memory: Memorable? </a:t>
+              <a:t>Construct is “an abstract idea or concept composed of a set of attitudes or behaviors that are thought be related.”</a:t>
             </a:r>
           </a:p>
           <a:p>
-            <a:pPr marL="171450" indent="-171450">
-              <a:buFont typeface="Arial" panose="020B0604020202020204" pitchFamily="34" charset="0"/>
-              <a:buChar char="•"/>
-            </a:pPr>
             <a:r>
               <a:rPr lang="en-US" dirty="0"/>
-              <a:t>Relevance: Relevant? </a:t>
+              <a:t>Variables are ”elements of a construct that can be measured or quantified” </a:t>
             </a:r>
           </a:p>
           <a:p>
-            <a:pPr marL="171450" indent="-171450">
-              <a:buFont typeface="Arial" panose="020B0604020202020204" pitchFamily="34" charset="0"/>
-              <a:buChar char="•"/>
-            </a:pPr>
             <a:r>
               <a:rPr lang="en-US" dirty="0"/>
-              <a:t>Believability: Most believable? </a:t>
+              <a:t>They are called variables because they can take on different values, that is, they can vary </a:t>
             </a:r>
           </a:p>
           <a:p>
-            <a:pPr marL="171450" indent="-171450">
-              <a:buFont typeface="Arial" panose="020B0604020202020204" pitchFamily="34" charset="0"/>
-              <a:buChar char="•"/>
-            </a:pPr>
+            <a:endParaRPr lang="en-US" dirty="0"/>
+          </a:p>
+          <a:p>
             <a:r>
               <a:rPr lang="en-US" dirty="0"/>
-              <a:t>Understandability: Least likely to be misinterpreted? </a:t>
+              <a:t>I know this still seems rather vague; we will go into an example in the next slide</a:t>
             </a:r>
           </a:p>
           <a:p>
-            <a:pPr marL="171450" indent="-171450">
-              <a:buFont typeface="Arial" panose="020B0604020202020204" pitchFamily="34" charset="0"/>
-              <a:buChar char="•"/>
-            </a:pPr>
+            <a:endParaRPr lang="en-US" dirty="0"/>
+          </a:p>
+          <a:p>
             <a:r>
               <a:rPr lang="en-US" dirty="0"/>
-              <a:t>Likeability: Most likeable? </a:t>
+              <a:t>If you can understand the difference between constructs and variables, you already finish a quarter of your </a:t>
             </a:r>
-          </a:p>
-          <a:p>
-            <a:pPr marL="171450" indent="-171450">
-              <a:buFont typeface="Arial" panose="020B0604020202020204" pitchFamily="34" charset="0"/>
-              <a:buChar char="•"/>
-            </a:pPr>
+            <a:r>
+              <a:rPr lang="en-US" dirty="0" err="1"/>
+              <a:t>phd</a:t>
+            </a:r>
             <a:r>
               <a:rPr lang="en-US" dirty="0"/>
-              <a:t>Attitude: Most likely to produce a favorable attitude? </a:t>
-            </a:r>
-          </a:p>
-          <a:p>
-            <a:pPr marL="171450" indent="-171450">
-              <a:buFont typeface="Arial" panose="020B0604020202020204" pitchFamily="34" charset="0"/>
-              <a:buChar char="•"/>
-            </a:pPr>
-            <a:r>
-              <a:rPr lang="en-US" dirty="0"/>
-              <a:t>Purchase Intention: Mostly likely to produce an intention to buy the advertised product? </a:t>
-            </a:r>
-          </a:p>
-          <a:p>
-            <a:pPr marL="0" indent="0">
-              <a:buFont typeface="Arial" panose="020B0604020202020204" pitchFamily="34" charset="0"/>
-              <a:buNone/>
-            </a:pPr>
-            <a:r>
-              <a:rPr lang="en-US" dirty="0"/>
-              <a:t>These questions represent the different types of info we could collect. </a:t>
-            </a:r>
-          </a:p>
-          <a:p>
-            <a:pPr marL="0" indent="0">
-              <a:buFont typeface="Arial" panose="020B0604020202020204" pitchFamily="34" charset="0"/>
-              <a:buNone/>
-            </a:pPr>
-            <a:r>
-              <a:rPr lang="en-US" dirty="0"/>
-              <a:t>Each is a separate construct </a:t>
-            </a:r>
-          </a:p>
-          <a:p>
-            <a:pPr marL="0" indent="0">
-              <a:buFont typeface="Arial" panose="020B0604020202020204" pitchFamily="34" charset="0"/>
-              <a:buNone/>
-            </a:pPr>
-            <a:endParaRPr lang="en-US" dirty="0"/>
-          </a:p>
-          <a:p>
-            <a:pPr marL="0" indent="0">
-              <a:buFont typeface="Arial" panose="020B0604020202020204" pitchFamily="34" charset="0"/>
-              <a:buNone/>
-            </a:pPr>
-            <a:r>
-              <a:rPr lang="en-US" dirty="0"/>
-              <a:t>Ask students if they want to see examples first or conceptual slide first. </a:t>
+              <a:t>. </a:t>
             </a:r>
           </a:p>
         </p:txBody>
@@ -18945,7 +18831,7 @@
           <a:p>
             <a:fld id="{BC849E9A-41F7-4779-A581-48A7C374A227}" type="slidenum">
               <a:rPr lang="en-US" smtClean="0"/>
-              <a:t>25</a:t>
+              <a:t>23</a:t>
             </a:fld>
             <a:endParaRPr lang="en-US" dirty="0"/>
           </a:p>
@@ -18954,7 +18840,7 @@
     </p:spTree>
     <p:extLst>
       <p:ext uri="{BB962C8B-B14F-4D97-AF65-F5344CB8AC3E}">
-        <p14:creationId xmlns:p14="http://schemas.microsoft.com/office/powerpoint/2010/main" val="3681730131"/>
+        <p14:creationId xmlns:p14="http://schemas.microsoft.com/office/powerpoint/2010/main" val="577857294"/>
       </p:ext>
     </p:extLst>
   </p:cSld>
@@ -19009,14 +18895,105 @@
           <a:lstStyle/>
           <a:p>
             <a:r>
-              <a:rPr lang="en-US" sz="1800" dirty="0">
-                <a:effectLst/>
-                <a:latin typeface="Arial" panose="020B0604020202020204" pitchFamily="34" charset="0"/>
-                <a:ea typeface="Arial" panose="020B0604020202020204" pitchFamily="34" charset="0"/>
-              </a:rPr>
-              <a:t>Most research questions in your project will be this type. You will simply describe some characteristics of your respondents such as how often they eat out at a restaurant, where they usually shop for groceries, how much they would pay for a Valentine’s Day bouquet, or which of several promotional packages they prefer</a:t>
+              <a:rPr lang="en-US" dirty="0"/>
+              <a:t>4 ads, what is the “best” ad?</a:t>
             </a:r>
-            <a:endParaRPr lang="en-US" dirty="0"/>
+          </a:p>
+          <a:p>
+            <a:r>
+              <a:rPr lang="en-US" dirty="0"/>
+              <a:t>What info we need to determine the best ad?</a:t>
+            </a:r>
+          </a:p>
+          <a:p>
+            <a:pPr marL="171450" indent="-171450">
+              <a:buFont typeface="Arial" panose="020B0604020202020204" pitchFamily="34" charset="0"/>
+              <a:buChar char="•"/>
+            </a:pPr>
+            <a:r>
+              <a:rPr lang="en-US" dirty="0"/>
+              <a:t>Memory: Memorable? </a:t>
+            </a:r>
+          </a:p>
+          <a:p>
+            <a:pPr marL="171450" indent="-171450">
+              <a:buFont typeface="Arial" panose="020B0604020202020204" pitchFamily="34" charset="0"/>
+              <a:buChar char="•"/>
+            </a:pPr>
+            <a:r>
+              <a:rPr lang="en-US" dirty="0"/>
+              <a:t>Relevance: Relevant? </a:t>
+            </a:r>
+          </a:p>
+          <a:p>
+            <a:pPr marL="171450" indent="-171450">
+              <a:buFont typeface="Arial" panose="020B0604020202020204" pitchFamily="34" charset="0"/>
+              <a:buChar char="•"/>
+            </a:pPr>
+            <a:r>
+              <a:rPr lang="en-US" dirty="0"/>
+              <a:t>Believability: Most believable? </a:t>
+            </a:r>
+          </a:p>
+          <a:p>
+            <a:pPr marL="171450" indent="-171450">
+              <a:buFont typeface="Arial" panose="020B0604020202020204" pitchFamily="34" charset="0"/>
+              <a:buChar char="•"/>
+            </a:pPr>
+            <a:r>
+              <a:rPr lang="en-US" dirty="0"/>
+              <a:t>Understandability: Least likely to be misinterpreted? </a:t>
+            </a:r>
+          </a:p>
+          <a:p>
+            <a:pPr marL="171450" indent="-171450">
+              <a:buFont typeface="Arial" panose="020B0604020202020204" pitchFamily="34" charset="0"/>
+              <a:buChar char="•"/>
+            </a:pPr>
+            <a:r>
+              <a:rPr lang="en-US" dirty="0"/>
+              <a:t>Likeability: Most likable? </a:t>
+            </a:r>
+          </a:p>
+          <a:p>
+            <a:pPr marL="171450" indent="-171450">
+              <a:buFont typeface="Arial" panose="020B0604020202020204" pitchFamily="34" charset="0"/>
+              <a:buChar char="•"/>
+            </a:pPr>
+            <a:r>
+              <a:rPr lang="en-US" dirty="0"/>
+              <a:t>Attitude: Most likely to produce a favorable attitude? </a:t>
+            </a:r>
+          </a:p>
+          <a:p>
+            <a:pPr marL="171450" indent="-171450">
+              <a:buFont typeface="Arial" panose="020B0604020202020204" pitchFamily="34" charset="0"/>
+              <a:buChar char="•"/>
+            </a:pPr>
+            <a:r>
+              <a:rPr lang="en-US" dirty="0"/>
+              <a:t>Purchase Intention: Mostly likely to produce an intention to buy the advertised product? </a:t>
+            </a:r>
+          </a:p>
+          <a:p>
+            <a:pPr marL="0" indent="0">
+              <a:buFont typeface="Arial" panose="020B0604020202020204" pitchFamily="34" charset="0"/>
+              <a:buNone/>
+            </a:pPr>
+            <a:r>
+              <a:rPr lang="en-US" dirty="0"/>
+              <a:t>These questions represent the different types of info we could collect. </a:t>
+            </a:r>
+          </a:p>
+          <a:p>
+            <a:pPr marL="0" indent="0">
+              <a:buFont typeface="Arial" panose="020B0604020202020204" pitchFamily="34" charset="0"/>
+              <a:buNone/>
+            </a:pPr>
+            <a:r>
+              <a:rPr lang="en-US" dirty="0"/>
+              <a:t>Each is a separate construct </a:t>
+            </a:r>
           </a:p>
         </p:txBody>
       </p:sp>
@@ -19037,7 +19014,99 @@
           <a:p>
             <a:fld id="{BC849E9A-41F7-4779-A581-48A7C374A227}" type="slidenum">
               <a:rPr lang="en-US" smtClean="0"/>
-              <a:t>27</a:t>
+              <a:t>24</a:t>
+            </a:fld>
+            <a:endParaRPr lang="en-US" dirty="0"/>
+          </a:p>
+        </p:txBody>
+      </p:sp>
+    </p:spTree>
+    <p:extLst>
+      <p:ext uri="{BB962C8B-B14F-4D97-AF65-F5344CB8AC3E}">
+        <p14:creationId xmlns:p14="http://schemas.microsoft.com/office/powerpoint/2010/main" val="3681730131"/>
+      </p:ext>
+    </p:extLst>
+  </p:cSld>
+  <p:clrMapOvr>
+    <a:masterClrMapping/>
+  </p:clrMapOvr>
+</p:notes>
+</file>
+
+<file path=ppt/notesSlides/notesSlide17.xml><?xml version="1.0" encoding="utf-8"?>
+<p:notes xmlns:a="http://schemas.openxmlformats.org/drawingml/2006/main" xmlns:r="http://schemas.openxmlformats.org/officeDocument/2006/relationships" xmlns:p="http://schemas.openxmlformats.org/presentationml/2006/main">
+  <p:cSld>
+    <p:spTree>
+      <p:nvGrpSpPr>
+        <p:cNvPr id="1" name=""/>
+        <p:cNvGrpSpPr/>
+        <p:nvPr/>
+      </p:nvGrpSpPr>
+      <p:grpSpPr>
+        <a:xfrm>
+          <a:off x="0" y="0"/>
+          <a:ext cx="0" cy="0"/>
+          <a:chOff x="0" y="0"/>
+          <a:chExt cx="0" cy="0"/>
+        </a:xfrm>
+      </p:grpSpPr>
+      <p:sp>
+        <p:nvSpPr>
+          <p:cNvPr id="2" name="Slide Image Placeholder 1"/>
+          <p:cNvSpPr>
+            <a:spLocks noGrp="1" noRot="1" noChangeAspect="1"/>
+          </p:cNvSpPr>
+          <p:nvPr>
+            <p:ph type="sldImg"/>
+          </p:nvPr>
+        </p:nvSpPr>
+        <p:spPr/>
+      </p:sp>
+      <p:sp>
+        <p:nvSpPr>
+          <p:cNvPr id="3" name="Notes Placeholder 2"/>
+          <p:cNvSpPr>
+            <a:spLocks noGrp="1"/>
+          </p:cNvSpPr>
+          <p:nvPr>
+            <p:ph type="body" idx="1"/>
+          </p:nvPr>
+        </p:nvSpPr>
+        <p:spPr/>
+        <p:txBody>
+          <a:bodyPr/>
+          <a:lstStyle/>
+          <a:p>
+            <a:r>
+              <a:rPr lang="en-US" sz="1800" dirty="0">
+                <a:effectLst/>
+                <a:latin typeface="Arial" panose="020B0604020202020204" pitchFamily="34" charset="0"/>
+                <a:ea typeface="Arial" panose="020B0604020202020204" pitchFamily="34" charset="0"/>
+              </a:rPr>
+              <a:t>Most research questions in your project will be this type. You will simply describe some characteristics of your respondents such as how often they eat out at a restaurant, where they usually shop for groceries, how much they would pay for a Valentine’s Day bouquet, or which of several promotional packages they prefer</a:t>
+            </a:r>
+            <a:endParaRPr lang="en-US" dirty="0"/>
+          </a:p>
+        </p:txBody>
+      </p:sp>
+      <p:sp>
+        <p:nvSpPr>
+          <p:cNvPr id="4" name="Slide Number Placeholder 3"/>
+          <p:cNvSpPr>
+            <a:spLocks noGrp="1"/>
+          </p:cNvSpPr>
+          <p:nvPr>
+            <p:ph type="sldNum" sz="quarter" idx="5"/>
+          </p:nvPr>
+        </p:nvSpPr>
+        <p:spPr/>
+        <p:txBody>
+          <a:bodyPr/>
+          <a:lstStyle/>
+          <a:p>
+            <a:fld id="{BC849E9A-41F7-4779-A581-48A7C374A227}" type="slidenum">
+              <a:rPr lang="en-US" smtClean="0"/>
+              <a:t>26</a:t>
             </a:fld>
             <a:endParaRPr lang="en-US" dirty="0"/>
           </a:p>
@@ -19056,7 +19125,7 @@
 </p:notes>
 </file>
 
-<file path=ppt/notesSlides/notesSlide17.xml><?xml version="1.0" encoding="utf-8"?>
+<file path=ppt/notesSlides/notesSlide18.xml><?xml version="1.0" encoding="utf-8"?>
 <p:notes xmlns:a="http://schemas.openxmlformats.org/drawingml/2006/main" xmlns:r="http://schemas.openxmlformats.org/officeDocument/2006/relationships" xmlns:p="http://schemas.openxmlformats.org/presentationml/2006/main">
   <p:cSld>
     <p:spTree>
@@ -19276,7 +19345,7 @@
           <a:p>
             <a:fld id="{BC849E9A-41F7-4779-A581-48A7C374A227}" type="slidenum">
               <a:rPr lang="en-US" smtClean="0"/>
-              <a:t>28</a:t>
+              <a:t>27</a:t>
             </a:fld>
             <a:endParaRPr lang="en-US" dirty="0"/>
           </a:p>
@@ -19286,159 +19355,6 @@
     <p:extLst>
       <p:ext uri="{BB962C8B-B14F-4D97-AF65-F5344CB8AC3E}">
         <p14:creationId xmlns:p14="http://schemas.microsoft.com/office/powerpoint/2010/main" val="4145748152"/>
-      </p:ext>
-    </p:extLst>
-  </p:cSld>
-  <p:clrMapOvr>
-    <a:masterClrMapping/>
-  </p:clrMapOvr>
-</p:notes>
-</file>
-
-<file path=ppt/notesSlides/notesSlide18.xml><?xml version="1.0" encoding="utf-8"?>
-<p:notes xmlns:a="http://schemas.openxmlformats.org/drawingml/2006/main" xmlns:r="http://schemas.openxmlformats.org/officeDocument/2006/relationships" xmlns:p="http://schemas.openxmlformats.org/presentationml/2006/main">
-  <p:cSld>
-    <p:spTree>
-      <p:nvGrpSpPr>
-        <p:cNvPr id="1" name=""/>
-        <p:cNvGrpSpPr/>
-        <p:nvPr/>
-      </p:nvGrpSpPr>
-      <p:grpSpPr>
-        <a:xfrm>
-          <a:off x="0" y="0"/>
-          <a:ext cx="0" cy="0"/>
-          <a:chOff x="0" y="0"/>
-          <a:chExt cx="0" cy="0"/>
-        </a:xfrm>
-      </p:grpSpPr>
-      <p:sp>
-        <p:nvSpPr>
-          <p:cNvPr id="2" name="Slide Image Placeholder 1"/>
-          <p:cNvSpPr>
-            <a:spLocks noGrp="1" noRot="1" noChangeAspect="1"/>
-          </p:cNvSpPr>
-          <p:nvPr>
-            <p:ph type="sldImg"/>
-          </p:nvPr>
-        </p:nvSpPr>
-        <p:spPr/>
-      </p:sp>
-      <p:sp>
-        <p:nvSpPr>
-          <p:cNvPr id="3" name="Notes Placeholder 2"/>
-          <p:cNvSpPr>
-            <a:spLocks noGrp="1"/>
-          </p:cNvSpPr>
-          <p:nvPr>
-            <p:ph type="body" idx="1"/>
-          </p:nvPr>
-        </p:nvSpPr>
-        <p:spPr/>
-        <p:txBody>
-          <a:bodyPr/>
-          <a:lstStyle/>
-          <a:p>
-            <a:pPr marL="0" marR="0" lvl="0" indent="0" algn="l" defTabSz="914400" rtl="0" eaLnBrk="1" fontAlgn="auto" latinLnBrk="0" hangingPunct="1">
-              <a:lnSpc>
-                <a:spcPct val="100000"/>
-              </a:lnSpc>
-              <a:spcBef>
-                <a:spcPts val="0"/>
-              </a:spcBef>
-              <a:spcAft>
-                <a:spcPts val="0"/>
-              </a:spcAft>
-              <a:buClrTx/>
-              <a:buSzTx/>
-              <a:buFontTx/>
-              <a:buNone/>
-              <a:tabLst/>
-              <a:defRPr/>
-            </a:pPr>
-            <a:r>
-              <a:rPr lang="en-US" dirty="0"/>
-              <a:t>The frequency of eating out can be infrequent, medium frequent, and frequent. </a:t>
-            </a:r>
-          </a:p>
-          <a:p>
-            <a:pPr marL="0" marR="0" lvl="0" indent="0" algn="l" defTabSz="914400" rtl="0" eaLnBrk="1" fontAlgn="auto" latinLnBrk="0" hangingPunct="1">
-              <a:lnSpc>
-                <a:spcPct val="100000"/>
-              </a:lnSpc>
-              <a:spcBef>
-                <a:spcPts val="0"/>
-              </a:spcBef>
-              <a:spcAft>
-                <a:spcPts val="0"/>
-              </a:spcAft>
-              <a:buClrTx/>
-              <a:buSzTx/>
-              <a:buFontTx/>
-              <a:buNone/>
-              <a:tabLst/>
-              <a:defRPr/>
-            </a:pPr>
-            <a:r>
-              <a:rPr lang="en-US" dirty="0"/>
-              <a:t>Then you can say if family size increases, the frequency of eating out decreases or vice versa. </a:t>
-            </a:r>
-          </a:p>
-          <a:p>
-            <a:pPr marL="0" marR="0" lvl="0" indent="0" algn="l" defTabSz="914400" rtl="0" eaLnBrk="1" fontAlgn="auto" latinLnBrk="0" hangingPunct="1">
-              <a:lnSpc>
-                <a:spcPct val="100000"/>
-              </a:lnSpc>
-              <a:spcBef>
-                <a:spcPts val="0"/>
-              </a:spcBef>
-              <a:spcAft>
-                <a:spcPts val="0"/>
-              </a:spcAft>
-              <a:buClrTx/>
-              <a:buSzTx/>
-              <a:buFontTx/>
-              <a:buNone/>
-              <a:tabLst/>
-              <a:defRPr/>
-            </a:pPr>
-            <a:r>
-              <a:rPr lang="en-US" dirty="0"/>
-              <a:t>Thus, association analysis is a special case of difference analysis.</a:t>
-            </a:r>
-          </a:p>
-          <a:p>
-            <a:endParaRPr lang="en-US" dirty="0"/>
-          </a:p>
-        </p:txBody>
-      </p:sp>
-      <p:sp>
-        <p:nvSpPr>
-          <p:cNvPr id="4" name="Slide Number Placeholder 3"/>
-          <p:cNvSpPr>
-            <a:spLocks noGrp="1"/>
-          </p:cNvSpPr>
-          <p:nvPr>
-            <p:ph type="sldNum" sz="quarter" idx="5"/>
-          </p:nvPr>
-        </p:nvSpPr>
-        <p:spPr/>
-        <p:txBody>
-          <a:bodyPr/>
-          <a:lstStyle/>
-          <a:p>
-            <a:fld id="{BC849E9A-41F7-4779-A581-48A7C374A227}" type="slidenum">
-              <a:rPr lang="en-US" smtClean="0"/>
-              <a:t>30</a:t>
-            </a:fld>
-            <a:endParaRPr lang="en-US" dirty="0"/>
-          </a:p>
-        </p:txBody>
-      </p:sp>
-    </p:spTree>
-    <p:extLst>
-      <p:ext uri="{BB962C8B-B14F-4D97-AF65-F5344CB8AC3E}">
-        <p14:creationId xmlns:p14="http://schemas.microsoft.com/office/powerpoint/2010/main" val="4180024983"/>
       </p:ext>
     </p:extLst>
   </p:cSld>
@@ -19492,9 +19408,72 @@
           <a:bodyPr/>
           <a:lstStyle/>
           <a:p>
+            <a:pPr marL="0" marR="0" lvl="0" indent="0" algn="l" defTabSz="914400" rtl="0" eaLnBrk="1" fontAlgn="auto" latinLnBrk="0" hangingPunct="1">
+              <a:lnSpc>
+                <a:spcPct val="100000"/>
+              </a:lnSpc>
+              <a:spcBef>
+                <a:spcPts val="0"/>
+              </a:spcBef>
+              <a:spcAft>
+                <a:spcPts val="0"/>
+              </a:spcAft>
+              <a:buClrTx/>
+              <a:buSzTx/>
+              <a:buFontTx/>
+              <a:buNone/>
+              <a:tabLst/>
+              <a:defRPr/>
+            </a:pPr>
             <a:r>
               <a:rPr lang="en-US" dirty="0"/>
-              <a:t>We will learn more about this in chapters 17 and 18 </a:t>
+              <a:t>The frequency of eating out can be infrequent, medium frequent, and frequent. </a:t>
+            </a:r>
+          </a:p>
+          <a:p>
+            <a:pPr marL="0" marR="0" lvl="0" indent="0" algn="l" defTabSz="914400" rtl="0" eaLnBrk="1" fontAlgn="auto" latinLnBrk="0" hangingPunct="1">
+              <a:lnSpc>
+                <a:spcPct val="100000"/>
+              </a:lnSpc>
+              <a:spcBef>
+                <a:spcPts val="0"/>
+              </a:spcBef>
+              <a:spcAft>
+                <a:spcPts val="0"/>
+              </a:spcAft>
+              <a:buClrTx/>
+              <a:buSzTx/>
+              <a:buFontTx/>
+              <a:buNone/>
+              <a:tabLst/>
+              <a:defRPr/>
+            </a:pPr>
+            <a:r>
+              <a:rPr lang="en-US" dirty="0"/>
+              <a:t>Then you can say if family size increases, the frequency of eating out decreases or vice versa. </a:t>
+            </a:r>
+          </a:p>
+          <a:p>
+            <a:pPr marL="0" marR="0" lvl="0" indent="0" algn="l" defTabSz="914400" rtl="0" eaLnBrk="1" fontAlgn="auto" latinLnBrk="0" hangingPunct="1">
+              <a:lnSpc>
+                <a:spcPct val="100000"/>
+              </a:lnSpc>
+              <a:spcBef>
+                <a:spcPts val="0"/>
+              </a:spcBef>
+              <a:spcAft>
+                <a:spcPts val="0"/>
+              </a:spcAft>
+              <a:buClrTx/>
+              <a:buSzTx/>
+              <a:buFontTx/>
+              <a:buNone/>
+              <a:tabLst/>
+              <a:defRPr/>
+            </a:pPr>
+            <a:r>
+              <a:rPr lang="en-US" dirty="0"/>
+              <a:t>Thus, association analysis is a special case of difference analysis.</a:t>
             </a:r>
           </a:p>
           <a:p>
@@ -19519,7 +19498,7 @@
           <a:p>
             <a:fld id="{BC849E9A-41F7-4779-A581-48A7C374A227}" type="slidenum">
               <a:rPr lang="en-US" smtClean="0"/>
-              <a:t>32</a:t>
+              <a:t>29</a:t>
             </a:fld>
             <a:endParaRPr lang="en-US" dirty="0"/>
           </a:p>
@@ -19528,7 +19507,7 @@
     </p:spTree>
     <p:extLst>
       <p:ext uri="{BB962C8B-B14F-4D97-AF65-F5344CB8AC3E}">
-        <p14:creationId xmlns:p14="http://schemas.microsoft.com/office/powerpoint/2010/main" val="1927850737"/>
+        <p14:creationId xmlns:p14="http://schemas.microsoft.com/office/powerpoint/2010/main" val="4180024983"/>
       </p:ext>
     </p:extLst>
   </p:cSld>
@@ -19582,10 +19561,7 @@
           <a:bodyPr/>
           <a:lstStyle/>
           <a:p>
-            <a:r>
-              <a:rPr lang="en-US" dirty="0"/>
-              <a:t>Open Gephi</a:t>
-            </a:r>
+            <a:endParaRPr lang="en-US" dirty="0"/>
           </a:p>
         </p:txBody>
       </p:sp>
@@ -19606,7 +19582,7 @@
           <a:p>
             <a:fld id="{BC849E9A-41F7-4779-A581-48A7C374A227}" type="slidenum">
               <a:rPr lang="en-US" smtClean="0"/>
-              <a:t>6</a:t>
+              <a:t>5</a:t>
             </a:fld>
             <a:endParaRPr lang="en-US" dirty="0"/>
           </a:p>
@@ -19615,7 +19591,7 @@
     </p:spTree>
     <p:extLst>
       <p:ext uri="{BB962C8B-B14F-4D97-AF65-F5344CB8AC3E}">
-        <p14:creationId xmlns:p14="http://schemas.microsoft.com/office/powerpoint/2010/main" val="2893599885"/>
+        <p14:creationId xmlns:p14="http://schemas.microsoft.com/office/powerpoint/2010/main" val="23711877"/>
       </p:ext>
     </p:extLst>
   </p:cSld>
@@ -19671,17 +19647,11 @@
           <a:p>
             <a:r>
               <a:rPr lang="en-US" dirty="0"/>
-              <a:t>Go over 2 research question </a:t>
+              <a:t>We will learn more about this in chapters 17 and 18 </a:t>
             </a:r>
           </a:p>
           <a:p>
             <a:endParaRPr lang="en-US" dirty="0"/>
-          </a:p>
-          <a:p>
-            <a:r>
-              <a:rPr lang="en-US" dirty="0"/>
-              <a:t>Depends on time, might continue or cut it down</a:t>
-            </a:r>
           </a:p>
         </p:txBody>
       </p:sp>
@@ -19702,7 +19672,7 @@
           <a:p>
             <a:fld id="{BC849E9A-41F7-4779-A581-48A7C374A227}" type="slidenum">
               <a:rPr lang="en-US" smtClean="0"/>
-              <a:t>33</a:t>
+              <a:t>31</a:t>
             </a:fld>
             <a:endParaRPr lang="en-US" dirty="0"/>
           </a:p>
@@ -19711,7 +19681,7 @@
     </p:spTree>
     <p:extLst>
       <p:ext uri="{BB962C8B-B14F-4D97-AF65-F5344CB8AC3E}">
-        <p14:creationId xmlns:p14="http://schemas.microsoft.com/office/powerpoint/2010/main" val="408315017"/>
+        <p14:creationId xmlns:p14="http://schemas.microsoft.com/office/powerpoint/2010/main" val="1927850737"/>
       </p:ext>
     </p:extLst>
   </p:cSld>
@@ -19767,7 +19737,16 @@
           <a:p>
             <a:r>
               <a:rPr lang="en-US" dirty="0"/>
-              <a:t>Might be 10 mins</a:t>
+              <a:t>Go over 2 research question </a:t>
+            </a:r>
+          </a:p>
+          <a:p>
+            <a:endParaRPr lang="en-US" dirty="0"/>
+          </a:p>
+          <a:p>
+            <a:r>
+              <a:rPr lang="en-US" dirty="0"/>
+              <a:t>Depends on time, might continue or cut it down</a:t>
             </a:r>
           </a:p>
         </p:txBody>
@@ -19789,7 +19768,7 @@
           <a:p>
             <a:fld id="{BC849E9A-41F7-4779-A581-48A7C374A227}" type="slidenum">
               <a:rPr lang="en-US" smtClean="0"/>
-              <a:t>34</a:t>
+              <a:t>32</a:t>
             </a:fld>
             <a:endParaRPr lang="en-US" dirty="0"/>
           </a:p>
@@ -19798,7 +19777,7 @@
     </p:spTree>
     <p:extLst>
       <p:ext uri="{BB962C8B-B14F-4D97-AF65-F5344CB8AC3E}">
-        <p14:creationId xmlns:p14="http://schemas.microsoft.com/office/powerpoint/2010/main" val="2509987518"/>
+        <p14:creationId xmlns:p14="http://schemas.microsoft.com/office/powerpoint/2010/main" val="408315017"/>
       </p:ext>
     </p:extLst>
   </p:cSld>
@@ -19854,7 +19833,7 @@
           <a:p>
             <a:r>
               <a:rPr lang="en-US" dirty="0"/>
-              <a:t>Need to be consistent. You can’t target new customers, then all your questions are for existing customers. This inconsistency will cost you points. </a:t>
+              <a:t>Might be 10 mins</a:t>
             </a:r>
           </a:p>
         </p:txBody>
@@ -19876,7 +19855,7 @@
           <a:p>
             <a:fld id="{BC849E9A-41F7-4779-A581-48A7C374A227}" type="slidenum">
               <a:rPr lang="en-US" smtClean="0"/>
-              <a:t>35</a:t>
+              <a:t>33</a:t>
             </a:fld>
             <a:endParaRPr lang="en-US" dirty="0"/>
           </a:p>
@@ -19885,7 +19864,7 @@
     </p:spTree>
     <p:extLst>
       <p:ext uri="{BB962C8B-B14F-4D97-AF65-F5344CB8AC3E}">
-        <p14:creationId xmlns:p14="http://schemas.microsoft.com/office/powerpoint/2010/main" val="3055174087"/>
+        <p14:creationId xmlns:p14="http://schemas.microsoft.com/office/powerpoint/2010/main" val="2509987518"/>
       </p:ext>
     </p:extLst>
   </p:cSld>
@@ -19941,7 +19920,7 @@
           <a:p>
             <a:r>
               <a:rPr lang="en-US" dirty="0"/>
-              <a:t>https://bookdown.org/mike/marketing_research/empirical-models.html#sales-funnel</a:t>
+              <a:t>Need to be consistent. You can’t target new customers, then all your questions are for existing customers. This inconsistency will cost you points. </a:t>
             </a:r>
           </a:p>
         </p:txBody>
@@ -19963,7 +19942,94 @@
           <a:p>
             <a:fld id="{BC849E9A-41F7-4779-A581-48A7C374A227}" type="slidenum">
               <a:rPr lang="en-US" smtClean="0"/>
-              <a:t>38</a:t>
+              <a:t>34</a:t>
+            </a:fld>
+            <a:endParaRPr lang="en-US" dirty="0"/>
+          </a:p>
+        </p:txBody>
+      </p:sp>
+    </p:spTree>
+    <p:extLst>
+      <p:ext uri="{BB962C8B-B14F-4D97-AF65-F5344CB8AC3E}">
+        <p14:creationId xmlns:p14="http://schemas.microsoft.com/office/powerpoint/2010/main" val="3055174087"/>
+      </p:ext>
+    </p:extLst>
+  </p:cSld>
+  <p:clrMapOvr>
+    <a:masterClrMapping/>
+  </p:clrMapOvr>
+</p:notes>
+</file>
+
+<file path=ppt/notesSlides/notesSlide24.xml><?xml version="1.0" encoding="utf-8"?>
+<p:notes xmlns:a="http://schemas.openxmlformats.org/drawingml/2006/main" xmlns:r="http://schemas.openxmlformats.org/officeDocument/2006/relationships" xmlns:p="http://schemas.openxmlformats.org/presentationml/2006/main">
+  <p:cSld>
+    <p:spTree>
+      <p:nvGrpSpPr>
+        <p:cNvPr id="1" name=""/>
+        <p:cNvGrpSpPr/>
+        <p:nvPr/>
+      </p:nvGrpSpPr>
+      <p:grpSpPr>
+        <a:xfrm>
+          <a:off x="0" y="0"/>
+          <a:ext cx="0" cy="0"/>
+          <a:chOff x="0" y="0"/>
+          <a:chExt cx="0" cy="0"/>
+        </a:xfrm>
+      </p:grpSpPr>
+      <p:sp>
+        <p:nvSpPr>
+          <p:cNvPr id="2" name="Slide Image Placeholder 1"/>
+          <p:cNvSpPr>
+            <a:spLocks noGrp="1" noRot="1" noChangeAspect="1"/>
+          </p:cNvSpPr>
+          <p:nvPr>
+            <p:ph type="sldImg"/>
+          </p:nvPr>
+        </p:nvSpPr>
+        <p:spPr/>
+      </p:sp>
+      <p:sp>
+        <p:nvSpPr>
+          <p:cNvPr id="3" name="Notes Placeholder 2"/>
+          <p:cNvSpPr>
+            <a:spLocks noGrp="1"/>
+          </p:cNvSpPr>
+          <p:nvPr>
+            <p:ph type="body" idx="1"/>
+          </p:nvPr>
+        </p:nvSpPr>
+        <p:spPr/>
+        <p:txBody>
+          <a:bodyPr/>
+          <a:lstStyle/>
+          <a:p>
+            <a:r>
+              <a:rPr lang="en-US" dirty="0"/>
+              <a:t>https://bookdown.org/mike/marketing_research/empirical-models.html#sales-funnel</a:t>
+            </a:r>
+          </a:p>
+        </p:txBody>
+      </p:sp>
+      <p:sp>
+        <p:nvSpPr>
+          <p:cNvPr id="4" name="Slide Number Placeholder 3"/>
+          <p:cNvSpPr>
+            <a:spLocks noGrp="1"/>
+          </p:cNvSpPr>
+          <p:nvPr>
+            <p:ph type="sldNum" sz="quarter" idx="5"/>
+          </p:nvPr>
+        </p:nvSpPr>
+        <p:spPr/>
+        <p:txBody>
+          <a:bodyPr/>
+          <a:lstStyle/>
+          <a:p>
+            <a:fld id="{BC849E9A-41F7-4779-A581-48A7C374A227}" type="slidenum">
+              <a:rPr lang="en-US" smtClean="0"/>
+              <a:t>37</a:t>
             </a:fld>
             <a:endParaRPr lang="en-US" dirty="0"/>
           </a:p>
@@ -20026,57 +20092,6 @@
           <a:bodyPr/>
           <a:lstStyle/>
           <a:p>
-            <a:r>
-              <a:rPr lang="en-US" dirty="0"/>
-              <a:t>This is an overview of how to search for published sources of secondary data </a:t>
-            </a:r>
-          </a:p>
-          <a:p>
-            <a:pPr marL="228600" indent="-228600">
-              <a:buAutoNum type="arabicPeriod"/>
-            </a:pPr>
-            <a:r>
-              <a:rPr lang="en-US" dirty="0"/>
-              <a:t>After identifying what you want to know and what you already know about the topic </a:t>
-            </a:r>
-          </a:p>
-          <a:p>
-            <a:pPr marL="228600" indent="-228600">
-              <a:buAutoNum type="arabicPeriod"/>
-            </a:pPr>
-            <a:r>
-              <a:rPr lang="en-US" dirty="0"/>
-              <a:t>Then you can develop a list of key terms and names </a:t>
-            </a:r>
-          </a:p>
-          <a:p>
-            <a:pPr marL="228600" indent="-228600">
-              <a:buAutoNum type="arabicPeriod"/>
-            </a:pPr>
-            <a:r>
-              <a:rPr lang="en-US" dirty="0"/>
-              <a:t>Conduct an online search of relevant databases and websites</a:t>
-            </a:r>
-          </a:p>
-          <a:p>
-            <a:pPr marL="0" indent="0">
-              <a:buNone/>
-            </a:pPr>
-            <a:endParaRPr lang="en-US" dirty="0"/>
-          </a:p>
-          <a:p>
-            <a:pPr marL="0" indent="0">
-              <a:buNone/>
-            </a:pPr>
-            <a:r>
-              <a:rPr lang="en-US" dirty="0"/>
-              <a:t>5 and  do not need to be in that order. And you can always revise and improve your search process.</a:t>
-            </a:r>
-          </a:p>
-          <a:p>
-            <a:pPr marL="228600" indent="-228600">
-              <a:buAutoNum type="arabicPeriod"/>
-            </a:pPr>
             <a:endParaRPr lang="en-US" dirty="0"/>
           </a:p>
         </p:txBody>
@@ -20098,7 +20113,7 @@
           <a:p>
             <a:fld id="{BC849E9A-41F7-4779-A581-48A7C374A227}" type="slidenum">
               <a:rPr lang="en-US" smtClean="0"/>
-              <a:t>10</a:t>
+              <a:t>7</a:t>
             </a:fld>
             <a:endParaRPr lang="en-US" dirty="0"/>
           </a:p>
@@ -20107,7 +20122,7 @@
     </p:spTree>
     <p:extLst>
       <p:ext uri="{BB962C8B-B14F-4D97-AF65-F5344CB8AC3E}">
-        <p14:creationId xmlns:p14="http://schemas.microsoft.com/office/powerpoint/2010/main" val="1772790776"/>
+        <p14:creationId xmlns:p14="http://schemas.microsoft.com/office/powerpoint/2010/main" val="4108365888"/>
       </p:ext>
     </p:extLst>
   </p:cSld>
@@ -20163,8 +20178,56 @@
           <a:p>
             <a:r>
               <a:rPr lang="en-US" dirty="0"/>
-              <a:t>Standardized marketing information are data that are standardized so that they can be used by multiple companies rather than customized for  a specific company </a:t>
+              <a:t>This is an overview of how to search for published sources of secondary data </a:t>
             </a:r>
+          </a:p>
+          <a:p>
+            <a:pPr marL="228600" indent="-228600">
+              <a:buAutoNum type="arabicPeriod"/>
+            </a:pPr>
+            <a:r>
+              <a:rPr lang="en-US" dirty="0"/>
+              <a:t>After identifying what you want to know and what you already know about the topic </a:t>
+            </a:r>
+          </a:p>
+          <a:p>
+            <a:pPr marL="228600" indent="-228600">
+              <a:buAutoNum type="arabicPeriod"/>
+            </a:pPr>
+            <a:r>
+              <a:rPr lang="en-US" dirty="0"/>
+              <a:t>Then you can develop a list of key terms and names </a:t>
+            </a:r>
+          </a:p>
+          <a:p>
+            <a:pPr marL="228600" indent="-228600">
+              <a:buAutoNum type="arabicPeriod"/>
+            </a:pPr>
+            <a:r>
+              <a:rPr lang="en-US" dirty="0"/>
+              <a:t>Conduct an online search of relevant databases and websites</a:t>
+            </a:r>
+          </a:p>
+          <a:p>
+            <a:pPr marL="0" indent="0">
+              <a:buNone/>
+            </a:pPr>
+            <a:endParaRPr lang="en-US" dirty="0"/>
+          </a:p>
+          <a:p>
+            <a:pPr marL="0" indent="0">
+              <a:buNone/>
+            </a:pPr>
+            <a:r>
+              <a:rPr lang="en-US" dirty="0"/>
+              <a:t>They not need to be in that order. And you can always revise and improve your search process.</a:t>
+            </a:r>
+          </a:p>
+          <a:p>
+            <a:pPr marL="228600" indent="-228600">
+              <a:buAutoNum type="arabicPeriod"/>
+            </a:pPr>
+            <a:endParaRPr lang="en-US" dirty="0"/>
           </a:p>
         </p:txBody>
       </p:sp>
@@ -20185,7 +20248,7 @@
           <a:p>
             <a:fld id="{BC849E9A-41F7-4779-A581-48A7C374A227}" type="slidenum">
               <a:rPr lang="en-US" smtClean="0"/>
-              <a:t>11</a:t>
+              <a:t>9</a:t>
             </a:fld>
             <a:endParaRPr lang="en-US" dirty="0"/>
           </a:p>
@@ -20194,7 +20257,7 @@
     </p:spTree>
     <p:extLst>
       <p:ext uri="{BB962C8B-B14F-4D97-AF65-F5344CB8AC3E}">
-        <p14:creationId xmlns:p14="http://schemas.microsoft.com/office/powerpoint/2010/main" val="1612487174"/>
+        <p14:creationId xmlns:p14="http://schemas.microsoft.com/office/powerpoint/2010/main" val="1772790776"/>
       </p:ext>
     </p:extLst>
   </p:cSld>
@@ -20248,42 +20311,10 @@
           <a:bodyPr/>
           <a:lstStyle/>
           <a:p>
-            <a:pPr marL="0" marR="0" lvl="0" indent="0" algn="l" defTabSz="914400" rtl="0" eaLnBrk="1" fontAlgn="auto" latinLnBrk="0" hangingPunct="1">
-              <a:lnSpc>
-                <a:spcPct val="100000"/>
-              </a:lnSpc>
-              <a:spcBef>
-                <a:spcPts val="0"/>
-              </a:spcBef>
-              <a:spcAft>
-                <a:spcPts val="0"/>
-              </a:spcAft>
-              <a:buClrTx/>
-              <a:buSzTx/>
-              <a:buFontTx/>
-              <a:buNone/>
-              <a:tabLst/>
-              <a:defRPr/>
-            </a:pPr>
             <a:r>
               <a:rPr lang="en-US" dirty="0"/>
-              <a:t>After having data, we can have some visualization </a:t>
+              <a:t>Standardized marketing information are data that are standardized so that they can be used by multiple companies rather than customized for  a specific company </a:t>
             </a:r>
-          </a:p>
-          <a:p>
-            <a:endParaRPr lang="en-US" dirty="0"/>
-          </a:p>
-          <a:p>
-            <a:r>
-              <a:rPr lang="en-US" dirty="0"/>
-              <a:t>Go to https://bookdown.org/mike/marketing_research/empirical-models.html#geodemographic-classification</a:t>
-            </a:r>
-          </a:p>
-          <a:p>
-            <a:endParaRPr lang="en-US" dirty="0"/>
-          </a:p>
-          <a:p>
-            <a:endParaRPr lang="en-US" dirty="0"/>
           </a:p>
         </p:txBody>
       </p:sp>
@@ -20304,7 +20335,7 @@
           <a:p>
             <a:fld id="{BC849E9A-41F7-4779-A581-48A7C374A227}" type="slidenum">
               <a:rPr lang="en-US" smtClean="0"/>
-              <a:t>12</a:t>
+              <a:t>10</a:t>
             </a:fld>
             <a:endParaRPr lang="en-US" dirty="0"/>
           </a:p>
@@ -20313,7 +20344,7 @@
     </p:spTree>
     <p:extLst>
       <p:ext uri="{BB962C8B-B14F-4D97-AF65-F5344CB8AC3E}">
-        <p14:creationId xmlns:p14="http://schemas.microsoft.com/office/powerpoint/2010/main" val="447151011"/>
+        <p14:creationId xmlns:p14="http://schemas.microsoft.com/office/powerpoint/2010/main" val="1612487174"/>
       </p:ext>
     </p:extLst>
   </p:cSld>
@@ -20367,10 +20398,42 @@
           <a:bodyPr/>
           <a:lstStyle/>
           <a:p>
+            <a:pPr marL="0" marR="0" lvl="0" indent="0" algn="l" defTabSz="914400" rtl="0" eaLnBrk="1" fontAlgn="auto" latinLnBrk="0" hangingPunct="1">
+              <a:lnSpc>
+                <a:spcPct val="100000"/>
+              </a:lnSpc>
+              <a:spcBef>
+                <a:spcPts val="0"/>
+              </a:spcBef>
+              <a:spcAft>
+                <a:spcPts val="0"/>
+              </a:spcAft>
+              <a:buClrTx/>
+              <a:buSzTx/>
+              <a:buFontTx/>
+              <a:buNone/>
+              <a:tabLst/>
+              <a:defRPr/>
+            </a:pPr>
             <a:r>
               <a:rPr lang="en-US" dirty="0"/>
-              <a:t>Historically, these are companies that measure advertising exposure and effectiveness </a:t>
+              <a:t>After having data, we can have some visualization </a:t>
             </a:r>
+          </a:p>
+          <a:p>
+            <a:endParaRPr lang="en-US" dirty="0"/>
+          </a:p>
+          <a:p>
+            <a:r>
+              <a:rPr lang="en-US" dirty="0"/>
+              <a:t>Go to https://bookdown.org/mike/marketing_research/empirical-models.html#geodemographic-classification</a:t>
+            </a:r>
+          </a:p>
+          <a:p>
+            <a:endParaRPr lang="en-US" dirty="0"/>
+          </a:p>
+          <a:p>
+            <a:endParaRPr lang="en-US" dirty="0"/>
           </a:p>
         </p:txBody>
       </p:sp>
@@ -20391,7 +20454,7 @@
           <a:p>
             <a:fld id="{BC849E9A-41F7-4779-A581-48A7C374A227}" type="slidenum">
               <a:rPr lang="en-US" smtClean="0"/>
-              <a:t>14</a:t>
+              <a:t>11</a:t>
             </a:fld>
             <a:endParaRPr lang="en-US" dirty="0"/>
           </a:p>
@@ -20400,7 +20463,7 @@
     </p:spTree>
     <p:extLst>
       <p:ext uri="{BB962C8B-B14F-4D97-AF65-F5344CB8AC3E}">
-        <p14:creationId xmlns:p14="http://schemas.microsoft.com/office/powerpoint/2010/main" val="2769509368"/>
+        <p14:creationId xmlns:p14="http://schemas.microsoft.com/office/powerpoint/2010/main" val="447151011"/>
       </p:ext>
     </p:extLst>
   </p:cSld>
@@ -20456,13 +20519,7 @@
           <a:p>
             <a:r>
               <a:rPr lang="en-US" dirty="0"/>
-              <a:t>You might ask, why couldn’t we have a single-source data</a:t>
-            </a:r>
-          </a:p>
-          <a:p>
-            <a:r>
-              <a:rPr lang="en-US" dirty="0"/>
-              <a:t>It only exists a perfect world. </a:t>
+              <a:t>Historically, these are companies that measure advertising exposure and effectiveness </a:t>
             </a:r>
           </a:p>
         </p:txBody>
@@ -20484,7 +20541,7 @@
           <a:p>
             <a:fld id="{BC849E9A-41F7-4779-A581-48A7C374A227}" type="slidenum">
               <a:rPr lang="en-US" smtClean="0"/>
-              <a:t>15</a:t>
+              <a:t>13</a:t>
             </a:fld>
             <a:endParaRPr lang="en-US" dirty="0"/>
           </a:p>
@@ -20493,7 +20550,7 @@
     </p:spTree>
     <p:extLst>
       <p:ext uri="{BB962C8B-B14F-4D97-AF65-F5344CB8AC3E}">
-        <p14:creationId xmlns:p14="http://schemas.microsoft.com/office/powerpoint/2010/main" val="830195441"/>
+        <p14:creationId xmlns:p14="http://schemas.microsoft.com/office/powerpoint/2010/main" val="2769509368"/>
       </p:ext>
     </p:extLst>
   </p:cSld>
@@ -20549,7 +20606,13 @@
           <a:p>
             <a:r>
               <a:rPr lang="en-US" dirty="0"/>
-              <a:t>Chapter 8</a:t>
+              <a:t>You might ask, why couldn’t we have a single-source data</a:t>
+            </a:r>
+          </a:p>
+          <a:p>
+            <a:r>
+              <a:rPr lang="en-US" dirty="0"/>
+              <a:t>It only exists a perfect world. </a:t>
             </a:r>
           </a:p>
         </p:txBody>
@@ -20571,7 +20634,7 @@
           <a:p>
             <a:fld id="{BC849E9A-41F7-4779-A581-48A7C374A227}" type="slidenum">
               <a:rPr lang="en-US" smtClean="0"/>
-              <a:t>16</a:t>
+              <a:t>14</a:t>
             </a:fld>
             <a:endParaRPr lang="en-US" dirty="0"/>
           </a:p>
@@ -20580,7 +20643,7 @@
     </p:spTree>
     <p:extLst>
       <p:ext uri="{BB962C8B-B14F-4D97-AF65-F5344CB8AC3E}">
-        <p14:creationId xmlns:p14="http://schemas.microsoft.com/office/powerpoint/2010/main" val="481358755"/>
+        <p14:creationId xmlns:p14="http://schemas.microsoft.com/office/powerpoint/2010/main" val="830195441"/>
       </p:ext>
     </p:extLst>
   </p:cSld>
@@ -20636,7 +20699,7 @@
           <a:p>
             <a:r>
               <a:rPr lang="en-US" dirty="0"/>
-              <a:t>A reminder of the three types of primary data research</a:t>
+              <a:t>Now moving onto Chapter 8</a:t>
             </a:r>
           </a:p>
         </p:txBody>
@@ -20658,7 +20721,7 @@
           <a:p>
             <a:fld id="{BC849E9A-41F7-4779-A581-48A7C374A227}" type="slidenum">
               <a:rPr lang="en-US" smtClean="0"/>
-              <a:t>18</a:t>
+              <a:t>15</a:t>
             </a:fld>
             <a:endParaRPr lang="en-US" dirty="0"/>
           </a:p>
@@ -20667,7 +20730,7 @@
     </p:spTree>
     <p:extLst>
       <p:ext uri="{BB962C8B-B14F-4D97-AF65-F5344CB8AC3E}">
-        <p14:creationId xmlns:p14="http://schemas.microsoft.com/office/powerpoint/2010/main" val="705224648"/>
+        <p14:creationId xmlns:p14="http://schemas.microsoft.com/office/powerpoint/2010/main" val="481358755"/>
       </p:ext>
     </p:extLst>
   </p:cSld>
@@ -20824,7 +20887,7 @@
           <a:p>
             <a:fld id="{C3E42B97-32D9-4793-897A-9BC66F7EB753}" type="datetime1">
               <a:rPr lang="en-US" smtClean="0"/>
-              <a:t>9/15/2021</a:t>
+              <a:t>2/8/2022</a:t>
             </a:fld>
             <a:endParaRPr lang="en-US" dirty="0"/>
           </a:p>
@@ -21026,7 +21089,7 @@
           <a:p>
             <a:fld id="{9817AB96-7354-4F00-8428-CBC1E27BFA74}" type="datetime1">
               <a:rPr lang="en-US" smtClean="0"/>
-              <a:t>9/15/2021</a:t>
+              <a:t>2/8/2022</a:t>
             </a:fld>
             <a:endParaRPr lang="en-US" dirty="0"/>
           </a:p>
@@ -21238,7 +21301,7 @@
           <a:p>
             <a:fld id="{CBCFE11F-0634-4716-B448-438B60059361}" type="datetime1">
               <a:rPr lang="en-US" smtClean="0"/>
-              <a:t>9/15/2021</a:t>
+              <a:t>2/8/2022</a:t>
             </a:fld>
             <a:endParaRPr lang="en-US" dirty="0"/>
           </a:p>
@@ -21440,7 +21503,7 @@
           <a:p>
             <a:fld id="{967285CB-6C42-4833-BB47-ABCB18A3AC73}" type="datetime1">
               <a:rPr lang="en-US" smtClean="0"/>
-              <a:t>9/15/2021</a:t>
+              <a:t>2/8/2022</a:t>
             </a:fld>
             <a:endParaRPr lang="en-US" dirty="0"/>
           </a:p>
@@ -21719,7 +21782,7 @@
           <a:p>
             <a:fld id="{79284254-E52E-46F1-A775-032947BE31CE}" type="datetime1">
               <a:rPr lang="en-US" smtClean="0"/>
-              <a:t>9/15/2021</a:t>
+              <a:t>2/8/2022</a:t>
             </a:fld>
             <a:endParaRPr lang="en-US" dirty="0"/>
           </a:p>
@@ -21988,7 +22051,7 @@
           <a:p>
             <a:fld id="{DD74BABA-F978-4483-ABA8-934D8791C851}" type="datetime1">
               <a:rPr lang="en-US" smtClean="0"/>
-              <a:t>9/15/2021</a:t>
+              <a:t>2/8/2022</a:t>
             </a:fld>
             <a:endParaRPr lang="en-US" dirty="0"/>
           </a:p>
@@ -22404,7 +22467,7 @@
           <a:p>
             <a:fld id="{0E94DB0D-00D3-45D2-A2DE-62396F1D73BF}" type="datetime1">
               <a:rPr lang="en-US" smtClean="0"/>
-              <a:t>9/15/2021</a:t>
+              <a:t>2/8/2022</a:t>
             </a:fld>
             <a:endParaRPr lang="en-US" dirty="0"/>
           </a:p>
@@ -22549,7 +22612,7 @@
           <a:p>
             <a:fld id="{53883F22-8FF9-4ABE-A942-CEB1742E73C6}" type="datetime1">
               <a:rPr lang="en-US" smtClean="0"/>
-              <a:t>9/15/2021</a:t>
+              <a:t>2/8/2022</a:t>
             </a:fld>
             <a:endParaRPr lang="en-US" dirty="0"/>
           </a:p>
@@ -22666,7 +22729,7 @@
           <a:p>
             <a:fld id="{49D8025B-3FFE-4303-8D40-4CE8398E2D95}" type="datetime1">
               <a:rPr lang="en-US" smtClean="0"/>
-              <a:t>9/15/2021</a:t>
+              <a:t>2/8/2022</a:t>
             </a:fld>
             <a:endParaRPr lang="en-US" dirty="0"/>
           </a:p>
@@ -22981,7 +23044,7 @@
           <a:p>
             <a:fld id="{B3F4ED31-5ACB-4E86-9B7D-EF3BB65C4CFC}" type="datetime1">
               <a:rPr lang="en-US" smtClean="0"/>
-              <a:t>9/15/2021</a:t>
+              <a:t>2/8/2022</a:t>
             </a:fld>
             <a:endParaRPr lang="en-US" dirty="0"/>
           </a:p>
@@ -23277,7 +23340,7 @@
           <a:p>
             <a:fld id="{4C117DD1-8C6E-4C28-93E9-E016B1CA4BB5}" type="datetime1">
               <a:rPr lang="en-US" smtClean="0"/>
-              <a:t>9/15/2021</a:t>
+              <a:t>2/8/2022</a:t>
             </a:fld>
             <a:endParaRPr lang="en-US" dirty="0"/>
           </a:p>
@@ -23522,7 +23585,7 @@
           <a:p>
             <a:fld id="{C44B3266-E6ED-4411-AB6D-EF0A43ECE452}" type="datetime1">
               <a:rPr lang="en-US" smtClean="0"/>
-              <a:t>9/15/2021</a:t>
+              <a:t>2/8/2022</a:t>
             </a:fld>
             <a:endParaRPr lang="en-US" dirty="0"/>
           </a:p>
@@ -24041,7 +24104,7 @@
           <a:lstStyle/>
           <a:p>
             <a:r>
-              <a:rPr lang="en-US" sz="5400" kern="1200">
+              <a:rPr lang="en-US" sz="5400" kern="1200" dirty="0">
                 <a:solidFill>
                   <a:schemeClr val="tx1"/>
                 </a:solidFill>
@@ -24494,6 +24557,47 @@
           </a:p>
         </p:txBody>
       </p:sp>
+      <p:sp>
+        <p:nvSpPr>
+          <p:cNvPr id="3" name="TextBox 2">
+            <a:extLst>
+              <a:ext uri="{FF2B5EF4-FFF2-40B4-BE49-F238E27FC236}">
+                <a16:creationId xmlns:a16="http://schemas.microsoft.com/office/drawing/2014/main" id="{76A013E6-FD18-4051-A51C-807E183279AB}"/>
+              </a:ext>
+            </a:extLst>
+          </p:cNvPr>
+          <p:cNvSpPr txBox="1"/>
+          <p:nvPr/>
+        </p:nvSpPr>
+        <p:spPr>
+          <a:xfrm>
+            <a:off x="1130562" y="4856813"/>
+            <a:ext cx="2986704" cy="646331"/>
+          </a:xfrm>
+          <a:prstGeom prst="rect">
+            <a:avLst/>
+          </a:prstGeom>
+          <a:noFill/>
+        </p:spPr>
+        <p:txBody>
+          <a:bodyPr wrap="square" rtlCol="0">
+            <a:spAutoFit/>
+          </a:bodyPr>
+          <a:lstStyle/>
+          <a:p>
+            <a:r>
+              <a:rPr lang="en-US" dirty="0"/>
+              <a:t>Name Tag </a:t>
+            </a:r>
+          </a:p>
+          <a:p>
+            <a:r>
+              <a:rPr lang="en-US" dirty="0"/>
+              <a:t>Check-in</a:t>
+            </a:r>
+          </a:p>
+        </p:txBody>
+      </p:sp>
     </p:spTree>
     <p:extLst>
       <p:ext uri="{BB962C8B-B14F-4D97-AF65-F5344CB8AC3E}">
@@ -24508,720 +24612,6 @@
 </file>
 
 <file path=ppt/slides/slide10.xml><?xml version="1.0" encoding="utf-8"?>
-<p:sld xmlns:a="http://schemas.openxmlformats.org/drawingml/2006/main" xmlns:r="http://schemas.openxmlformats.org/officeDocument/2006/relationships" xmlns:p="http://schemas.openxmlformats.org/presentationml/2006/main">
-  <p:cSld>
-    <p:bg>
-      <p:bgPr>
-        <a:solidFill>
-          <a:schemeClr val="bg1"/>
-        </a:solidFill>
-        <a:effectLst/>
-      </p:bgPr>
-    </p:bg>
-    <p:spTree>
-      <p:nvGrpSpPr>
-        <p:cNvPr id="1" name=""/>
-        <p:cNvGrpSpPr/>
-        <p:nvPr/>
-      </p:nvGrpSpPr>
-      <p:grpSpPr>
-        <a:xfrm>
-          <a:off x="0" y="0"/>
-          <a:ext cx="0" cy="0"/>
-          <a:chOff x="0" y="0"/>
-          <a:chExt cx="0" cy="0"/>
-        </a:xfrm>
-      </p:grpSpPr>
-      <p:sp useBgFill="1">
-        <p:nvSpPr>
-          <p:cNvPr id="22" name="Rectangle 21">
-            <a:extLst>
-              <a:ext uri="{FF2B5EF4-FFF2-40B4-BE49-F238E27FC236}">
-                <a16:creationId xmlns:a16="http://schemas.microsoft.com/office/drawing/2014/main" id="{16F9E488-0718-4E1E-9D12-26779F606252}"/>
-              </a:ext>
-              <a:ext uri="{C183D7F6-B498-43B3-948B-1728B52AA6E4}">
-                <adec:decorative xmlns:adec="http://schemas.microsoft.com/office/drawing/2017/decorative" val="1"/>
-              </a:ext>
-            </a:extLst>
-          </p:cNvPr>
-          <p:cNvSpPr>
-            <a:spLocks noGrp="1" noRot="1" noChangeAspect="1" noMove="1" noResize="1" noEditPoints="1" noAdjustHandles="1" noChangeArrowheads="1" noChangeShapeType="1" noTextEdit="1"/>
-          </p:cNvSpPr>
-          <p:nvPr>
-            <p:extLst>
-              <p:ext uri="{386F3935-93C4-4BCD-93E2-E3B085C9AB24}">
-                <p16:designElem xmlns:p16="http://schemas.microsoft.com/office/powerpoint/2015/main" val="1"/>
-              </p:ext>
-            </p:extLst>
-          </p:nvPr>
-        </p:nvSpPr>
-        <p:spPr>
-          <a:xfrm>
-            <a:off x="0" y="0"/>
-            <a:ext cx="12192000" cy="6858000"/>
-          </a:xfrm>
-          <a:prstGeom prst="rect">
-            <a:avLst/>
-          </a:prstGeom>
-          <a:ln>
-            <a:noFill/>
-          </a:ln>
-        </p:spPr>
-        <p:style>
-          <a:lnRef idx="2">
-            <a:schemeClr val="accent1">
-              <a:shade val="50000"/>
-            </a:schemeClr>
-          </a:lnRef>
-          <a:fillRef idx="1">
-            <a:schemeClr val="accent1"/>
-          </a:fillRef>
-          <a:effectRef idx="0">
-            <a:schemeClr val="accent1"/>
-          </a:effectRef>
-          <a:fontRef idx="minor">
-            <a:schemeClr val="lt1"/>
-          </a:fontRef>
-        </p:style>
-        <p:txBody>
-          <a:bodyPr rtlCol="0" anchor="ctr"/>
-          <a:lstStyle/>
-          <a:p>
-            <a:pPr algn="ctr"/>
-            <a:endParaRPr lang="en-US"/>
-          </a:p>
-        </p:txBody>
-      </p:sp>
-      <p:sp>
-        <p:nvSpPr>
-          <p:cNvPr id="24" name="Rectangle 23">
-            <a:extLst>
-              <a:ext uri="{FF2B5EF4-FFF2-40B4-BE49-F238E27FC236}">
-                <a16:creationId xmlns:a16="http://schemas.microsoft.com/office/drawing/2014/main" id="{CE708407-D01D-4E57-8998-FF799DBC3788}"/>
-              </a:ext>
-              <a:ext uri="{C183D7F6-B498-43B3-948B-1728B52AA6E4}">
-                <adec:decorative xmlns:adec="http://schemas.microsoft.com/office/drawing/2017/decorative" val="1"/>
-              </a:ext>
-            </a:extLst>
-          </p:cNvPr>
-          <p:cNvSpPr>
-            <a:spLocks noGrp="1" noRot="1" noChangeAspect="1" noMove="1" noResize="1" noEditPoints="1" noAdjustHandles="1" noChangeArrowheads="1" noChangeShapeType="1" noTextEdit="1"/>
-          </p:cNvSpPr>
-          <p:nvPr>
-            <p:extLst>
-              <p:ext uri="{386F3935-93C4-4BCD-93E2-E3B085C9AB24}">
-                <p16:designElem xmlns:p16="http://schemas.microsoft.com/office/powerpoint/2015/main" val="1"/>
-              </p:ext>
-            </p:extLst>
-          </p:nvPr>
-        </p:nvSpPr>
-        <p:spPr>
-          <a:xfrm>
-            <a:off x="0" y="0"/>
-            <a:ext cx="4694548" cy="6858000"/>
-          </a:xfrm>
-          <a:prstGeom prst="rect">
-            <a:avLst/>
-          </a:prstGeom>
-          <a:solidFill>
-            <a:schemeClr val="tx1"/>
-          </a:solidFill>
-          <a:ln>
-            <a:noFill/>
-          </a:ln>
-        </p:spPr>
-        <p:style>
-          <a:lnRef idx="2">
-            <a:schemeClr val="accent1">
-              <a:shade val="50000"/>
-            </a:schemeClr>
-          </a:lnRef>
-          <a:fillRef idx="1">
-            <a:schemeClr val="accent1"/>
-          </a:fillRef>
-          <a:effectRef idx="0">
-            <a:schemeClr val="accent1"/>
-          </a:effectRef>
-          <a:fontRef idx="minor">
-            <a:schemeClr val="lt1"/>
-          </a:fontRef>
-        </p:style>
-        <p:txBody>
-          <a:bodyPr rtlCol="0" anchor="ctr"/>
-          <a:lstStyle/>
-          <a:p>
-            <a:pPr algn="ctr"/>
-            <a:endParaRPr lang="en-US"/>
-          </a:p>
-        </p:txBody>
-      </p:sp>
-      <p:sp>
-        <p:nvSpPr>
-          <p:cNvPr id="2" name="Title 1">
-            <a:extLst>
-              <a:ext uri="{FF2B5EF4-FFF2-40B4-BE49-F238E27FC236}">
-                <a16:creationId xmlns:a16="http://schemas.microsoft.com/office/drawing/2014/main" id="{9E26A5AB-EC77-4650-9CC8-F8CFFE84421C}"/>
-              </a:ext>
-            </a:extLst>
-          </p:cNvPr>
-          <p:cNvSpPr>
-            <a:spLocks noGrp="1"/>
-          </p:cNvSpPr>
-          <p:nvPr>
-            <p:ph type="title"/>
-          </p:nvPr>
-        </p:nvSpPr>
-        <p:spPr>
-          <a:xfrm>
-            <a:off x="699723" y="1622066"/>
-            <a:ext cx="3554226" cy="2663688"/>
-          </a:xfrm>
-        </p:spPr>
-        <p:txBody>
-          <a:bodyPr vert="horz" lIns="91440" tIns="45720" rIns="91440" bIns="45720" rtlCol="0" anchor="b">
-            <a:normAutofit/>
-          </a:bodyPr>
-          <a:lstStyle/>
-          <a:p>
-            <a:r>
-              <a:rPr lang="en-US" kern="1200">
-                <a:solidFill>
-                  <a:schemeClr val="bg1"/>
-                </a:solidFill>
-                <a:latin typeface="+mj-lt"/>
-                <a:ea typeface="+mj-ea"/>
-                <a:cs typeface="+mj-cs"/>
-              </a:rPr>
-              <a:t>Marketing Research Process</a:t>
-            </a:r>
-          </a:p>
-        </p:txBody>
-      </p:sp>
-      <p:grpSp>
-        <p:nvGrpSpPr>
-          <p:cNvPr id="26" name="Group 25">
-            <a:extLst>
-              <a:ext uri="{FF2B5EF4-FFF2-40B4-BE49-F238E27FC236}">
-                <a16:creationId xmlns:a16="http://schemas.microsoft.com/office/drawing/2014/main" id="{7F963B07-5C9E-478C-A53E-B6F5B4A78933}"/>
-              </a:ext>
-              <a:ext uri="{C183D7F6-B498-43B3-948B-1728B52AA6E4}">
-                <adec:decorative xmlns:adec="http://schemas.microsoft.com/office/drawing/2017/decorative" val="1"/>
-              </a:ext>
-            </a:extLst>
-          </p:cNvPr>
-          <p:cNvGrpSpPr>
-            <a:grpSpLocks noGrp="1" noUngrp="1" noRot="1" noChangeAspect="1" noMove="1" noResize="1"/>
-          </p:cNvGrpSpPr>
-          <p:nvPr>
-            <p:extLst>
-              <p:ext uri="{386F3935-93C4-4BCD-93E2-E3B085C9AB24}">
-                <p16:designElem xmlns:p16="http://schemas.microsoft.com/office/powerpoint/2015/main" val="1"/>
-              </p:ext>
-            </p:extLst>
-          </p:nvPr>
-        </p:nvGrpSpPr>
-        <p:grpSpPr>
-          <a:xfrm>
-            <a:off x="767290" y="681628"/>
-            <a:ext cx="1128382" cy="847206"/>
-            <a:chOff x="668003" y="1684057"/>
-            <a:chExt cx="1128382" cy="847206"/>
-          </a:xfrm>
-        </p:grpSpPr>
-        <p:sp>
-          <p:nvSpPr>
-            <p:cNvPr id="27" name="Freeform 5">
-              <a:extLst>
-                <a:ext uri="{FF2B5EF4-FFF2-40B4-BE49-F238E27FC236}">
-                  <a16:creationId xmlns:a16="http://schemas.microsoft.com/office/drawing/2014/main" id="{A152F29E-C625-4313-96BF-5675B357C03A}"/>
-                </a:ext>
-                <a:ext uri="{C183D7F6-B498-43B3-948B-1728B52AA6E4}">
-                  <adec:decorative xmlns:adec="http://schemas.microsoft.com/office/drawing/2017/decorative" val="1"/>
-                </a:ext>
-              </a:extLst>
-            </p:cNvPr>
-            <p:cNvSpPr>
-              <a:spLocks/>
-            </p:cNvSpPr>
-            <p:nvPr>
-              <p:extLst>
-                <p:ext uri="{386F3935-93C4-4BCD-93E2-E3B085C9AB24}">
-                  <p16:designElem xmlns:p16="http://schemas.microsoft.com/office/powerpoint/2015/main" val="1"/>
-                </p:ext>
-              </p:extLst>
-            </p:nvPr>
-          </p:nvSpPr>
-          <p:spPr bwMode="auto">
-            <a:xfrm>
-              <a:off x="668003" y="1935883"/>
-              <a:ext cx="675351" cy="595380"/>
-            </a:xfrm>
-            <a:custGeom>
-              <a:avLst/>
-              <a:gdLst>
-                <a:gd name="T0" fmla="*/ 225 w 785"/>
-                <a:gd name="T1" fmla="*/ 692 h 692"/>
-                <a:gd name="T2" fmla="*/ 177 w 785"/>
-                <a:gd name="T3" fmla="*/ 665 h 692"/>
-                <a:gd name="T4" fmla="*/ 9 w 785"/>
-                <a:gd name="T5" fmla="*/ 374 h 692"/>
-                <a:gd name="T6" fmla="*/ 9 w 785"/>
-                <a:gd name="T7" fmla="*/ 318 h 692"/>
-                <a:gd name="T8" fmla="*/ 177 w 785"/>
-                <a:gd name="T9" fmla="*/ 27 h 692"/>
-                <a:gd name="T10" fmla="*/ 225 w 785"/>
-                <a:gd name="T11" fmla="*/ 0 h 692"/>
-                <a:gd name="T12" fmla="*/ 561 w 785"/>
-                <a:gd name="T13" fmla="*/ 0 h 692"/>
-                <a:gd name="T14" fmla="*/ 609 w 785"/>
-                <a:gd name="T15" fmla="*/ 27 h 692"/>
-                <a:gd name="T16" fmla="*/ 777 w 785"/>
-                <a:gd name="T17" fmla="*/ 318 h 692"/>
-                <a:gd name="T18" fmla="*/ 777 w 785"/>
-                <a:gd name="T19" fmla="*/ 374 h 692"/>
-                <a:gd name="T20" fmla="*/ 609 w 785"/>
-                <a:gd name="T21" fmla="*/ 665 h 692"/>
-                <a:gd name="T22" fmla="*/ 561 w 785"/>
-                <a:gd name="T23" fmla="*/ 692 h 692"/>
-                <a:gd name="T24" fmla="*/ 225 w 785"/>
-                <a:gd name="T25" fmla="*/ 692 h 692"/>
-              </a:gdLst>
-              <a:ahLst/>
-              <a:cxnLst>
-                <a:cxn ang="0">
-                  <a:pos x="T0" y="T1"/>
-                </a:cxn>
-                <a:cxn ang="0">
-                  <a:pos x="T2" y="T3"/>
-                </a:cxn>
-                <a:cxn ang="0">
-                  <a:pos x="T4" y="T5"/>
-                </a:cxn>
-                <a:cxn ang="0">
-                  <a:pos x="T6" y="T7"/>
-                </a:cxn>
-                <a:cxn ang="0">
-                  <a:pos x="T8" y="T9"/>
-                </a:cxn>
-                <a:cxn ang="0">
-                  <a:pos x="T10" y="T11"/>
-                </a:cxn>
-                <a:cxn ang="0">
-                  <a:pos x="T12" y="T13"/>
-                </a:cxn>
-                <a:cxn ang="0">
-                  <a:pos x="T14" y="T15"/>
-                </a:cxn>
-                <a:cxn ang="0">
-                  <a:pos x="T16" y="T17"/>
-                </a:cxn>
-                <a:cxn ang="0">
-                  <a:pos x="T18" y="T19"/>
-                </a:cxn>
-                <a:cxn ang="0">
-                  <a:pos x="T20" y="T21"/>
-                </a:cxn>
-                <a:cxn ang="0">
-                  <a:pos x="T22" y="T23"/>
-                </a:cxn>
-                <a:cxn ang="0">
-                  <a:pos x="T24" y="T25"/>
-                </a:cxn>
-              </a:cxnLst>
-              <a:rect l="0" t="0" r="r" b="b"/>
-              <a:pathLst>
-                <a:path w="785" h="692">
-                  <a:moveTo>
-                    <a:pt x="225" y="692"/>
-                  </a:moveTo>
-                  <a:cubicBezTo>
-                    <a:pt x="207" y="692"/>
-                    <a:pt x="185" y="680"/>
-                    <a:pt x="177" y="665"/>
-                  </a:cubicBezTo>
-                  <a:cubicBezTo>
-                    <a:pt x="9" y="374"/>
-                    <a:pt x="9" y="374"/>
-                    <a:pt x="9" y="374"/>
-                  </a:cubicBezTo>
-                  <a:cubicBezTo>
-                    <a:pt x="0" y="358"/>
-                    <a:pt x="0" y="334"/>
-                    <a:pt x="9" y="318"/>
-                  </a:cubicBezTo>
-                  <a:cubicBezTo>
-                    <a:pt x="177" y="27"/>
-                    <a:pt x="177" y="27"/>
-                    <a:pt x="177" y="27"/>
-                  </a:cubicBezTo>
-                  <a:cubicBezTo>
-                    <a:pt x="185" y="12"/>
-                    <a:pt x="207" y="0"/>
-                    <a:pt x="225" y="0"/>
-                  </a:cubicBezTo>
-                  <a:cubicBezTo>
-                    <a:pt x="561" y="0"/>
-                    <a:pt x="561" y="0"/>
-                    <a:pt x="561" y="0"/>
-                  </a:cubicBezTo>
-                  <a:cubicBezTo>
-                    <a:pt x="578" y="0"/>
-                    <a:pt x="600" y="12"/>
-                    <a:pt x="609" y="27"/>
-                  </a:cubicBezTo>
-                  <a:cubicBezTo>
-                    <a:pt x="777" y="318"/>
-                    <a:pt x="777" y="318"/>
-                    <a:pt x="777" y="318"/>
-                  </a:cubicBezTo>
-                  <a:cubicBezTo>
-                    <a:pt x="785" y="334"/>
-                    <a:pt x="785" y="358"/>
-                    <a:pt x="777" y="374"/>
-                  </a:cubicBezTo>
-                  <a:cubicBezTo>
-                    <a:pt x="609" y="665"/>
-                    <a:pt x="609" y="665"/>
-                    <a:pt x="609" y="665"/>
-                  </a:cubicBezTo>
-                  <a:cubicBezTo>
-                    <a:pt x="600" y="680"/>
-                    <a:pt x="578" y="692"/>
-                    <a:pt x="561" y="692"/>
-                  </a:cubicBezTo>
-                  <a:lnTo>
-                    <a:pt x="225" y="692"/>
-                  </a:lnTo>
-                  <a:close/>
-                </a:path>
-              </a:pathLst>
-            </a:custGeom>
-            <a:noFill/>
-            <a:ln w="28575" cmpd="sng">
-              <a:solidFill>
-                <a:schemeClr val="bg1"/>
-              </a:solidFill>
-            </a:ln>
-          </p:spPr>
-          <p:txBody>
-            <a:bodyPr vert="horz" wrap="square" lIns="91440" tIns="45720" rIns="91440" bIns="45720" numCol="1" anchor="t" anchorCtr="0" compatLnSpc="1">
-              <a:prstTxWarp prst="textNoShape">
-                <a:avLst/>
-              </a:prstTxWarp>
-            </a:bodyPr>
-            <a:lstStyle/>
-            <a:p>
-              <a:endParaRPr lang="en-US"/>
-            </a:p>
-          </p:txBody>
-        </p:sp>
-        <p:sp>
-          <p:nvSpPr>
-            <p:cNvPr id="28" name="Freeform 5">
-              <a:extLst>
-                <a:ext uri="{FF2B5EF4-FFF2-40B4-BE49-F238E27FC236}">
-                  <a16:creationId xmlns:a16="http://schemas.microsoft.com/office/drawing/2014/main" id="{C2A5CB78-6497-4151-83B6-568BD27EC573}"/>
-                </a:ext>
-                <a:ext uri="{C183D7F6-B498-43B3-948B-1728B52AA6E4}">
-                  <adec:decorative xmlns:adec="http://schemas.microsoft.com/office/drawing/2017/decorative" val="1"/>
-                </a:ext>
-              </a:extLst>
-            </p:cNvPr>
-            <p:cNvSpPr>
-              <a:spLocks/>
-            </p:cNvSpPr>
-            <p:nvPr>
-              <p:extLst>
-                <p:ext uri="{386F3935-93C4-4BCD-93E2-E3B085C9AB24}">
-                  <p16:designElem xmlns:p16="http://schemas.microsoft.com/office/powerpoint/2015/main" val="1"/>
-                </p:ext>
-              </p:extLst>
-            </p:nvPr>
-          </p:nvSpPr>
-          <p:spPr bwMode="auto">
-            <a:xfrm>
-              <a:off x="1245893" y="1684057"/>
-              <a:ext cx="550492" cy="485306"/>
-            </a:xfrm>
-            <a:custGeom>
-              <a:avLst/>
-              <a:gdLst>
-                <a:gd name="T0" fmla="*/ 225 w 785"/>
-                <a:gd name="T1" fmla="*/ 692 h 692"/>
-                <a:gd name="T2" fmla="*/ 177 w 785"/>
-                <a:gd name="T3" fmla="*/ 665 h 692"/>
-                <a:gd name="T4" fmla="*/ 9 w 785"/>
-                <a:gd name="T5" fmla="*/ 374 h 692"/>
-                <a:gd name="T6" fmla="*/ 9 w 785"/>
-                <a:gd name="T7" fmla="*/ 318 h 692"/>
-                <a:gd name="T8" fmla="*/ 177 w 785"/>
-                <a:gd name="T9" fmla="*/ 27 h 692"/>
-                <a:gd name="T10" fmla="*/ 225 w 785"/>
-                <a:gd name="T11" fmla="*/ 0 h 692"/>
-                <a:gd name="T12" fmla="*/ 561 w 785"/>
-                <a:gd name="T13" fmla="*/ 0 h 692"/>
-                <a:gd name="T14" fmla="*/ 609 w 785"/>
-                <a:gd name="T15" fmla="*/ 27 h 692"/>
-                <a:gd name="T16" fmla="*/ 777 w 785"/>
-                <a:gd name="T17" fmla="*/ 318 h 692"/>
-                <a:gd name="T18" fmla="*/ 777 w 785"/>
-                <a:gd name="T19" fmla="*/ 374 h 692"/>
-                <a:gd name="T20" fmla="*/ 609 w 785"/>
-                <a:gd name="T21" fmla="*/ 665 h 692"/>
-                <a:gd name="T22" fmla="*/ 561 w 785"/>
-                <a:gd name="T23" fmla="*/ 692 h 692"/>
-                <a:gd name="T24" fmla="*/ 225 w 785"/>
-                <a:gd name="T25" fmla="*/ 692 h 692"/>
-              </a:gdLst>
-              <a:ahLst/>
-              <a:cxnLst>
-                <a:cxn ang="0">
-                  <a:pos x="T0" y="T1"/>
-                </a:cxn>
-                <a:cxn ang="0">
-                  <a:pos x="T2" y="T3"/>
-                </a:cxn>
-                <a:cxn ang="0">
-                  <a:pos x="T4" y="T5"/>
-                </a:cxn>
-                <a:cxn ang="0">
-                  <a:pos x="T6" y="T7"/>
-                </a:cxn>
-                <a:cxn ang="0">
-                  <a:pos x="T8" y="T9"/>
-                </a:cxn>
-                <a:cxn ang="0">
-                  <a:pos x="T10" y="T11"/>
-                </a:cxn>
-                <a:cxn ang="0">
-                  <a:pos x="T12" y="T13"/>
-                </a:cxn>
-                <a:cxn ang="0">
-                  <a:pos x="T14" y="T15"/>
-                </a:cxn>
-                <a:cxn ang="0">
-                  <a:pos x="T16" y="T17"/>
-                </a:cxn>
-                <a:cxn ang="0">
-                  <a:pos x="T18" y="T19"/>
-                </a:cxn>
-                <a:cxn ang="0">
-                  <a:pos x="T20" y="T21"/>
-                </a:cxn>
-                <a:cxn ang="0">
-                  <a:pos x="T22" y="T23"/>
-                </a:cxn>
-                <a:cxn ang="0">
-                  <a:pos x="T24" y="T25"/>
-                </a:cxn>
-              </a:cxnLst>
-              <a:rect l="0" t="0" r="r" b="b"/>
-              <a:pathLst>
-                <a:path w="785" h="692">
-                  <a:moveTo>
-                    <a:pt x="225" y="692"/>
-                  </a:moveTo>
-                  <a:cubicBezTo>
-                    <a:pt x="207" y="692"/>
-                    <a:pt x="185" y="680"/>
-                    <a:pt x="177" y="665"/>
-                  </a:cubicBezTo>
-                  <a:cubicBezTo>
-                    <a:pt x="9" y="374"/>
-                    <a:pt x="9" y="374"/>
-                    <a:pt x="9" y="374"/>
-                  </a:cubicBezTo>
-                  <a:cubicBezTo>
-                    <a:pt x="0" y="358"/>
-                    <a:pt x="0" y="334"/>
-                    <a:pt x="9" y="318"/>
-                  </a:cubicBezTo>
-                  <a:cubicBezTo>
-                    <a:pt x="177" y="27"/>
-                    <a:pt x="177" y="27"/>
-                    <a:pt x="177" y="27"/>
-                  </a:cubicBezTo>
-                  <a:cubicBezTo>
-                    <a:pt x="185" y="12"/>
-                    <a:pt x="207" y="0"/>
-                    <a:pt x="225" y="0"/>
-                  </a:cubicBezTo>
-                  <a:cubicBezTo>
-                    <a:pt x="561" y="0"/>
-                    <a:pt x="561" y="0"/>
-                    <a:pt x="561" y="0"/>
-                  </a:cubicBezTo>
-                  <a:cubicBezTo>
-                    <a:pt x="578" y="0"/>
-                    <a:pt x="600" y="12"/>
-                    <a:pt x="609" y="27"/>
-                  </a:cubicBezTo>
-                  <a:cubicBezTo>
-                    <a:pt x="777" y="318"/>
-                    <a:pt x="777" y="318"/>
-                    <a:pt x="777" y="318"/>
-                  </a:cubicBezTo>
-                  <a:cubicBezTo>
-                    <a:pt x="785" y="334"/>
-                    <a:pt x="785" y="358"/>
-                    <a:pt x="777" y="374"/>
-                  </a:cubicBezTo>
-                  <a:cubicBezTo>
-                    <a:pt x="609" y="665"/>
-                    <a:pt x="609" y="665"/>
-                    <a:pt x="609" y="665"/>
-                  </a:cubicBezTo>
-                  <a:cubicBezTo>
-                    <a:pt x="600" y="680"/>
-                    <a:pt x="578" y="692"/>
-                    <a:pt x="561" y="692"/>
-                  </a:cubicBezTo>
-                  <a:lnTo>
-                    <a:pt x="225" y="692"/>
-                  </a:lnTo>
-                  <a:close/>
-                </a:path>
-              </a:pathLst>
-            </a:custGeom>
-            <a:noFill/>
-            <a:ln w="28575" cmpd="sng">
-              <a:solidFill>
-                <a:schemeClr val="bg1"/>
-              </a:solidFill>
-            </a:ln>
-          </p:spPr>
-          <p:txBody>
-            <a:bodyPr vert="horz" wrap="square" lIns="91440" tIns="45720" rIns="91440" bIns="45720" numCol="1" anchor="t" anchorCtr="0" compatLnSpc="1">
-              <a:prstTxWarp prst="textNoShape">
-                <a:avLst/>
-              </a:prstTxWarp>
-            </a:bodyPr>
-            <a:lstStyle/>
-            <a:p>
-              <a:endParaRPr lang="en-US"/>
-            </a:p>
-          </p:txBody>
-        </p:sp>
-      </p:grpSp>
-      <p:sp>
-        <p:nvSpPr>
-          <p:cNvPr id="3" name="Footer Placeholder 2">
-            <a:extLst>
-              <a:ext uri="{FF2B5EF4-FFF2-40B4-BE49-F238E27FC236}">
-                <a16:creationId xmlns:a16="http://schemas.microsoft.com/office/drawing/2014/main" id="{4CE8A43F-9BF3-45F5-88CD-FBEA0476ED6E}"/>
-              </a:ext>
-            </a:extLst>
-          </p:cNvPr>
-          <p:cNvSpPr>
-            <a:spLocks noGrp="1"/>
-          </p:cNvSpPr>
-          <p:nvPr>
-            <p:ph type="ftr" sz="quarter" idx="11"/>
-          </p:nvPr>
-        </p:nvSpPr>
-        <p:spPr>
-          <a:xfrm>
-            <a:off x="7872984" y="384048"/>
-            <a:ext cx="3877056" cy="365125"/>
-          </a:xfrm>
-        </p:spPr>
-        <p:txBody>
-          <a:bodyPr vert="horz" lIns="91440" tIns="45720" rIns="91440" bIns="45720" rtlCol="0" anchor="ctr">
-            <a:normAutofit/>
-          </a:bodyPr>
-          <a:lstStyle/>
-          <a:p>
-            <a:pPr algn="r">
-              <a:spcAft>
-                <a:spcPts val="600"/>
-              </a:spcAft>
-            </a:pPr>
-            <a:r>
-              <a:rPr lang="en-US" sz="1100" kern="1200">
-                <a:solidFill>
-                  <a:schemeClr val="tx1">
-                    <a:alpha val="80000"/>
-                  </a:schemeClr>
-                </a:solidFill>
-                <a:latin typeface="+mn-lt"/>
-                <a:ea typeface="+mn-ea"/>
-                <a:cs typeface="+mn-cs"/>
-              </a:rPr>
-              <a:t>Mike Nguyen</a:t>
-            </a:r>
-          </a:p>
-        </p:txBody>
-      </p:sp>
-      <p:pic>
-        <p:nvPicPr>
-          <p:cNvPr id="4" name="Picture 2" descr="An illustration shows the steps of how to begin to search published sources of secondary data. The steps are as follows:&#10;1. Identify what you want to know and what you already know about the topic.&#10;2. Develop a list of key terms and names.&#10;3. Conduct an online search of relevant databases and Web sites.&#10;4. Compile the information you have found; rework the list of key words and authors if necessary.&#10;5. Consult a reference librarian inside your firm, at a public library, or at a university library.&#10;6. Identify authorities in the subject matter and consult with them.">
-            <a:extLst>
-              <a:ext uri="{FF2B5EF4-FFF2-40B4-BE49-F238E27FC236}">
-                <a16:creationId xmlns:a16="http://schemas.microsoft.com/office/drawing/2014/main" id="{EEAD44D1-BBFB-409C-ACD2-CD9F5AB8C558}"/>
-              </a:ext>
-            </a:extLst>
-          </p:cNvPr>
-          <p:cNvPicPr>
-            <a:picLocks noChangeAspect="1" noChangeArrowheads="1"/>
-          </p:cNvPicPr>
-          <p:nvPr/>
-        </p:nvPicPr>
-        <p:blipFill>
-          <a:blip r:embed="rId3">
-            <a:extLst>
-              <a:ext uri="{28A0092B-C50C-407E-A947-70E740481C1C}">
-                <a14:useLocalDpi xmlns:a14="http://schemas.microsoft.com/office/drawing/2010/main" val="0"/>
-              </a:ext>
-            </a:extLst>
-          </a:blip>
-          <a:stretch>
-            <a:fillRect/>
-          </a:stretch>
-        </p:blipFill>
-        <p:spPr bwMode="auto">
-          <a:xfrm>
-            <a:off x="5208104" y="992104"/>
-            <a:ext cx="6472362" cy="4287939"/>
-          </a:xfrm>
-          <a:prstGeom prst="rect">
-            <a:avLst/>
-          </a:prstGeom>
-          <a:noFill/>
-          <a:extLst>
-            <a:ext uri="{909E8E84-426E-40DD-AFC4-6F175D3DCCD1}">
-              <a14:hiddenFill xmlns:a14="http://schemas.microsoft.com/office/drawing/2010/main">
-                <a:solidFill>
-                  <a:schemeClr val="accent1"/>
-                </a:solidFill>
-              </a14:hiddenFill>
-            </a:ext>
-            <a:ext uri="{91240B29-F687-4F45-9708-019B960494DF}">
-              <a14:hiddenLine xmlns:a14="http://schemas.microsoft.com/office/drawing/2010/main" w="9525">
-                <a:solidFill>
-                  <a:schemeClr val="tx1"/>
-                </a:solidFill>
-                <a:miter lim="800000"/>
-                <a:headEnd/>
-                <a:tailEnd/>
-              </a14:hiddenLine>
-            </a:ext>
-          </a:extLst>
-        </p:spPr>
-      </p:pic>
-    </p:spTree>
-    <p:extLst>
-      <p:ext uri="{BB962C8B-B14F-4D97-AF65-F5344CB8AC3E}">
-        <p14:creationId xmlns:p14="http://schemas.microsoft.com/office/powerpoint/2010/main" val="560149371"/>
-      </p:ext>
-    </p:extLst>
-  </p:cSld>
-  <p:clrMapOvr>
-    <a:masterClrMapping/>
-  </p:clrMapOvr>
-</p:sld>
-</file>
-
-<file path=ppt/slides/slide11.xml><?xml version="1.0" encoding="utf-8"?>
 <p:sld xmlns:a="http://schemas.openxmlformats.org/drawingml/2006/main" xmlns:r="http://schemas.openxmlformats.org/officeDocument/2006/relationships" xmlns:p="http://schemas.openxmlformats.org/presentationml/2006/main">
   <p:cSld>
     <p:bg>
@@ -25682,7 +25072,7 @@
 </p:sld>
 </file>
 
-<file path=ppt/slides/slide12.xml><?xml version="1.0" encoding="utf-8"?>
+<file path=ppt/slides/slide11.xml><?xml version="1.0" encoding="utf-8"?>
 <p:sld xmlns:a="http://schemas.openxmlformats.org/drawingml/2006/main" xmlns:r="http://schemas.openxmlformats.org/officeDocument/2006/relationships" xmlns:p="http://schemas.openxmlformats.org/presentationml/2006/main">
   <p:cSld>
     <p:bg>
@@ -26429,7 +25819,7 @@
 </p:sld>
 </file>
 
-<file path=ppt/slides/slide13.xml><?xml version="1.0" encoding="utf-8"?>
+<file path=ppt/slides/slide12.xml><?xml version="1.0" encoding="utf-8"?>
 <p:sld xmlns:a="http://schemas.openxmlformats.org/drawingml/2006/main" xmlns:r="http://schemas.openxmlformats.org/officeDocument/2006/relationships" xmlns:p="http://schemas.openxmlformats.org/presentationml/2006/main" show="0">
   <p:cSld>
     <p:bg>
@@ -27114,7 +26504,7 @@
 </p:sld>
 </file>
 
-<file path=ppt/slides/slide14.xml><?xml version="1.0" encoding="utf-8"?>
+<file path=ppt/slides/slide13.xml><?xml version="1.0" encoding="utf-8"?>
 <p:sld xmlns:a="http://schemas.openxmlformats.org/drawingml/2006/main" xmlns:r="http://schemas.openxmlformats.org/officeDocument/2006/relationships" xmlns:p="http://schemas.openxmlformats.org/presentationml/2006/main">
   <p:cSld>
     <p:bg>
@@ -27813,7 +27203,7 @@
 </p:sld>
 </file>
 
-<file path=ppt/slides/slide15.xml><?xml version="1.0" encoding="utf-8"?>
+<file path=ppt/slides/slide14.xml><?xml version="1.0" encoding="utf-8"?>
 <p:sld xmlns:a="http://schemas.openxmlformats.org/drawingml/2006/main" xmlns:r="http://schemas.openxmlformats.org/officeDocument/2006/relationships" xmlns:p="http://schemas.openxmlformats.org/presentationml/2006/main">
   <p:cSld>
     <p:bg>
@@ -28134,7 +27524,7 @@
 </p:sld>
 </file>
 
-<file path=ppt/slides/slide16.xml><?xml version="1.0" encoding="utf-8"?>
+<file path=ppt/slides/slide15.xml><?xml version="1.0" encoding="utf-8"?>
 <p:sld xmlns:a="http://schemas.openxmlformats.org/drawingml/2006/main" xmlns:r="http://schemas.openxmlformats.org/officeDocument/2006/relationships" xmlns:p="http://schemas.openxmlformats.org/presentationml/2006/main">
   <p:cSld>
     <p:bg>
@@ -28682,7 +28072,7 @@
 </p:sld>
 </file>
 
-<file path=ppt/slides/slide17.xml><?xml version="1.0" encoding="utf-8"?>
+<file path=ppt/slides/slide16.xml><?xml version="1.0" encoding="utf-8"?>
 <p:sld xmlns:a="http://schemas.openxmlformats.org/drawingml/2006/main" xmlns:r="http://schemas.openxmlformats.org/officeDocument/2006/relationships" xmlns:p="http://schemas.openxmlformats.org/presentationml/2006/main">
   <p:cSld>
     <p:bg>
@@ -29034,7 +28424,7 @@
               <a:buAutoNum type="arabicPeriod"/>
             </a:pPr>
             <a:r>
-              <a:rPr lang="en-US" sz="2600"/>
+              <a:rPr lang="en-US" sz="2600" dirty="0"/>
               <a:t>Discuss the three general types of primary data research </a:t>
             </a:r>
           </a:p>
@@ -29044,7 +28434,7 @@
               <a:buAutoNum type="arabicPeriod"/>
             </a:pPr>
             <a:r>
-              <a:rPr lang="en-US" sz="2600"/>
+              <a:rPr lang="en-US" sz="2600" dirty="0"/>
               <a:t>Clarify the difference between lab experiments and field experiments. </a:t>
             </a:r>
           </a:p>
@@ -29054,7 +28444,7 @@
               <a:buAutoNum type="arabicPeriod"/>
             </a:pPr>
             <a:r>
-              <a:rPr lang="en-US" sz="2600"/>
+              <a:rPr lang="en-US" sz="2600" dirty="0"/>
               <a:t>Explain which of the two types of experiments has greater internal validity and which as greater external validity </a:t>
             </a:r>
           </a:p>
@@ -29064,7 +28454,7 @@
               <a:buAutoNum type="arabicPeriod"/>
             </a:pPr>
             <a:r>
-              <a:rPr lang="en-US" sz="2600"/>
+              <a:rPr lang="en-US" sz="2600" dirty="0"/>
               <a:t>List the 3 major considerations in test marketing. </a:t>
             </a:r>
           </a:p>
@@ -29074,18 +28464,8 @@
               <a:buAutoNum type="arabicPeriod"/>
             </a:pPr>
             <a:r>
-              <a:rPr lang="en-US" sz="2600"/>
-              <a:t>Distinguish between a standard test market and a controlled test market </a:t>
-            </a:r>
-          </a:p>
-          <a:p>
-            <a:pPr marL="514350" indent="-514350">
-              <a:buFont typeface="+mj-lt"/>
-              <a:buAutoNum type="arabicPeriod"/>
-            </a:pPr>
-            <a:r>
-              <a:rPr lang="en-US" sz="2600"/>
-              <a:t>Discuss the advantages and disadvantages of simulated test marketing</a:t>
+              <a:rPr lang="en-US" sz="2600" dirty="0"/>
+              <a:t>Distinguish between a standard test market and a controlled test market</a:t>
             </a:r>
           </a:p>
         </p:txBody>
@@ -29143,7 +28523,7 @@
 </p:sld>
 </file>
 
-<file path=ppt/slides/slide18.xml><?xml version="1.0" encoding="utf-8"?>
+<file path=ppt/slides/slide17.xml><?xml version="1.0" encoding="utf-8"?>
 <p:sld xmlns:a="http://schemas.openxmlformats.org/drawingml/2006/main" xmlns:r="http://schemas.openxmlformats.org/officeDocument/2006/relationships" xmlns:p="http://schemas.openxmlformats.org/presentationml/2006/main">
   <p:cSld>
     <p:bg>
@@ -30012,7 +29392,7 @@
 </p:sld>
 </file>
 
-<file path=ppt/slides/slide19.xml><?xml version="1.0" encoding="utf-8"?>
+<file path=ppt/slides/slide18.xml><?xml version="1.0" encoding="utf-8"?>
 <p:sld xmlns:a="http://schemas.openxmlformats.org/drawingml/2006/main" xmlns:r="http://schemas.openxmlformats.org/officeDocument/2006/relationships" xmlns:p="http://schemas.openxmlformats.org/presentationml/2006/main">
   <p:cSld>
     <p:bg>
@@ -30260,7 +29640,7 @@
           <a:lstStyle/>
           <a:p>
             <a:r>
-              <a:rPr lang="en-US">
+              <a:rPr lang="en-US" dirty="0">
                 <a:solidFill>
                   <a:srgbClr val="FFFFFF"/>
                 </a:solidFill>
@@ -30360,20 +29740,32 @@
           <a:lstStyle/>
           <a:p>
             <a:r>
-              <a:rPr lang="en-US" dirty="0"/>
-              <a:t>Exploratory Research: Research conducted to gain ideas and insights to better define the problem or opportunity confronting a manager. </a:t>
+              <a:rPr lang="en-US" b="1" dirty="0"/>
+              <a:t>Exploratory Research</a:t>
             </a:r>
-          </a:p>
-          <a:p>
             <a:r>
               <a:rPr lang="en-US" dirty="0"/>
-              <a:t>Descriptive Research: Research in which the major emphasis is on describing characteristics of a group or the extent to which variables are related </a:t>
+              <a:t>: Research conducted to gain ideas and insights to better define the problem or opportunity confronting a manager. </a:t>
             </a:r>
           </a:p>
           <a:p>
+            <a:r>
+              <a:rPr lang="en-US" b="1" dirty="0"/>
+              <a:t>Descriptive Research</a:t>
+            </a:r>
             <a:r>
               <a:rPr lang="en-US" dirty="0"/>
-              <a:t>Causal Research: Type of research in which the major emphasis is on determining cause-and-effect relationships </a:t>
+              <a:t>: Research in which the major emphasis is on describing characteristics of a group or the extent to which variables are related </a:t>
+            </a:r>
+          </a:p>
+          <a:p>
+            <a:r>
+              <a:rPr lang="en-US" b="1" dirty="0"/>
+              <a:t>Causal Research</a:t>
+            </a:r>
+            <a:r>
+              <a:rPr lang="en-US" dirty="0"/>
+              <a:t>: Type of research in which the major emphasis is on determining cause-and-effect relationships </a:t>
             </a:r>
           </a:p>
           <a:p>
@@ -30425,6 +29817,156 @@
     <p:extLst>
       <p:ext uri="{BB962C8B-B14F-4D97-AF65-F5344CB8AC3E}">
         <p14:creationId xmlns:p14="http://schemas.microsoft.com/office/powerpoint/2010/main" val="2075877263"/>
+      </p:ext>
+    </p:extLst>
+  </p:cSld>
+  <p:clrMapOvr>
+    <a:masterClrMapping/>
+  </p:clrMapOvr>
+</p:sld>
+</file>
+
+<file path=ppt/slides/slide19.xml><?xml version="1.0" encoding="utf-8"?>
+<p:sld xmlns:a="http://schemas.openxmlformats.org/drawingml/2006/main" xmlns:r="http://schemas.openxmlformats.org/officeDocument/2006/relationships" xmlns:p="http://schemas.openxmlformats.org/presentationml/2006/main">
+  <p:cSld>
+    <p:spTree>
+      <p:nvGrpSpPr>
+        <p:cNvPr id="1" name=""/>
+        <p:cNvGrpSpPr/>
+        <p:nvPr/>
+      </p:nvGrpSpPr>
+      <p:grpSpPr>
+        <a:xfrm>
+          <a:off x="0" y="0"/>
+          <a:ext cx="0" cy="0"/>
+          <a:chOff x="0" y="0"/>
+          <a:chExt cx="0" cy="0"/>
+        </a:xfrm>
+      </p:grpSpPr>
+      <p:sp>
+        <p:nvSpPr>
+          <p:cNvPr id="2" name="Title 1">
+            <a:extLst>
+              <a:ext uri="{FF2B5EF4-FFF2-40B4-BE49-F238E27FC236}">
+                <a16:creationId xmlns:a16="http://schemas.microsoft.com/office/drawing/2014/main" id="{0C046FAC-A8EC-42C4-9234-114776E29203}"/>
+              </a:ext>
+            </a:extLst>
+          </p:cNvPr>
+          <p:cNvSpPr>
+            <a:spLocks noGrp="1"/>
+          </p:cNvSpPr>
+          <p:nvPr>
+            <p:ph type="title"/>
+          </p:nvPr>
+        </p:nvSpPr>
+        <p:spPr/>
+        <p:txBody>
+          <a:bodyPr/>
+          <a:lstStyle/>
+          <a:p>
+            <a:r>
+              <a:rPr lang="en-US" dirty="0"/>
+              <a:t>Three Types Primary Data Research</a:t>
+            </a:r>
+          </a:p>
+        </p:txBody>
+      </p:sp>
+      <p:pic>
+        <p:nvPicPr>
+          <p:cNvPr id="4" name="Picture 3" descr="A flowchart depicts the relationship among the types of Primary Data Research. It begins with “Exploratory Research”, which is connected to “Descriptive Research” and “Causal Research” by two individual arrows. Two flow lines, one from “Descriptive Research” and other from “Casual Research” flow back to “Exploratory Research.” “Descriptive Research” and “Casual Research” are connected by means of a two-way flow line.">
+            <a:extLst>
+              <a:ext uri="{FF2B5EF4-FFF2-40B4-BE49-F238E27FC236}">
+                <a16:creationId xmlns:a16="http://schemas.microsoft.com/office/drawing/2014/main" id="{72717DF5-F0C6-4EBD-A797-CABAF9E6093A}"/>
+              </a:ext>
+            </a:extLst>
+          </p:cNvPr>
+          <p:cNvPicPr>
+            <a:picLocks noGrp="1" noChangeAspect="1" noChangeArrowheads="1"/>
+          </p:cNvPicPr>
+          <p:nvPr/>
+        </p:nvPicPr>
+        <p:blipFill>
+          <a:blip r:embed="rId3">
+            <a:extLst>
+              <a:ext uri="{28A0092B-C50C-407E-A947-70E740481C1C}">
+                <a14:useLocalDpi xmlns:a14="http://schemas.microsoft.com/office/drawing/2010/main" val="0"/>
+              </a:ext>
+            </a:extLst>
+          </a:blip>
+          <a:srcRect/>
+          <a:stretch>
+            <a:fillRect/>
+          </a:stretch>
+        </p:blipFill>
+        <p:spPr bwMode="auto">
+          <a:xfrm>
+            <a:off x="1981200" y="1652860"/>
+            <a:ext cx="8229600" cy="3552281"/>
+          </a:xfrm>
+          <a:prstGeom prst="rect">
+            <a:avLst/>
+          </a:prstGeom>
+          <a:noFill/>
+          <a:ln w="9525">
+            <a:noFill/>
+            <a:miter lim="800000"/>
+            <a:headEnd/>
+            <a:tailEnd/>
+          </a:ln>
+          <a:extLst>
+            <a:ext uri="{909E8E84-426E-40DD-AFC4-6F175D3DCCD1}">
+              <a14:hiddenFill xmlns:a14="http://schemas.microsoft.com/office/drawing/2010/main">
+                <a:solidFill>
+                  <a:schemeClr val="accent1"/>
+                </a:solidFill>
+              </a14:hiddenFill>
+            </a:ext>
+            <a:ext uri="{91240B29-F687-4F45-9708-019B960494DF}">
+              <a14:hiddenLine xmlns:a14="http://schemas.microsoft.com/office/drawing/2010/main" w="9525">
+                <a:solidFill>
+                  <a:schemeClr val="tx1"/>
+                </a:solidFill>
+                <a:miter lim="800000"/>
+                <a:headEnd/>
+                <a:tailEnd/>
+              </a14:hiddenLine>
+            </a:ext>
+          </a:extLst>
+        </p:spPr>
+      </p:pic>
+      <p:sp>
+        <p:nvSpPr>
+          <p:cNvPr id="3" name="Footer Placeholder 2">
+            <a:extLst>
+              <a:ext uri="{FF2B5EF4-FFF2-40B4-BE49-F238E27FC236}">
+                <a16:creationId xmlns:a16="http://schemas.microsoft.com/office/drawing/2014/main" id="{97ABAA5D-5FD6-45BF-BADD-B705AE12FC2E}"/>
+              </a:ext>
+            </a:extLst>
+          </p:cNvPr>
+          <p:cNvSpPr>
+            <a:spLocks noGrp="1"/>
+          </p:cNvSpPr>
+          <p:nvPr>
+            <p:ph type="ftr" sz="quarter" idx="11"/>
+          </p:nvPr>
+        </p:nvSpPr>
+        <p:spPr/>
+        <p:txBody>
+          <a:bodyPr/>
+          <a:lstStyle/>
+          <a:p>
+            <a:r>
+              <a:rPr lang="en-US"/>
+              <a:t>Mike Nguyen</a:t>
+            </a:r>
+            <a:endParaRPr lang="en-US" dirty="0"/>
+          </a:p>
+        </p:txBody>
+      </p:sp>
+    </p:spTree>
+    <p:extLst>
+      <p:ext uri="{BB962C8B-B14F-4D97-AF65-F5344CB8AC3E}">
+        <p14:creationId xmlns:p14="http://schemas.microsoft.com/office/powerpoint/2010/main" val="701568835"/>
       </p:ext>
     </p:extLst>
   </p:cSld>
@@ -31916,156 +31458,6 @@
 <file path=ppt/slides/slide20.xml><?xml version="1.0" encoding="utf-8"?>
 <p:sld xmlns:a="http://schemas.openxmlformats.org/drawingml/2006/main" xmlns:r="http://schemas.openxmlformats.org/officeDocument/2006/relationships" xmlns:p="http://schemas.openxmlformats.org/presentationml/2006/main">
   <p:cSld>
-    <p:spTree>
-      <p:nvGrpSpPr>
-        <p:cNvPr id="1" name=""/>
-        <p:cNvGrpSpPr/>
-        <p:nvPr/>
-      </p:nvGrpSpPr>
-      <p:grpSpPr>
-        <a:xfrm>
-          <a:off x="0" y="0"/>
-          <a:ext cx="0" cy="0"/>
-          <a:chOff x="0" y="0"/>
-          <a:chExt cx="0" cy="0"/>
-        </a:xfrm>
-      </p:grpSpPr>
-      <p:sp>
-        <p:nvSpPr>
-          <p:cNvPr id="2" name="Title 1">
-            <a:extLst>
-              <a:ext uri="{FF2B5EF4-FFF2-40B4-BE49-F238E27FC236}">
-                <a16:creationId xmlns:a16="http://schemas.microsoft.com/office/drawing/2014/main" id="{0C046FAC-A8EC-42C4-9234-114776E29203}"/>
-              </a:ext>
-            </a:extLst>
-          </p:cNvPr>
-          <p:cNvSpPr>
-            <a:spLocks noGrp="1"/>
-          </p:cNvSpPr>
-          <p:nvPr>
-            <p:ph type="title"/>
-          </p:nvPr>
-        </p:nvSpPr>
-        <p:spPr/>
-        <p:txBody>
-          <a:bodyPr/>
-          <a:lstStyle/>
-          <a:p>
-            <a:r>
-              <a:rPr lang="en-US" dirty="0"/>
-              <a:t>Three Types Primary Data Research</a:t>
-            </a:r>
-          </a:p>
-        </p:txBody>
-      </p:sp>
-      <p:pic>
-        <p:nvPicPr>
-          <p:cNvPr id="4" name="Picture 3" descr="A flowchart depicts the relationship among the types of Primary Data Research. It begins with “Exploratory Research”, which is connected to “Descriptive Research” and “Causal Research” by two individual arrows. Two flow lines, one from “Descriptive Research” and other from “Casual Research” flow back to “Exploratory Research.” “Descriptive Research” and “Casual Research” are connected by means of a two-way flow line.">
-            <a:extLst>
-              <a:ext uri="{FF2B5EF4-FFF2-40B4-BE49-F238E27FC236}">
-                <a16:creationId xmlns:a16="http://schemas.microsoft.com/office/drawing/2014/main" id="{72717DF5-F0C6-4EBD-A797-CABAF9E6093A}"/>
-              </a:ext>
-            </a:extLst>
-          </p:cNvPr>
-          <p:cNvPicPr>
-            <a:picLocks noGrp="1" noChangeAspect="1" noChangeArrowheads="1"/>
-          </p:cNvPicPr>
-          <p:nvPr/>
-        </p:nvPicPr>
-        <p:blipFill>
-          <a:blip r:embed="rId3">
-            <a:extLst>
-              <a:ext uri="{28A0092B-C50C-407E-A947-70E740481C1C}">
-                <a14:useLocalDpi xmlns:a14="http://schemas.microsoft.com/office/drawing/2010/main" val="0"/>
-              </a:ext>
-            </a:extLst>
-          </a:blip>
-          <a:srcRect/>
-          <a:stretch>
-            <a:fillRect/>
-          </a:stretch>
-        </p:blipFill>
-        <p:spPr bwMode="auto">
-          <a:xfrm>
-            <a:off x="1981200" y="1652860"/>
-            <a:ext cx="8229600" cy="3552281"/>
-          </a:xfrm>
-          <a:prstGeom prst="rect">
-            <a:avLst/>
-          </a:prstGeom>
-          <a:noFill/>
-          <a:ln w="9525">
-            <a:noFill/>
-            <a:miter lim="800000"/>
-            <a:headEnd/>
-            <a:tailEnd/>
-          </a:ln>
-          <a:extLst>
-            <a:ext uri="{909E8E84-426E-40DD-AFC4-6F175D3DCCD1}">
-              <a14:hiddenFill xmlns:a14="http://schemas.microsoft.com/office/drawing/2010/main">
-                <a:solidFill>
-                  <a:schemeClr val="accent1"/>
-                </a:solidFill>
-              </a14:hiddenFill>
-            </a:ext>
-            <a:ext uri="{91240B29-F687-4F45-9708-019B960494DF}">
-              <a14:hiddenLine xmlns:a14="http://schemas.microsoft.com/office/drawing/2010/main" w="9525">
-                <a:solidFill>
-                  <a:schemeClr val="tx1"/>
-                </a:solidFill>
-                <a:miter lim="800000"/>
-                <a:headEnd/>
-                <a:tailEnd/>
-              </a14:hiddenLine>
-            </a:ext>
-          </a:extLst>
-        </p:spPr>
-      </p:pic>
-      <p:sp>
-        <p:nvSpPr>
-          <p:cNvPr id="3" name="Footer Placeholder 2">
-            <a:extLst>
-              <a:ext uri="{FF2B5EF4-FFF2-40B4-BE49-F238E27FC236}">
-                <a16:creationId xmlns:a16="http://schemas.microsoft.com/office/drawing/2014/main" id="{97ABAA5D-5FD6-45BF-BADD-B705AE12FC2E}"/>
-              </a:ext>
-            </a:extLst>
-          </p:cNvPr>
-          <p:cNvSpPr>
-            <a:spLocks noGrp="1"/>
-          </p:cNvSpPr>
-          <p:nvPr>
-            <p:ph type="ftr" sz="quarter" idx="11"/>
-          </p:nvPr>
-        </p:nvSpPr>
-        <p:spPr/>
-        <p:txBody>
-          <a:bodyPr/>
-          <a:lstStyle/>
-          <a:p>
-            <a:r>
-              <a:rPr lang="en-US"/>
-              <a:t>Mike Nguyen</a:t>
-            </a:r>
-            <a:endParaRPr lang="en-US" dirty="0"/>
-          </a:p>
-        </p:txBody>
-      </p:sp>
-    </p:spTree>
-    <p:extLst>
-      <p:ext uri="{BB962C8B-B14F-4D97-AF65-F5344CB8AC3E}">
-        <p14:creationId xmlns:p14="http://schemas.microsoft.com/office/powerpoint/2010/main" val="701568835"/>
-      </p:ext>
-    </p:extLst>
-  </p:cSld>
-  <p:clrMapOvr>
-    <a:masterClrMapping/>
-  </p:clrMapOvr>
-</p:sld>
-</file>
-
-<file path=ppt/slides/slide21.xml><?xml version="1.0" encoding="utf-8"?>
-<p:sld xmlns:a="http://schemas.openxmlformats.org/drawingml/2006/main" xmlns:r="http://schemas.openxmlformats.org/officeDocument/2006/relationships" xmlns:p="http://schemas.openxmlformats.org/presentationml/2006/main">
-  <p:cSld>
     <p:bg>
       <p:bgPr>
         <a:solidFill>
@@ -32459,16 +31851,13 @@
 </p:sld>
 </file>
 
-<file path=ppt/slides/slide22.xml><?xml version="1.0" encoding="utf-8"?>
+<file path=ppt/slides/slide21.xml><?xml version="1.0" encoding="utf-8"?>
 <p:sld xmlns:a="http://schemas.openxmlformats.org/drawingml/2006/main" xmlns:r="http://schemas.openxmlformats.org/officeDocument/2006/relationships" xmlns:p="http://schemas.openxmlformats.org/presentationml/2006/main">
   <p:cSld>
     <p:bg>
       <p:bgPr>
         <a:solidFill>
-          <a:schemeClr val="bg1">
-            <a:tint val="95000"/>
-            <a:satMod val="170000"/>
-          </a:schemeClr>
+          <a:schemeClr val="bg1"/>
         </a:solidFill>
         <a:effectLst/>
       </p:bgPr>
@@ -32487,12 +31876,12 @@
           <a:chExt cx="0" cy="0"/>
         </a:xfrm>
       </p:grpSpPr>
-      <p:sp>
+      <p:sp useBgFill="1">
         <p:nvSpPr>
-          <p:cNvPr id="9" name="Freeform: Shape 8">
+          <p:cNvPr id="16" name="Rectangle 15">
             <a:extLst>
               <a:ext uri="{FF2B5EF4-FFF2-40B4-BE49-F238E27FC236}">
-                <a16:creationId xmlns:a16="http://schemas.microsoft.com/office/drawing/2014/main" id="{CB5DFCDA-694D-4637-8E9B-038575194349}"/>
+                <a16:creationId xmlns:a16="http://schemas.microsoft.com/office/drawing/2014/main" id="{907EF6B7-1338-4443-8C46-6A318D952DFD}"/>
               </a:ext>
               <a:ext uri="{C183D7F6-B498-43B3-948B-1728B52AA6E4}">
                 <adec:decorative xmlns:adec="http://schemas.microsoft.com/office/drawing/2017/decorative" val="1"/>
@@ -32511,27 +31900,87 @@
           </p:nvPr>
         </p:nvSpPr>
         <p:spPr>
-          <a:xfrm flipH="1" flipV="1">
-            <a:off x="0" y="0"/>
-            <a:ext cx="9952075" cy="6858000"/>
+          <a:xfrm>
+            <a:off x="3048" y="0"/>
+            <a:ext cx="12188952" cy="6858000"/>
+          </a:xfrm>
+          <a:prstGeom prst="rect">
+            <a:avLst/>
+          </a:prstGeom>
+          <a:ln>
+            <a:noFill/>
+          </a:ln>
+        </p:spPr>
+        <p:style>
+          <a:lnRef idx="2">
+            <a:schemeClr val="accent1">
+              <a:shade val="50000"/>
+            </a:schemeClr>
+          </a:lnRef>
+          <a:fillRef idx="1">
+            <a:schemeClr val="accent1"/>
+          </a:fillRef>
+          <a:effectRef idx="0">
+            <a:schemeClr val="accent1"/>
+          </a:effectRef>
+          <a:fontRef idx="minor">
+            <a:schemeClr val="lt1"/>
+          </a:fontRef>
+        </p:style>
+        <p:txBody>
+          <a:bodyPr rtlCol="0" anchor="ctr"/>
+          <a:lstStyle/>
+          <a:p>
+            <a:pPr algn="ctr"/>
+            <a:endParaRPr lang="en-US"/>
+          </a:p>
+        </p:txBody>
+      </p:sp>
+      <p:sp>
+        <p:nvSpPr>
+          <p:cNvPr id="18" name="Freeform: Shape 17">
+            <a:extLst>
+              <a:ext uri="{FF2B5EF4-FFF2-40B4-BE49-F238E27FC236}">
+                <a16:creationId xmlns:a16="http://schemas.microsoft.com/office/drawing/2014/main" id="{DAAE4CDD-124C-4DCF-9584-B6033B545DD5}"/>
+              </a:ext>
+              <a:ext uri="{C183D7F6-B498-43B3-948B-1728B52AA6E4}">
+                <adec:decorative xmlns:adec="http://schemas.microsoft.com/office/drawing/2017/decorative" val="1"/>
+              </a:ext>
+            </a:extLst>
+          </p:cNvPr>
+          <p:cNvSpPr>
+            <a:spLocks noGrp="1" noRot="1" noChangeAspect="1" noMove="1" noResize="1" noEditPoints="1" noAdjustHandles="1" noChangeArrowheads="1" noChangeShapeType="1" noTextEdit="1"/>
+          </p:cNvSpPr>
+          <p:nvPr>
+            <p:extLst>
+              <p:ext uri="{386F3935-93C4-4BCD-93E2-E3B085C9AB24}">
+                <p16:designElem xmlns:p16="http://schemas.microsoft.com/office/powerpoint/2015/main" val="1"/>
+              </p:ext>
+            </p:extLst>
+          </p:nvPr>
+        </p:nvSpPr>
+        <p:spPr>
+          <a:xfrm>
+            <a:off x="1" y="0"/>
+            <a:ext cx="4167271" cy="6858000"/>
           </a:xfrm>
           <a:custGeom>
             <a:avLst/>
             <a:gdLst>
-              <a:gd name="connsiteX0" fmla="*/ 9952075 w 9952075"/>
-              <a:gd name="connsiteY0" fmla="*/ 6858000 h 6858000"/>
-              <a:gd name="connsiteX1" fmla="*/ 108694 w 9952075"/>
-              <a:gd name="connsiteY1" fmla="*/ 6858000 h 6858000"/>
-              <a:gd name="connsiteX2" fmla="*/ 79127 w 9952075"/>
-              <a:gd name="connsiteY2" fmla="*/ 6681235 h 6858000"/>
-              <a:gd name="connsiteX3" fmla="*/ 0 w 9952075"/>
-              <a:gd name="connsiteY3" fmla="*/ 5565888 h 6858000"/>
-              <a:gd name="connsiteX4" fmla="*/ 2190696 w 9952075"/>
-              <a:gd name="connsiteY4" fmla="*/ 145339 h 6858000"/>
-              <a:gd name="connsiteX5" fmla="*/ 2339431 w 9952075"/>
-              <a:gd name="connsiteY5" fmla="*/ 0 h 6858000"/>
-              <a:gd name="connsiteX6" fmla="*/ 9952075 w 9952075"/>
-              <a:gd name="connsiteY6" fmla="*/ 0 h 6858000"/>
+              <a:gd name="connsiteX0" fmla="*/ 0 w 4167271"/>
+              <a:gd name="connsiteY0" fmla="*/ 0 h 6858000"/>
+              <a:gd name="connsiteX1" fmla="*/ 2259550 w 4167271"/>
+              <a:gd name="connsiteY1" fmla="*/ 0 h 6858000"/>
+              <a:gd name="connsiteX2" fmla="*/ 2387803 w 4167271"/>
+              <a:gd name="connsiteY2" fmla="*/ 82222 h 6858000"/>
+              <a:gd name="connsiteX3" fmla="*/ 4167271 w 4167271"/>
+              <a:gd name="connsiteY3" fmla="*/ 3429000 h 6858000"/>
+              <a:gd name="connsiteX4" fmla="*/ 2387803 w 4167271"/>
+              <a:gd name="connsiteY4" fmla="*/ 6775779 h 6858000"/>
+              <a:gd name="connsiteX5" fmla="*/ 2259550 w 4167271"/>
+              <a:gd name="connsiteY5" fmla="*/ 6858000 h 6858000"/>
+              <a:gd name="connsiteX6" fmla="*/ 0 w 4167271"/>
+              <a:gd name="connsiteY6" fmla="*/ 6858000 h 6858000"/>
             </a:gdLst>
             <a:ahLst/>
             <a:cxnLst>
@@ -32559,40 +32008,38 @@
             </a:cxnLst>
             <a:rect l="l" t="t" r="r" b="b"/>
             <a:pathLst>
-              <a:path w="9952075" h="6858000">
+              <a:path w="4167271" h="6858000">
                 <a:moveTo>
-                  <a:pt x="9952075" y="6858000"/>
+                  <a:pt x="0" y="0"/>
                 </a:moveTo>
                 <a:lnTo>
-                  <a:pt x="108694" y="6858000"/>
+                  <a:pt x="2259550" y="0"/>
                 </a:lnTo>
                 <a:lnTo>
-                  <a:pt x="79127" y="6681235"/>
+                  <a:pt x="2387803" y="82222"/>
                 </a:lnTo>
                 <a:cubicBezTo>
-                  <a:pt x="26981" y="6316967"/>
-                  <a:pt x="0" y="5944579"/>
-                  <a:pt x="0" y="5565888"/>
+                  <a:pt x="3461407" y="807534"/>
+                  <a:pt x="4167271" y="2035835"/>
+                  <a:pt x="4167271" y="3429000"/>
                 </a:cubicBezTo>
                 <a:cubicBezTo>
-                  <a:pt x="0" y="3459953"/>
-                  <a:pt x="834428" y="1548908"/>
-                  <a:pt x="2190696" y="145339"/>
+                  <a:pt x="4167271" y="4822165"/>
+                  <a:pt x="3461407" y="6050467"/>
+                  <a:pt x="2387803" y="6775779"/>
                 </a:cubicBezTo>
                 <a:lnTo>
-                  <a:pt x="2339431" y="0"/>
+                  <a:pt x="2259550" y="6858000"/>
                 </a:lnTo>
                 <a:lnTo>
-                  <a:pt x="9952075" y="0"/>
+                  <a:pt x="0" y="6858000"/>
                 </a:lnTo>
                 <a:close/>
               </a:path>
             </a:pathLst>
           </a:custGeom>
           <a:solidFill>
-            <a:schemeClr val="tx1">
-              <a:alpha val="80000"/>
-            </a:schemeClr>
+            <a:schemeClr val="accent2"/>
           </a:solidFill>
           <a:ln>
             <a:noFill/>
@@ -32615,148 +32062,7 @@
           </a:fontRef>
         </p:style>
         <p:txBody>
-          <a:bodyPr wrap="square" rtlCol="0" anchor="ctr">
-            <a:noAutofit/>
-          </a:bodyPr>
-          <a:lstStyle/>
-          <a:p>
-            <a:pPr algn="ctr"/>
-            <a:endParaRPr lang="en-US"/>
-          </a:p>
-        </p:txBody>
-      </p:sp>
-      <p:sp>
-        <p:nvSpPr>
-          <p:cNvPr id="11" name="Freeform: Shape 10">
-            <a:extLst>
-              <a:ext uri="{FF2B5EF4-FFF2-40B4-BE49-F238E27FC236}">
-                <a16:creationId xmlns:a16="http://schemas.microsoft.com/office/drawing/2014/main" id="{E4DB276E-BFF1-43F5-AB90-7ABA4B9A919A}"/>
-              </a:ext>
-              <a:ext uri="{C183D7F6-B498-43B3-948B-1728B52AA6E4}">
-                <adec:decorative xmlns:adec="http://schemas.microsoft.com/office/drawing/2017/decorative" val="1"/>
-              </a:ext>
-            </a:extLst>
-          </p:cNvPr>
-          <p:cNvSpPr>
-            <a:spLocks noGrp="1" noRot="1" noChangeAspect="1" noMove="1" noResize="1" noEditPoints="1" noAdjustHandles="1" noChangeArrowheads="1" noChangeShapeType="1" noTextEdit="1"/>
-          </p:cNvSpPr>
-          <p:nvPr>
-            <p:extLst>
-              <p:ext uri="{386F3935-93C4-4BCD-93E2-E3B085C9AB24}">
-                <p16:designElem xmlns:p16="http://schemas.microsoft.com/office/powerpoint/2015/main" val="1"/>
-              </p:ext>
-            </p:extLst>
-          </p:nvPr>
-        </p:nvSpPr>
-        <p:spPr>
-          <a:xfrm flipH="1" flipV="1">
-            <a:off x="0" y="0"/>
-            <a:ext cx="9652017" cy="6858000"/>
-          </a:xfrm>
-          <a:custGeom>
-            <a:avLst/>
-            <a:gdLst>
-              <a:gd name="connsiteX0" fmla="*/ 9652017 w 9652017"/>
-              <a:gd name="connsiteY0" fmla="*/ 6858000 h 6858000"/>
-              <a:gd name="connsiteX1" fmla="*/ 112827 w 9652017"/>
-              <a:gd name="connsiteY1" fmla="*/ 6858000 h 6858000"/>
-              <a:gd name="connsiteX2" fmla="*/ 76084 w 9652017"/>
-              <a:gd name="connsiteY2" fmla="*/ 6638337 h 6858000"/>
-              <a:gd name="connsiteX3" fmla="*/ 0 w 9652017"/>
-              <a:gd name="connsiteY3" fmla="*/ 5565888 h 6858000"/>
-              <a:gd name="connsiteX4" fmla="*/ 2157501 w 9652017"/>
-              <a:gd name="connsiteY4" fmla="*/ 301488 h 6858000"/>
-              <a:gd name="connsiteX5" fmla="*/ 2472310 w 9652017"/>
-              <a:gd name="connsiteY5" fmla="*/ 0 h 6858000"/>
-              <a:gd name="connsiteX6" fmla="*/ 9652017 w 9652017"/>
-              <a:gd name="connsiteY6" fmla="*/ 0 h 6858000"/>
-            </a:gdLst>
-            <a:ahLst/>
-            <a:cxnLst>
-              <a:cxn ang="0">
-                <a:pos x="connsiteX0" y="connsiteY0"/>
-              </a:cxn>
-              <a:cxn ang="0">
-                <a:pos x="connsiteX1" y="connsiteY1"/>
-              </a:cxn>
-              <a:cxn ang="0">
-                <a:pos x="connsiteX2" y="connsiteY2"/>
-              </a:cxn>
-              <a:cxn ang="0">
-                <a:pos x="connsiteX3" y="connsiteY3"/>
-              </a:cxn>
-              <a:cxn ang="0">
-                <a:pos x="connsiteX4" y="connsiteY4"/>
-              </a:cxn>
-              <a:cxn ang="0">
-                <a:pos x="connsiteX5" y="connsiteY5"/>
-              </a:cxn>
-              <a:cxn ang="0">
-                <a:pos x="connsiteX6" y="connsiteY6"/>
-              </a:cxn>
-            </a:cxnLst>
-            <a:rect l="l" t="t" r="r" b="b"/>
-            <a:pathLst>
-              <a:path w="9652017" h="6858000">
-                <a:moveTo>
-                  <a:pt x="9652017" y="6858000"/>
-                </a:moveTo>
-                <a:lnTo>
-                  <a:pt x="112827" y="6858000"/>
-                </a:lnTo>
-                <a:lnTo>
-                  <a:pt x="76084" y="6638337"/>
-                </a:lnTo>
-                <a:cubicBezTo>
-                  <a:pt x="25944" y="6288079"/>
-                  <a:pt x="0" y="5930014"/>
-                  <a:pt x="0" y="5565888"/>
-                </a:cubicBezTo>
-                <a:cubicBezTo>
-                  <a:pt x="0" y="3514654"/>
-                  <a:pt x="823309" y="1655711"/>
-                  <a:pt x="2157501" y="301488"/>
-                </a:cubicBezTo>
-                <a:lnTo>
-                  <a:pt x="2472310" y="0"/>
-                </a:lnTo>
-                <a:lnTo>
-                  <a:pt x="9652017" y="0"/>
-                </a:lnTo>
-                <a:close/>
-              </a:path>
-            </a:pathLst>
-          </a:custGeom>
-          <a:solidFill>
-            <a:schemeClr val="bg1">
-              <a:lumMod val="65000"/>
-              <a:lumOff val="35000"/>
-            </a:schemeClr>
-          </a:solidFill>
-          <a:ln>
-            <a:noFill/>
-          </a:ln>
-        </p:spPr>
-        <p:style>
-          <a:lnRef idx="2">
-            <a:schemeClr val="accent1">
-              <a:shade val="50000"/>
-            </a:schemeClr>
-          </a:lnRef>
-          <a:fillRef idx="1">
-            <a:schemeClr val="accent1"/>
-          </a:fillRef>
-          <a:effectRef idx="0">
-            <a:schemeClr val="accent1"/>
-          </a:effectRef>
-          <a:fontRef idx="minor">
-            <a:schemeClr val="lt1"/>
-          </a:fontRef>
-        </p:style>
-        <p:txBody>
-          <a:bodyPr wrap="square" rtlCol="0" anchor="ctr">
-            <a:noAutofit/>
-          </a:bodyPr>
+          <a:bodyPr rtlCol="0" anchor="ctr"/>
           <a:lstStyle/>
           <a:p>
             <a:pPr algn="ctr"/>
@@ -32782,20 +32088,84 @@
         </p:nvSpPr>
         <p:spPr>
           <a:xfrm>
-            <a:off x="838200" y="365126"/>
-            <a:ext cx="7757694" cy="1288238"/>
+            <a:off x="686834" y="1153572"/>
+            <a:ext cx="3200400" cy="4461163"/>
           </a:xfrm>
         </p:spPr>
         <p:txBody>
-          <a:bodyPr anchor="b">
+          <a:bodyPr>
             <a:normAutofit/>
           </a:bodyPr>
           <a:lstStyle/>
           <a:p>
             <a:r>
-              <a:rPr lang="en-US"/>
+              <a:rPr lang="en-US" dirty="0">
+                <a:solidFill>
+                  <a:srgbClr val="FFFFFF"/>
+                </a:solidFill>
+              </a:rPr>
               <a:t>Evidence of Causality</a:t>
             </a:r>
+          </a:p>
+        </p:txBody>
+      </p:sp>
+      <p:sp>
+        <p:nvSpPr>
+          <p:cNvPr id="20" name="Arc 19">
+            <a:extLst>
+              <a:ext uri="{FF2B5EF4-FFF2-40B4-BE49-F238E27FC236}">
+                <a16:creationId xmlns:a16="http://schemas.microsoft.com/office/drawing/2014/main" id="{081E4A58-353D-44AE-B2FC-2A74E2E400F7}"/>
+              </a:ext>
+              <a:ext uri="{C183D7F6-B498-43B3-948B-1728B52AA6E4}">
+                <adec:decorative xmlns:adec="http://schemas.microsoft.com/office/drawing/2017/decorative" val="1"/>
+              </a:ext>
+            </a:extLst>
+          </p:cNvPr>
+          <p:cNvSpPr>
+            <a:spLocks noGrp="1" noRot="1" noChangeAspect="1" noMove="1" noResize="1" noEditPoints="1" noAdjustHandles="1" noChangeArrowheads="1" noChangeShapeType="1" noTextEdit="1"/>
+          </p:cNvSpPr>
+          <p:nvPr>
+            <p:extLst>
+              <p:ext uri="{386F3935-93C4-4BCD-93E2-E3B085C9AB24}">
+                <p16:designElem xmlns:p16="http://schemas.microsoft.com/office/powerpoint/2015/main" val="1"/>
+              </p:ext>
+            </p:extLst>
+          </p:nvPr>
+        </p:nvSpPr>
+        <p:spPr>
+          <a:xfrm flipV="1">
+            <a:off x="7550402" y="2455479"/>
+            <a:ext cx="4083433" cy="4083433"/>
+          </a:xfrm>
+          <a:prstGeom prst="arc">
+            <a:avLst/>
+          </a:prstGeom>
+          <a:ln w="127000" cap="rnd">
+            <a:solidFill>
+              <a:schemeClr val="accent4"/>
+            </a:solidFill>
+            <a:prstDash val="dash"/>
+          </a:ln>
+        </p:spPr>
+        <p:style>
+          <a:lnRef idx="1">
+            <a:schemeClr val="accent1"/>
+          </a:lnRef>
+          <a:fillRef idx="0">
+            <a:schemeClr val="accent1"/>
+          </a:fillRef>
+          <a:effectRef idx="0">
+            <a:schemeClr val="accent1"/>
+          </a:effectRef>
+          <a:fontRef idx="minor">
+            <a:schemeClr val="tx1"/>
+          </a:fontRef>
+        </p:style>
+        <p:txBody>
+          <a:bodyPr rtlCol="0" anchor="ctr"/>
+          <a:lstStyle/>
+          <a:p>
+            <a:pPr algn="ctr"/>
             <a:endParaRPr lang="en-US" dirty="0"/>
           </a:p>
         </p:txBody>
@@ -32818,12 +32188,12 @@
         </p:nvSpPr>
         <p:spPr>
           <a:xfrm>
-            <a:off x="838198" y="1956390"/>
-            <a:ext cx="7322290" cy="3907465"/>
+            <a:off x="4447308" y="591344"/>
+            <a:ext cx="6906491" cy="5585619"/>
           </a:xfrm>
         </p:spPr>
         <p:txBody>
-          <a:bodyPr anchor="t">
+          <a:bodyPr anchor="ctr">
             <a:normAutofit/>
           </a:bodyPr>
           <a:lstStyle/>
@@ -32833,20 +32203,20 @@
               <a:buAutoNum type="arabicPeriod"/>
             </a:pPr>
             <a:r>
-              <a:rPr lang="en-US" sz="2400" b="1"/>
+              <a:rPr lang="en-US" b="1" dirty="0"/>
               <a:t>Consistent variation </a:t>
             </a:r>
             <a:r>
-              <a:rPr lang="en-US" sz="2400"/>
-              <a:t>– evidence of the extent to which X and Y occur together or vary together in they way predicted by the hypothesis (Correlation condition) </a:t>
+              <a:rPr lang="en-US" dirty="0"/>
+              <a:t>– evidence of the extent to which X and Y occur together or vary together in the way predicted by the hypothesis (Correlation condition) </a:t>
             </a:r>
             <a:r>
-              <a:rPr lang="en-US" sz="2400">
+              <a:rPr lang="en-US" dirty="0">
                 <a:hlinkClick r:id="rId3"/>
               </a:rPr>
               <a:t>spurious correlation </a:t>
             </a:r>
-            <a:endParaRPr lang="en-US" sz="2400"/>
+            <a:endParaRPr lang="en-US" dirty="0"/>
           </a:p>
           <a:p>
             <a:pPr marL="514350" indent="-514350">
@@ -32854,11 +32224,11 @@
               <a:buAutoNum type="arabicPeriod"/>
             </a:pPr>
             <a:r>
-              <a:rPr lang="en-US" sz="2400" b="1"/>
+              <a:rPr lang="en-US" b="1" dirty="0"/>
               <a:t>Time order </a:t>
             </a:r>
             <a:r>
-              <a:rPr lang="en-US" sz="2400"/>
+              <a:rPr lang="en-US" dirty="0"/>
               <a:t>– evidence that shows X occurs before Y </a:t>
             </a:r>
           </a:p>
@@ -32868,11 +32238,11 @@
               <a:buAutoNum type="arabicPeriod"/>
             </a:pPr>
             <a:r>
-              <a:rPr lang="en-US" sz="2400" b="1"/>
+              <a:rPr lang="en-US" b="1" dirty="0"/>
               <a:t>Elimination of other explanations </a:t>
             </a:r>
             <a:r>
-              <a:rPr lang="en-US" sz="2400"/>
+              <a:rPr lang="en-US" dirty="0"/>
               <a:t>– evidence that allows the elimination of factors other than X as the cause of Y </a:t>
             </a:r>
           </a:p>
@@ -32882,12 +32252,8 @@
               <a:buAutoNum type="arabicPeriod"/>
             </a:pPr>
             <a:r>
-              <a:rPr lang="en-US"/>
-              <a:t>X </a:t>
-            </a:r>
-            <a:r>
               <a:rPr lang="en-US" dirty="0"/>
-              <a:t>– the cause </a:t>
+              <a:t>X – the cause </a:t>
             </a:r>
           </a:p>
           <a:p>
@@ -32920,8 +32286,8 @@
         </p:nvSpPr>
         <p:spPr>
           <a:xfrm>
-            <a:off x="804671" y="6199632"/>
-            <a:ext cx="4325537" cy="365125"/>
+            <a:off x="4038600" y="6356350"/>
+            <a:ext cx="5251174" cy="365125"/>
           </a:xfrm>
         </p:spPr>
         <p:txBody>
@@ -32930,19 +32296,13 @@
           </a:bodyPr>
           <a:lstStyle/>
           <a:p>
-            <a:pPr algn="l">
+            <a:pPr>
               <a:spcAft>
                 <a:spcPts val="600"/>
               </a:spcAft>
             </a:pPr>
             <a:r>
-              <a:rPr lang="en-US">
-                <a:solidFill>
-                  <a:schemeClr val="tx1">
-                    <a:alpha val="80000"/>
-                  </a:schemeClr>
-                </a:solidFill>
-              </a:rPr>
+              <a:rPr lang="en-US"/>
               <a:t>Mike Nguyen</a:t>
             </a:r>
           </a:p>
@@ -32956,12 +32316,254 @@
     </p:extLst>
   </p:cSld>
   <p:clrMapOvr>
-    <a:overrideClrMapping bg1="dk1" tx1="lt1" bg2="dk2" tx2="lt2" accent1="accent1" accent2="accent2" accent3="accent3" accent4="accent4" accent5="accent5" accent6="accent6" hlink="hlink" folHlink="folHlink"/>
+    <a:masterClrMapping/>
   </p:clrMapOvr>
+  <p:timing>
+    <p:tnLst>
+      <p:par>
+        <p:cTn id="1" dur="indefinite" restart="never" nodeType="tmRoot">
+          <p:childTnLst>
+            <p:seq concurrent="1" nextAc="seek">
+              <p:cTn id="2" dur="indefinite" nodeType="mainSeq">
+                <p:childTnLst>
+                  <p:par>
+                    <p:cTn id="3" fill="hold">
+                      <p:stCondLst>
+                        <p:cond delay="indefinite"/>
+                      </p:stCondLst>
+                      <p:childTnLst>
+                        <p:par>
+                          <p:cTn id="4" fill="hold">
+                            <p:stCondLst>
+                              <p:cond delay="0"/>
+                            </p:stCondLst>
+                            <p:childTnLst>
+                              <p:par>
+                                <p:cTn id="5" presetID="1" presetClass="entr" presetSubtype="0" fill="hold" grpId="0" nodeType="clickEffect">
+                                  <p:stCondLst>
+                                    <p:cond delay="0"/>
+                                  </p:stCondLst>
+                                  <p:childTnLst>
+                                    <p:set>
+                                      <p:cBhvr>
+                                        <p:cTn id="6" dur="1" fill="hold">
+                                          <p:stCondLst>
+                                            <p:cond delay="0"/>
+                                          </p:stCondLst>
+                                        </p:cTn>
+                                        <p:tgtEl>
+                                          <p:spTgt spid="3">
+                                            <p:txEl>
+                                              <p:pRg st="0" end="0"/>
+                                            </p:txEl>
+                                          </p:spTgt>
+                                        </p:tgtEl>
+                                        <p:attrNameLst>
+                                          <p:attrName>style.visibility</p:attrName>
+                                        </p:attrNameLst>
+                                      </p:cBhvr>
+                                      <p:to>
+                                        <p:strVal val="visible"/>
+                                      </p:to>
+                                    </p:set>
+                                  </p:childTnLst>
+                                </p:cTn>
+                              </p:par>
+                            </p:childTnLst>
+                          </p:cTn>
+                        </p:par>
+                      </p:childTnLst>
+                    </p:cTn>
+                  </p:par>
+                  <p:par>
+                    <p:cTn id="7" fill="hold">
+                      <p:stCondLst>
+                        <p:cond delay="indefinite"/>
+                      </p:stCondLst>
+                      <p:childTnLst>
+                        <p:par>
+                          <p:cTn id="8" fill="hold">
+                            <p:stCondLst>
+                              <p:cond delay="0"/>
+                            </p:stCondLst>
+                            <p:childTnLst>
+                              <p:par>
+                                <p:cTn id="9" presetID="1" presetClass="entr" presetSubtype="0" fill="hold" grpId="0" nodeType="clickEffect">
+                                  <p:stCondLst>
+                                    <p:cond delay="0"/>
+                                  </p:stCondLst>
+                                  <p:childTnLst>
+                                    <p:set>
+                                      <p:cBhvr>
+                                        <p:cTn id="10" dur="1" fill="hold">
+                                          <p:stCondLst>
+                                            <p:cond delay="0"/>
+                                          </p:stCondLst>
+                                        </p:cTn>
+                                        <p:tgtEl>
+                                          <p:spTgt spid="3">
+                                            <p:txEl>
+                                              <p:pRg st="1" end="1"/>
+                                            </p:txEl>
+                                          </p:spTgt>
+                                        </p:tgtEl>
+                                        <p:attrNameLst>
+                                          <p:attrName>style.visibility</p:attrName>
+                                        </p:attrNameLst>
+                                      </p:cBhvr>
+                                      <p:to>
+                                        <p:strVal val="visible"/>
+                                      </p:to>
+                                    </p:set>
+                                  </p:childTnLst>
+                                </p:cTn>
+                              </p:par>
+                            </p:childTnLst>
+                          </p:cTn>
+                        </p:par>
+                      </p:childTnLst>
+                    </p:cTn>
+                  </p:par>
+                  <p:par>
+                    <p:cTn id="11" fill="hold">
+                      <p:stCondLst>
+                        <p:cond delay="indefinite"/>
+                      </p:stCondLst>
+                      <p:childTnLst>
+                        <p:par>
+                          <p:cTn id="12" fill="hold">
+                            <p:stCondLst>
+                              <p:cond delay="0"/>
+                            </p:stCondLst>
+                            <p:childTnLst>
+                              <p:par>
+                                <p:cTn id="13" presetID="1" presetClass="entr" presetSubtype="0" fill="hold" grpId="0" nodeType="clickEffect">
+                                  <p:stCondLst>
+                                    <p:cond delay="0"/>
+                                  </p:stCondLst>
+                                  <p:childTnLst>
+                                    <p:set>
+                                      <p:cBhvr>
+                                        <p:cTn id="14" dur="1" fill="hold">
+                                          <p:stCondLst>
+                                            <p:cond delay="0"/>
+                                          </p:stCondLst>
+                                        </p:cTn>
+                                        <p:tgtEl>
+                                          <p:spTgt spid="3">
+                                            <p:txEl>
+                                              <p:pRg st="2" end="2"/>
+                                            </p:txEl>
+                                          </p:spTgt>
+                                        </p:tgtEl>
+                                        <p:attrNameLst>
+                                          <p:attrName>style.visibility</p:attrName>
+                                        </p:attrNameLst>
+                                      </p:cBhvr>
+                                      <p:to>
+                                        <p:strVal val="visible"/>
+                                      </p:to>
+                                    </p:set>
+                                  </p:childTnLst>
+                                </p:cTn>
+                              </p:par>
+                              <p:par>
+                                <p:cTn id="15" presetID="1" presetClass="entr" presetSubtype="0" fill="hold" grpId="0" nodeType="withEffect">
+                                  <p:stCondLst>
+                                    <p:cond delay="0"/>
+                                  </p:stCondLst>
+                                  <p:childTnLst>
+                                    <p:set>
+                                      <p:cBhvr>
+                                        <p:cTn id="16" dur="1" fill="hold">
+                                          <p:stCondLst>
+                                            <p:cond delay="0"/>
+                                          </p:stCondLst>
+                                        </p:cTn>
+                                        <p:tgtEl>
+                                          <p:spTgt spid="3">
+                                            <p:txEl>
+                                              <p:pRg st="3" end="3"/>
+                                            </p:txEl>
+                                          </p:spTgt>
+                                        </p:tgtEl>
+                                        <p:attrNameLst>
+                                          <p:attrName>style.visibility</p:attrName>
+                                        </p:attrNameLst>
+                                      </p:cBhvr>
+                                      <p:to>
+                                        <p:strVal val="visible"/>
+                                      </p:to>
+                                    </p:set>
+                                  </p:childTnLst>
+                                </p:cTn>
+                              </p:par>
+                              <p:par>
+                                <p:cTn id="17" presetID="1" presetClass="entr" presetSubtype="0" fill="hold" grpId="0" nodeType="withEffect">
+                                  <p:stCondLst>
+                                    <p:cond delay="0"/>
+                                  </p:stCondLst>
+                                  <p:childTnLst>
+                                    <p:set>
+                                      <p:cBhvr>
+                                        <p:cTn id="18" dur="1" fill="hold">
+                                          <p:stCondLst>
+                                            <p:cond delay="0"/>
+                                          </p:stCondLst>
+                                        </p:cTn>
+                                        <p:tgtEl>
+                                          <p:spTgt spid="3">
+                                            <p:txEl>
+                                              <p:pRg st="4" end="4"/>
+                                            </p:txEl>
+                                          </p:spTgt>
+                                        </p:tgtEl>
+                                        <p:attrNameLst>
+                                          <p:attrName>style.visibility</p:attrName>
+                                        </p:attrNameLst>
+                                      </p:cBhvr>
+                                      <p:to>
+                                        <p:strVal val="visible"/>
+                                      </p:to>
+                                    </p:set>
+                                  </p:childTnLst>
+                                </p:cTn>
+                              </p:par>
+                            </p:childTnLst>
+                          </p:cTn>
+                        </p:par>
+                      </p:childTnLst>
+                    </p:cTn>
+                  </p:par>
+                </p:childTnLst>
+              </p:cTn>
+              <p:prevCondLst>
+                <p:cond evt="onPrev" delay="0">
+                  <p:tgtEl>
+                    <p:sldTgt/>
+                  </p:tgtEl>
+                </p:cond>
+              </p:prevCondLst>
+              <p:nextCondLst>
+                <p:cond evt="onNext" delay="0">
+                  <p:tgtEl>
+                    <p:sldTgt/>
+                  </p:tgtEl>
+                </p:cond>
+              </p:nextCondLst>
+            </p:seq>
+          </p:childTnLst>
+        </p:cTn>
+      </p:par>
+    </p:tnLst>
+    <p:bldLst>
+      <p:bldP spid="3" grpId="0" build="p"/>
+    </p:bldLst>
+  </p:timing>
 </p:sld>
 </file>
 
-<file path=ppt/slides/slide23.xml><?xml version="1.0" encoding="utf-8"?>
+<file path=ppt/slides/slide22.xml><?xml version="1.0" encoding="utf-8"?>
 <p:sld xmlns:a="http://schemas.openxmlformats.org/drawingml/2006/main" xmlns:r="http://schemas.openxmlformats.org/officeDocument/2006/relationships" xmlns:p="http://schemas.openxmlformats.org/presentationml/2006/main">
   <p:cSld>
     <p:bg>
@@ -32988,10 +32590,10 @@
       </p:grpSpPr>
       <p:sp useBgFill="1">
         <p:nvSpPr>
-          <p:cNvPr id="9" name="Rectangle 8">
+          <p:cNvPr id="25" name="Rectangle 20">
             <a:extLst>
               <a:ext uri="{FF2B5EF4-FFF2-40B4-BE49-F238E27FC236}">
-                <a16:creationId xmlns:a16="http://schemas.microsoft.com/office/drawing/2014/main" id="{33CD251C-A887-4D2F-925B-FC097198538B}"/>
+                <a16:creationId xmlns:a16="http://schemas.microsoft.com/office/drawing/2014/main" id="{2C61293E-6EBE-43EF-A52C-9BEBFD7679D4}"/>
               </a:ext>
               <a:ext uri="{C183D7F6-B498-43B3-948B-1728B52AA6E4}">
                 <adec:decorative xmlns:adec="http://schemas.microsoft.com/office/drawing/2017/decorative" val="1"/>
@@ -33012,7 +32614,7 @@
         <p:spPr>
           <a:xfrm>
             <a:off x="0" y="0"/>
-            <a:ext cx="12192000" cy="6858000"/>
+            <a:ext cx="12188952" cy="6858000"/>
           </a:xfrm>
           <a:prstGeom prst="rect">
             <a:avLst/>
@@ -33048,10 +32650,186 @@
       </p:sp>
       <p:sp>
         <p:nvSpPr>
-          <p:cNvPr id="11" name="Rectangle 10">
+          <p:cNvPr id="2" name="Title 1">
             <a:extLst>
               <a:ext uri="{FF2B5EF4-FFF2-40B4-BE49-F238E27FC236}">
-                <a16:creationId xmlns:a16="http://schemas.microsoft.com/office/drawing/2014/main" id="{B19D093C-27FB-4032-B282-42C4563F257C}"/>
+                <a16:creationId xmlns:a16="http://schemas.microsoft.com/office/drawing/2014/main" id="{C9B87478-998B-4CFA-A095-F97E3E00FA17}"/>
+              </a:ext>
+            </a:extLst>
+          </p:cNvPr>
+          <p:cNvSpPr>
+            <a:spLocks noGrp="1"/>
+          </p:cNvSpPr>
+          <p:nvPr>
+            <p:ph type="title"/>
+          </p:nvPr>
+        </p:nvSpPr>
+        <p:spPr>
+          <a:xfrm>
+            <a:off x="5297762" y="329184"/>
+            <a:ext cx="6251110" cy="1783080"/>
+          </a:xfrm>
+        </p:spPr>
+        <p:txBody>
+          <a:bodyPr anchor="b">
+            <a:normAutofit/>
+          </a:bodyPr>
+          <a:lstStyle/>
+          <a:p>
+            <a:r>
+              <a:rPr lang="en-US" sz="5400"/>
+              <a:t>Types of Test Markets</a:t>
+            </a:r>
+          </a:p>
+        </p:txBody>
+      </p:sp>
+      <p:pic>
+        <p:nvPicPr>
+          <p:cNvPr id="26" name="Picture 16">
+            <a:extLst>
+              <a:ext uri="{FF2B5EF4-FFF2-40B4-BE49-F238E27FC236}">
+                <a16:creationId xmlns:a16="http://schemas.microsoft.com/office/drawing/2014/main" id="{9DBA71A1-6ECE-47B4-B0AE-2E1ADDC93C9C}"/>
+              </a:ext>
+            </a:extLst>
+          </p:cNvPr>
+          <p:cNvPicPr>
+            <a:picLocks noChangeAspect="1"/>
+          </p:cNvPicPr>
+          <p:nvPr/>
+        </p:nvPicPr>
+        <p:blipFill rotWithShape="1">
+          <a:blip r:embed="rId2"/>
+          <a:srcRect l="32706" r="29094"/>
+          <a:stretch/>
+        </p:blipFill>
+        <p:spPr>
+          <a:xfrm>
+            <a:off x="1" y="10"/>
+            <a:ext cx="4657344" cy="6857990"/>
+          </a:xfrm>
+          <a:custGeom>
+            <a:avLst/>
+            <a:gdLst/>
+            <a:ahLst/>
+            <a:cxnLst/>
+            <a:rect l="l" t="t" r="r" b="b"/>
+            <a:pathLst>
+              <a:path w="4657344" h="6858000">
+                <a:moveTo>
+                  <a:pt x="0" y="0"/>
+                </a:moveTo>
+                <a:lnTo>
+                  <a:pt x="3429755" y="0"/>
+                </a:lnTo>
+                <a:lnTo>
+                  <a:pt x="3526016" y="148742"/>
+                </a:lnTo>
+                <a:cubicBezTo>
+                  <a:pt x="3657740" y="365513"/>
+                  <a:pt x="3777402" y="589569"/>
+                  <a:pt x="3886489" y="819975"/>
+                </a:cubicBezTo>
+                <a:cubicBezTo>
+                  <a:pt x="3891856" y="833492"/>
+                  <a:pt x="3900663" y="845393"/>
+                  <a:pt x="3912049" y="854514"/>
+                </a:cubicBezTo>
+                <a:cubicBezTo>
+                  <a:pt x="3897352" y="819849"/>
+                  <a:pt x="3883037" y="784928"/>
+                  <a:pt x="3868083" y="750263"/>
+                </a:cubicBezTo>
+                <a:cubicBezTo>
+                  <a:pt x="3806989" y="608712"/>
+                  <a:pt x="3742478" y="469145"/>
+                  <a:pt x="3674155" y="331786"/>
+                </a:cubicBezTo>
+                <a:lnTo>
+                  <a:pt x="3496656" y="0"/>
+                </a:lnTo>
+                <a:lnTo>
+                  <a:pt x="3554371" y="0"/>
+                </a:lnTo>
+                <a:lnTo>
+                  <a:pt x="3661621" y="196614"/>
+                </a:lnTo>
+                <a:cubicBezTo>
+                  <a:pt x="3856899" y="573253"/>
+                  <a:pt x="4021071" y="966066"/>
+                  <a:pt x="4161279" y="1371196"/>
+                </a:cubicBezTo>
+                <a:cubicBezTo>
+                  <a:pt x="4379525" y="2007265"/>
+                  <a:pt x="4530141" y="2664286"/>
+                  <a:pt x="4610660" y="3331516"/>
+                </a:cubicBezTo>
+                <a:cubicBezTo>
+                  <a:pt x="4652837" y="3672965"/>
+                  <a:pt x="4671625" y="4013908"/>
+                  <a:pt x="4645040" y="4357388"/>
+                </a:cubicBezTo>
+                <a:cubicBezTo>
+                  <a:pt x="4613599" y="4758899"/>
+                  <a:pt x="4566181" y="5157998"/>
+                  <a:pt x="4485789" y="5552906"/>
+                </a:cubicBezTo>
+                <a:cubicBezTo>
+                  <a:pt x="4397121" y="5988893"/>
+                  <a:pt x="4276748" y="6414594"/>
+                  <a:pt x="4117769" y="6828295"/>
+                </a:cubicBezTo>
+                <a:lnTo>
+                  <a:pt x="4105288" y="6858000"/>
+                </a:lnTo>
+                <a:lnTo>
+                  <a:pt x="4052520" y="6858000"/>
+                </a:lnTo>
+                <a:lnTo>
+                  <a:pt x="4059369" y="6841549"/>
+                </a:lnTo>
+                <a:cubicBezTo>
+                  <a:pt x="4147276" y="6614016"/>
+                  <a:pt x="4224193" y="6380817"/>
+                  <a:pt x="4291518" y="6142729"/>
+                </a:cubicBezTo>
+                <a:cubicBezTo>
+                  <a:pt x="4350055" y="5935370"/>
+                  <a:pt x="4393256" y="5723695"/>
+                  <a:pt x="4443357" y="5513923"/>
+                </a:cubicBezTo>
+                <a:cubicBezTo>
+                  <a:pt x="4444541" y="5502788"/>
+                  <a:pt x="4445137" y="5491601"/>
+                  <a:pt x="4445146" y="5480401"/>
+                </a:cubicBezTo>
+                <a:cubicBezTo>
+                  <a:pt x="4408465" y="5607635"/>
+                  <a:pt x="4379196" y="5719759"/>
+                  <a:pt x="4344559" y="5830359"/>
+                </a:cubicBezTo>
+                <a:cubicBezTo>
+                  <a:pt x="4254261" y="6118381"/>
+                  <a:pt x="4150112" y="6398531"/>
+                  <a:pt x="4031702" y="6670527"/>
+                </a:cubicBezTo>
+                <a:lnTo>
+                  <a:pt x="3943824" y="6858000"/>
+                </a:lnTo>
+                <a:lnTo>
+                  <a:pt x="0" y="6858000"/>
+                </a:lnTo>
+                <a:close/>
+              </a:path>
+            </a:pathLst>
+          </a:custGeom>
+        </p:spPr>
+      </p:pic>
+      <p:sp>
+        <p:nvSpPr>
+          <p:cNvPr id="27" name="sketchy line">
+            <a:extLst>
+              <a:ext uri="{FF2B5EF4-FFF2-40B4-BE49-F238E27FC236}">
+                <a16:creationId xmlns:a16="http://schemas.microsoft.com/office/drawing/2014/main" id="{21540236-BFD5-4A9D-8840-4703E7F76825}"/>
               </a:ext>
               <a:ext uri="{C183D7F6-B498-43B3-948B-1728B52AA6E4}">
                 <adec:decorative xmlns:adec="http://schemas.microsoft.com/office/drawing/2017/decorative" val="1"/>
@@ -33071,17 +32849,297 @@
         </p:nvSpPr>
         <p:spPr>
           <a:xfrm>
-            <a:off x="0" y="0"/>
-            <a:ext cx="4694548" cy="6858000"/>
+            <a:off x="5297762" y="2374947"/>
+            <a:ext cx="4243589" cy="18288"/>
           </a:xfrm>
-          <a:prstGeom prst="rect">
+          <a:custGeom>
             <a:avLst/>
-          </a:prstGeom>
+            <a:gdLst>
+              <a:gd name="connsiteX0" fmla="*/ 0 w 4243589"/>
+              <a:gd name="connsiteY0" fmla="*/ 0 h 18288"/>
+              <a:gd name="connsiteX1" fmla="*/ 478919 w 4243589"/>
+              <a:gd name="connsiteY1" fmla="*/ 0 h 18288"/>
+              <a:gd name="connsiteX2" fmla="*/ 957839 w 4243589"/>
+              <a:gd name="connsiteY2" fmla="*/ 0 h 18288"/>
+              <a:gd name="connsiteX3" fmla="*/ 1521630 w 4243589"/>
+              <a:gd name="connsiteY3" fmla="*/ 0 h 18288"/>
+              <a:gd name="connsiteX4" fmla="*/ 2212729 w 4243589"/>
+              <a:gd name="connsiteY4" fmla="*/ 0 h 18288"/>
+              <a:gd name="connsiteX5" fmla="*/ 2734084 w 4243589"/>
+              <a:gd name="connsiteY5" fmla="*/ 0 h 18288"/>
+              <a:gd name="connsiteX6" fmla="*/ 3255439 w 4243589"/>
+              <a:gd name="connsiteY6" fmla="*/ 0 h 18288"/>
+              <a:gd name="connsiteX7" fmla="*/ 4243589 w 4243589"/>
+              <a:gd name="connsiteY7" fmla="*/ 0 h 18288"/>
+              <a:gd name="connsiteX8" fmla="*/ 4243589 w 4243589"/>
+              <a:gd name="connsiteY8" fmla="*/ 18288 h 18288"/>
+              <a:gd name="connsiteX9" fmla="*/ 3594926 w 4243589"/>
+              <a:gd name="connsiteY9" fmla="*/ 18288 h 18288"/>
+              <a:gd name="connsiteX10" fmla="*/ 3073571 w 4243589"/>
+              <a:gd name="connsiteY10" fmla="*/ 18288 h 18288"/>
+              <a:gd name="connsiteX11" fmla="*/ 2552216 w 4243589"/>
+              <a:gd name="connsiteY11" fmla="*/ 18288 h 18288"/>
+              <a:gd name="connsiteX12" fmla="*/ 1903553 w 4243589"/>
+              <a:gd name="connsiteY12" fmla="*/ 18288 h 18288"/>
+              <a:gd name="connsiteX13" fmla="*/ 1212454 w 4243589"/>
+              <a:gd name="connsiteY13" fmla="*/ 18288 h 18288"/>
+              <a:gd name="connsiteX14" fmla="*/ 733535 w 4243589"/>
+              <a:gd name="connsiteY14" fmla="*/ 18288 h 18288"/>
+              <a:gd name="connsiteX15" fmla="*/ 0 w 4243589"/>
+              <a:gd name="connsiteY15" fmla="*/ 18288 h 18288"/>
+              <a:gd name="connsiteX16" fmla="*/ 0 w 4243589"/>
+              <a:gd name="connsiteY16" fmla="*/ 0 h 18288"/>
+            </a:gdLst>
+            <a:ahLst/>
+            <a:cxnLst>
+              <a:cxn ang="0">
+                <a:pos x="connsiteX0" y="connsiteY0"/>
+              </a:cxn>
+              <a:cxn ang="0">
+                <a:pos x="connsiteX1" y="connsiteY1"/>
+              </a:cxn>
+              <a:cxn ang="0">
+                <a:pos x="connsiteX2" y="connsiteY2"/>
+              </a:cxn>
+              <a:cxn ang="0">
+                <a:pos x="connsiteX3" y="connsiteY3"/>
+              </a:cxn>
+              <a:cxn ang="0">
+                <a:pos x="connsiteX4" y="connsiteY4"/>
+              </a:cxn>
+              <a:cxn ang="0">
+                <a:pos x="connsiteX5" y="connsiteY5"/>
+              </a:cxn>
+              <a:cxn ang="0">
+                <a:pos x="connsiteX6" y="connsiteY6"/>
+              </a:cxn>
+              <a:cxn ang="0">
+                <a:pos x="connsiteX7" y="connsiteY7"/>
+              </a:cxn>
+              <a:cxn ang="0">
+                <a:pos x="connsiteX8" y="connsiteY8"/>
+              </a:cxn>
+              <a:cxn ang="0">
+                <a:pos x="connsiteX9" y="connsiteY9"/>
+              </a:cxn>
+              <a:cxn ang="0">
+                <a:pos x="connsiteX10" y="connsiteY10"/>
+              </a:cxn>
+              <a:cxn ang="0">
+                <a:pos x="connsiteX11" y="connsiteY11"/>
+              </a:cxn>
+              <a:cxn ang="0">
+                <a:pos x="connsiteX12" y="connsiteY12"/>
+              </a:cxn>
+              <a:cxn ang="0">
+                <a:pos x="connsiteX13" y="connsiteY13"/>
+              </a:cxn>
+              <a:cxn ang="0">
+                <a:pos x="connsiteX14" y="connsiteY14"/>
+              </a:cxn>
+              <a:cxn ang="0">
+                <a:pos x="connsiteX15" y="connsiteY15"/>
+              </a:cxn>
+              <a:cxn ang="0">
+                <a:pos x="connsiteX16" y="connsiteY16"/>
+              </a:cxn>
+            </a:cxnLst>
+            <a:rect l="l" t="t" r="r" b="b"/>
+            <a:pathLst>
+              <a:path w="4243589" h="18288" fill="none" extrusionOk="0">
+                <a:moveTo>
+                  <a:pt x="0" y="0"/>
+                </a:moveTo>
+                <a:cubicBezTo>
+                  <a:pt x="213395" y="-21006"/>
+                  <a:pt x="307421" y="-18116"/>
+                  <a:pt x="478919" y="0"/>
+                </a:cubicBezTo>
+                <a:cubicBezTo>
+                  <a:pt x="650417" y="18116"/>
+                  <a:pt x="831092" y="-21237"/>
+                  <a:pt x="957839" y="0"/>
+                </a:cubicBezTo>
+                <a:cubicBezTo>
+                  <a:pt x="1084586" y="21237"/>
+                  <a:pt x="1301682" y="25124"/>
+                  <a:pt x="1521630" y="0"/>
+                </a:cubicBezTo>
+                <a:cubicBezTo>
+                  <a:pt x="1741578" y="-25124"/>
+                  <a:pt x="1970269" y="-29139"/>
+                  <a:pt x="2212729" y="0"/>
+                </a:cubicBezTo>
+                <a:cubicBezTo>
+                  <a:pt x="2455189" y="29139"/>
+                  <a:pt x="2558847" y="-4796"/>
+                  <a:pt x="2734084" y="0"/>
+                </a:cubicBezTo>
+                <a:cubicBezTo>
+                  <a:pt x="2909321" y="4796"/>
+                  <a:pt x="3097217" y="-13409"/>
+                  <a:pt x="3255439" y="0"/>
+                </a:cubicBezTo>
+                <a:cubicBezTo>
+                  <a:pt x="3413662" y="13409"/>
+                  <a:pt x="3979999" y="-10121"/>
+                  <a:pt x="4243589" y="0"/>
+                </a:cubicBezTo>
+                <a:cubicBezTo>
+                  <a:pt x="4244484" y="8974"/>
+                  <a:pt x="4243043" y="9359"/>
+                  <a:pt x="4243589" y="18288"/>
+                </a:cubicBezTo>
+                <a:cubicBezTo>
+                  <a:pt x="4058777" y="31246"/>
+                  <a:pt x="3910348" y="3158"/>
+                  <a:pt x="3594926" y="18288"/>
+                </a:cubicBezTo>
+                <a:cubicBezTo>
+                  <a:pt x="3279504" y="33418"/>
+                  <a:pt x="3319955" y="-3977"/>
+                  <a:pt x="3073571" y="18288"/>
+                </a:cubicBezTo>
+                <a:cubicBezTo>
+                  <a:pt x="2827187" y="40553"/>
+                  <a:pt x="2767387" y="1863"/>
+                  <a:pt x="2552216" y="18288"/>
+                </a:cubicBezTo>
+                <a:cubicBezTo>
+                  <a:pt x="2337046" y="34713"/>
+                  <a:pt x="2181871" y="19527"/>
+                  <a:pt x="1903553" y="18288"/>
+                </a:cubicBezTo>
+                <a:cubicBezTo>
+                  <a:pt x="1625235" y="17049"/>
+                  <a:pt x="1557672" y="24174"/>
+                  <a:pt x="1212454" y="18288"/>
+                </a:cubicBezTo>
+                <a:cubicBezTo>
+                  <a:pt x="867236" y="12402"/>
+                  <a:pt x="874382" y="15627"/>
+                  <a:pt x="733535" y="18288"/>
+                </a:cubicBezTo>
+                <a:cubicBezTo>
+                  <a:pt x="592688" y="20949"/>
+                  <a:pt x="183477" y="14753"/>
+                  <a:pt x="0" y="18288"/>
+                </a:cubicBezTo>
+                <a:cubicBezTo>
+                  <a:pt x="-229" y="14222"/>
+                  <a:pt x="509" y="5816"/>
+                  <a:pt x="0" y="0"/>
+                </a:cubicBezTo>
+                <a:close/>
+              </a:path>
+              <a:path w="4243589" h="18288" stroke="0" extrusionOk="0">
+                <a:moveTo>
+                  <a:pt x="0" y="0"/>
+                </a:moveTo>
+                <a:cubicBezTo>
+                  <a:pt x="143690" y="16630"/>
+                  <a:pt x="266667" y="14847"/>
+                  <a:pt x="521355" y="0"/>
+                </a:cubicBezTo>
+                <a:cubicBezTo>
+                  <a:pt x="776043" y="-14847"/>
+                  <a:pt x="814491" y="-17363"/>
+                  <a:pt x="1000275" y="0"/>
+                </a:cubicBezTo>
+                <a:cubicBezTo>
+                  <a:pt x="1186059" y="17363"/>
+                  <a:pt x="1352504" y="-23507"/>
+                  <a:pt x="1521630" y="0"/>
+                </a:cubicBezTo>
+                <a:cubicBezTo>
+                  <a:pt x="1690756" y="23507"/>
+                  <a:pt x="1889525" y="5871"/>
+                  <a:pt x="2127857" y="0"/>
+                </a:cubicBezTo>
+                <a:cubicBezTo>
+                  <a:pt x="2366189" y="-5871"/>
+                  <a:pt x="2620628" y="-27997"/>
+                  <a:pt x="2776520" y="0"/>
+                </a:cubicBezTo>
+                <a:cubicBezTo>
+                  <a:pt x="2932412" y="27997"/>
+                  <a:pt x="3131683" y="-25073"/>
+                  <a:pt x="3467618" y="0"/>
+                </a:cubicBezTo>
+                <a:cubicBezTo>
+                  <a:pt x="3803553" y="25073"/>
+                  <a:pt x="4017371" y="3071"/>
+                  <a:pt x="4243589" y="0"/>
+                </a:cubicBezTo>
+                <a:cubicBezTo>
+                  <a:pt x="4243134" y="6162"/>
+                  <a:pt x="4243492" y="11775"/>
+                  <a:pt x="4243589" y="18288"/>
+                </a:cubicBezTo>
+                <a:cubicBezTo>
+                  <a:pt x="4017834" y="-5779"/>
+                  <a:pt x="3834586" y="13376"/>
+                  <a:pt x="3594926" y="18288"/>
+                </a:cubicBezTo>
+                <a:cubicBezTo>
+                  <a:pt x="3355266" y="23200"/>
+                  <a:pt x="3204179" y="2869"/>
+                  <a:pt x="2903827" y="18288"/>
+                </a:cubicBezTo>
+                <a:cubicBezTo>
+                  <a:pt x="2603475" y="33707"/>
+                  <a:pt x="2526187" y="46187"/>
+                  <a:pt x="2212729" y="18288"/>
+                </a:cubicBezTo>
+                <a:cubicBezTo>
+                  <a:pt x="1899271" y="-9611"/>
+                  <a:pt x="1966289" y="29692"/>
+                  <a:pt x="1733809" y="18288"/>
+                </a:cubicBezTo>
+                <a:cubicBezTo>
+                  <a:pt x="1501329" y="6884"/>
+                  <a:pt x="1343612" y="12492"/>
+                  <a:pt x="1085146" y="18288"/>
+                </a:cubicBezTo>
+                <a:cubicBezTo>
+                  <a:pt x="826680" y="24084"/>
+                  <a:pt x="778184" y="35607"/>
+                  <a:pt x="521355" y="18288"/>
+                </a:cubicBezTo>
+                <a:cubicBezTo>
+                  <a:pt x="264526" y="969"/>
+                  <a:pt x="120277" y="4268"/>
+                  <a:pt x="0" y="18288"/>
+                </a:cubicBezTo>
+                <a:cubicBezTo>
+                  <a:pt x="766" y="10800"/>
+                  <a:pt x="-457" y="8180"/>
+                  <a:pt x="0" y="0"/>
+                </a:cubicBezTo>
+                <a:close/>
+              </a:path>
+            </a:pathLst>
+          </a:custGeom>
           <a:solidFill>
-            <a:schemeClr val="tx1"/>
+            <a:schemeClr val="accent2"/>
           </a:solidFill>
-          <a:ln>
-            <a:noFill/>
+          <a:ln w="44450" cap="rnd">
+            <a:solidFill>
+              <a:schemeClr val="accent2"/>
+            </a:solidFill>
+            <a:round/>
+            <a:extLst>
+              <a:ext uri="{C807C97D-BFC1-408E-A445-0C87EB9F89A2}">
+                <ask:lineSketchStyleProps xmlns:ask="http://schemas.microsoft.com/office/drawing/2018/sketchyshapes" sd="2727557108">
+                  <a:prstGeom prst="rect">
+                    <a:avLst/>
+                  </a:prstGeom>
+                  <ask:type>
+                    <ask:lineSketchFreehand/>
+                  </ask:type>
+                </ask:lineSketchStyleProps>
+              </a:ext>
+            </a:extLst>
           </a:ln>
         </p:spPr>
         <p:style>
@@ -33109,418 +33167,12 @@
           </a:p>
         </p:txBody>
       </p:sp>
-      <p:grpSp>
-        <p:nvGrpSpPr>
-          <p:cNvPr id="13" name="Group 12">
+      <p:sp>
+        <p:nvSpPr>
+          <p:cNvPr id="3" name="Content Placeholder 2">
             <a:extLst>
               <a:ext uri="{FF2B5EF4-FFF2-40B4-BE49-F238E27FC236}">
-                <a16:creationId xmlns:a16="http://schemas.microsoft.com/office/drawing/2014/main" id="{35EE815E-1BD3-4777-B652-6D98825BF66B}"/>
-              </a:ext>
-              <a:ext uri="{C183D7F6-B498-43B3-948B-1728B52AA6E4}">
-                <adec:decorative xmlns:adec="http://schemas.microsoft.com/office/drawing/2017/decorative" val="1"/>
-              </a:ext>
-            </a:extLst>
-          </p:cNvPr>
-          <p:cNvGrpSpPr>
-            <a:grpSpLocks noGrp="1" noUngrp="1" noRot="1" noChangeAspect="1" noMove="1" noResize="1"/>
-          </p:cNvGrpSpPr>
-          <p:nvPr>
-            <p:extLst>
-              <p:ext uri="{386F3935-93C4-4BCD-93E2-E3B085C9AB24}">
-                <p16:designElem xmlns:p16="http://schemas.microsoft.com/office/powerpoint/2015/main" val="1"/>
-              </p:ext>
-            </p:extLst>
-          </p:nvPr>
-        </p:nvGrpSpPr>
-        <p:grpSpPr>
-          <a:xfrm>
-            <a:off x="767290" y="681628"/>
-            <a:ext cx="1128382" cy="847206"/>
-            <a:chOff x="668003" y="1684057"/>
-            <a:chExt cx="1128382" cy="847206"/>
-          </a:xfrm>
-        </p:grpSpPr>
-        <p:sp>
-          <p:nvSpPr>
-            <p:cNvPr id="14" name="Freeform 5">
-              <a:extLst>
-                <a:ext uri="{FF2B5EF4-FFF2-40B4-BE49-F238E27FC236}">
-                  <a16:creationId xmlns:a16="http://schemas.microsoft.com/office/drawing/2014/main" id="{E6692982-4A7D-4392-87CD-F0CD4B027DDE}"/>
-                </a:ext>
-                <a:ext uri="{C183D7F6-B498-43B3-948B-1728B52AA6E4}">
-                  <adec:decorative xmlns:adec="http://schemas.microsoft.com/office/drawing/2017/decorative" val="1"/>
-                </a:ext>
-              </a:extLst>
-            </p:cNvPr>
-            <p:cNvSpPr>
-              <a:spLocks/>
-            </p:cNvSpPr>
-            <p:nvPr>
-              <p:extLst>
-                <p:ext uri="{386F3935-93C4-4BCD-93E2-E3B085C9AB24}">
-                  <p16:designElem xmlns:p16="http://schemas.microsoft.com/office/powerpoint/2015/main" val="1"/>
-                </p:ext>
-              </p:extLst>
-            </p:nvPr>
-          </p:nvSpPr>
-          <p:spPr bwMode="auto">
-            <a:xfrm>
-              <a:off x="668003" y="1935883"/>
-              <a:ext cx="675351" cy="595380"/>
-            </a:xfrm>
-            <a:custGeom>
-              <a:avLst/>
-              <a:gdLst>
-                <a:gd name="T0" fmla="*/ 225 w 785"/>
-                <a:gd name="T1" fmla="*/ 692 h 692"/>
-                <a:gd name="T2" fmla="*/ 177 w 785"/>
-                <a:gd name="T3" fmla="*/ 665 h 692"/>
-                <a:gd name="T4" fmla="*/ 9 w 785"/>
-                <a:gd name="T5" fmla="*/ 374 h 692"/>
-                <a:gd name="T6" fmla="*/ 9 w 785"/>
-                <a:gd name="T7" fmla="*/ 318 h 692"/>
-                <a:gd name="T8" fmla="*/ 177 w 785"/>
-                <a:gd name="T9" fmla="*/ 27 h 692"/>
-                <a:gd name="T10" fmla="*/ 225 w 785"/>
-                <a:gd name="T11" fmla="*/ 0 h 692"/>
-                <a:gd name="T12" fmla="*/ 561 w 785"/>
-                <a:gd name="T13" fmla="*/ 0 h 692"/>
-                <a:gd name="T14" fmla="*/ 609 w 785"/>
-                <a:gd name="T15" fmla="*/ 27 h 692"/>
-                <a:gd name="T16" fmla="*/ 777 w 785"/>
-                <a:gd name="T17" fmla="*/ 318 h 692"/>
-                <a:gd name="T18" fmla="*/ 777 w 785"/>
-                <a:gd name="T19" fmla="*/ 374 h 692"/>
-                <a:gd name="T20" fmla="*/ 609 w 785"/>
-                <a:gd name="T21" fmla="*/ 665 h 692"/>
-                <a:gd name="T22" fmla="*/ 561 w 785"/>
-                <a:gd name="T23" fmla="*/ 692 h 692"/>
-                <a:gd name="T24" fmla="*/ 225 w 785"/>
-                <a:gd name="T25" fmla="*/ 692 h 692"/>
-              </a:gdLst>
-              <a:ahLst/>
-              <a:cxnLst>
-                <a:cxn ang="0">
-                  <a:pos x="T0" y="T1"/>
-                </a:cxn>
-                <a:cxn ang="0">
-                  <a:pos x="T2" y="T3"/>
-                </a:cxn>
-                <a:cxn ang="0">
-                  <a:pos x="T4" y="T5"/>
-                </a:cxn>
-                <a:cxn ang="0">
-                  <a:pos x="T6" y="T7"/>
-                </a:cxn>
-                <a:cxn ang="0">
-                  <a:pos x="T8" y="T9"/>
-                </a:cxn>
-                <a:cxn ang="0">
-                  <a:pos x="T10" y="T11"/>
-                </a:cxn>
-                <a:cxn ang="0">
-                  <a:pos x="T12" y="T13"/>
-                </a:cxn>
-                <a:cxn ang="0">
-                  <a:pos x="T14" y="T15"/>
-                </a:cxn>
-                <a:cxn ang="0">
-                  <a:pos x="T16" y="T17"/>
-                </a:cxn>
-                <a:cxn ang="0">
-                  <a:pos x="T18" y="T19"/>
-                </a:cxn>
-                <a:cxn ang="0">
-                  <a:pos x="T20" y="T21"/>
-                </a:cxn>
-                <a:cxn ang="0">
-                  <a:pos x="T22" y="T23"/>
-                </a:cxn>
-                <a:cxn ang="0">
-                  <a:pos x="T24" y="T25"/>
-                </a:cxn>
-              </a:cxnLst>
-              <a:rect l="0" t="0" r="r" b="b"/>
-              <a:pathLst>
-                <a:path w="785" h="692">
-                  <a:moveTo>
-                    <a:pt x="225" y="692"/>
-                  </a:moveTo>
-                  <a:cubicBezTo>
-                    <a:pt x="207" y="692"/>
-                    <a:pt x="185" y="680"/>
-                    <a:pt x="177" y="665"/>
-                  </a:cubicBezTo>
-                  <a:cubicBezTo>
-                    <a:pt x="9" y="374"/>
-                    <a:pt x="9" y="374"/>
-                    <a:pt x="9" y="374"/>
-                  </a:cubicBezTo>
-                  <a:cubicBezTo>
-                    <a:pt x="0" y="358"/>
-                    <a:pt x="0" y="334"/>
-                    <a:pt x="9" y="318"/>
-                  </a:cubicBezTo>
-                  <a:cubicBezTo>
-                    <a:pt x="177" y="27"/>
-                    <a:pt x="177" y="27"/>
-                    <a:pt x="177" y="27"/>
-                  </a:cubicBezTo>
-                  <a:cubicBezTo>
-                    <a:pt x="185" y="12"/>
-                    <a:pt x="207" y="0"/>
-                    <a:pt x="225" y="0"/>
-                  </a:cubicBezTo>
-                  <a:cubicBezTo>
-                    <a:pt x="561" y="0"/>
-                    <a:pt x="561" y="0"/>
-                    <a:pt x="561" y="0"/>
-                  </a:cubicBezTo>
-                  <a:cubicBezTo>
-                    <a:pt x="578" y="0"/>
-                    <a:pt x="600" y="12"/>
-                    <a:pt x="609" y="27"/>
-                  </a:cubicBezTo>
-                  <a:cubicBezTo>
-                    <a:pt x="777" y="318"/>
-                    <a:pt x="777" y="318"/>
-                    <a:pt x="777" y="318"/>
-                  </a:cubicBezTo>
-                  <a:cubicBezTo>
-                    <a:pt x="785" y="334"/>
-                    <a:pt x="785" y="358"/>
-                    <a:pt x="777" y="374"/>
-                  </a:cubicBezTo>
-                  <a:cubicBezTo>
-                    <a:pt x="609" y="665"/>
-                    <a:pt x="609" y="665"/>
-                    <a:pt x="609" y="665"/>
-                  </a:cubicBezTo>
-                  <a:cubicBezTo>
-                    <a:pt x="600" y="680"/>
-                    <a:pt x="578" y="692"/>
-                    <a:pt x="561" y="692"/>
-                  </a:cubicBezTo>
-                  <a:lnTo>
-                    <a:pt x="225" y="692"/>
-                  </a:lnTo>
-                  <a:close/>
-                </a:path>
-              </a:pathLst>
-            </a:custGeom>
-            <a:noFill/>
-            <a:ln w="28575" cmpd="sng">
-              <a:solidFill>
-                <a:schemeClr val="bg1"/>
-              </a:solidFill>
-            </a:ln>
-          </p:spPr>
-          <p:txBody>
-            <a:bodyPr vert="horz" wrap="square" lIns="91440" tIns="45720" rIns="91440" bIns="45720" numCol="1" anchor="t" anchorCtr="0" compatLnSpc="1">
-              <a:prstTxWarp prst="textNoShape">
-                <a:avLst/>
-              </a:prstTxWarp>
-            </a:bodyPr>
-            <a:lstStyle/>
-            <a:p>
-              <a:endParaRPr lang="en-US"/>
-            </a:p>
-          </p:txBody>
-        </p:sp>
-        <p:sp>
-          <p:nvSpPr>
-            <p:cNvPr id="15" name="Freeform 5">
-              <a:extLst>
-                <a:ext uri="{FF2B5EF4-FFF2-40B4-BE49-F238E27FC236}">
-                  <a16:creationId xmlns:a16="http://schemas.microsoft.com/office/drawing/2014/main" id="{196485F7-F277-4123-AC53-98EA4C858774}"/>
-                </a:ext>
-                <a:ext uri="{C183D7F6-B498-43B3-948B-1728B52AA6E4}">
-                  <adec:decorative xmlns:adec="http://schemas.microsoft.com/office/drawing/2017/decorative" val="1"/>
-                </a:ext>
-              </a:extLst>
-            </p:cNvPr>
-            <p:cNvSpPr>
-              <a:spLocks/>
-            </p:cNvSpPr>
-            <p:nvPr>
-              <p:extLst>
-                <p:ext uri="{386F3935-93C4-4BCD-93E2-E3B085C9AB24}">
-                  <p16:designElem xmlns:p16="http://schemas.microsoft.com/office/powerpoint/2015/main" val="1"/>
-                </p:ext>
-              </p:extLst>
-            </p:nvPr>
-          </p:nvSpPr>
-          <p:spPr bwMode="auto">
-            <a:xfrm>
-              <a:off x="1245893" y="1684057"/>
-              <a:ext cx="550492" cy="485306"/>
-            </a:xfrm>
-            <a:custGeom>
-              <a:avLst/>
-              <a:gdLst>
-                <a:gd name="T0" fmla="*/ 225 w 785"/>
-                <a:gd name="T1" fmla="*/ 692 h 692"/>
-                <a:gd name="T2" fmla="*/ 177 w 785"/>
-                <a:gd name="T3" fmla="*/ 665 h 692"/>
-                <a:gd name="T4" fmla="*/ 9 w 785"/>
-                <a:gd name="T5" fmla="*/ 374 h 692"/>
-                <a:gd name="T6" fmla="*/ 9 w 785"/>
-                <a:gd name="T7" fmla="*/ 318 h 692"/>
-                <a:gd name="T8" fmla="*/ 177 w 785"/>
-                <a:gd name="T9" fmla="*/ 27 h 692"/>
-                <a:gd name="T10" fmla="*/ 225 w 785"/>
-                <a:gd name="T11" fmla="*/ 0 h 692"/>
-                <a:gd name="T12" fmla="*/ 561 w 785"/>
-                <a:gd name="T13" fmla="*/ 0 h 692"/>
-                <a:gd name="T14" fmla="*/ 609 w 785"/>
-                <a:gd name="T15" fmla="*/ 27 h 692"/>
-                <a:gd name="T16" fmla="*/ 777 w 785"/>
-                <a:gd name="T17" fmla="*/ 318 h 692"/>
-                <a:gd name="T18" fmla="*/ 777 w 785"/>
-                <a:gd name="T19" fmla="*/ 374 h 692"/>
-                <a:gd name="T20" fmla="*/ 609 w 785"/>
-                <a:gd name="T21" fmla="*/ 665 h 692"/>
-                <a:gd name="T22" fmla="*/ 561 w 785"/>
-                <a:gd name="T23" fmla="*/ 692 h 692"/>
-                <a:gd name="T24" fmla="*/ 225 w 785"/>
-                <a:gd name="T25" fmla="*/ 692 h 692"/>
-              </a:gdLst>
-              <a:ahLst/>
-              <a:cxnLst>
-                <a:cxn ang="0">
-                  <a:pos x="T0" y="T1"/>
-                </a:cxn>
-                <a:cxn ang="0">
-                  <a:pos x="T2" y="T3"/>
-                </a:cxn>
-                <a:cxn ang="0">
-                  <a:pos x="T4" y="T5"/>
-                </a:cxn>
-                <a:cxn ang="0">
-                  <a:pos x="T6" y="T7"/>
-                </a:cxn>
-                <a:cxn ang="0">
-                  <a:pos x="T8" y="T9"/>
-                </a:cxn>
-                <a:cxn ang="0">
-                  <a:pos x="T10" y="T11"/>
-                </a:cxn>
-                <a:cxn ang="0">
-                  <a:pos x="T12" y="T13"/>
-                </a:cxn>
-                <a:cxn ang="0">
-                  <a:pos x="T14" y="T15"/>
-                </a:cxn>
-                <a:cxn ang="0">
-                  <a:pos x="T16" y="T17"/>
-                </a:cxn>
-                <a:cxn ang="0">
-                  <a:pos x="T18" y="T19"/>
-                </a:cxn>
-                <a:cxn ang="0">
-                  <a:pos x="T20" y="T21"/>
-                </a:cxn>
-                <a:cxn ang="0">
-                  <a:pos x="T22" y="T23"/>
-                </a:cxn>
-                <a:cxn ang="0">
-                  <a:pos x="T24" y="T25"/>
-                </a:cxn>
-              </a:cxnLst>
-              <a:rect l="0" t="0" r="r" b="b"/>
-              <a:pathLst>
-                <a:path w="785" h="692">
-                  <a:moveTo>
-                    <a:pt x="225" y="692"/>
-                  </a:moveTo>
-                  <a:cubicBezTo>
-                    <a:pt x="207" y="692"/>
-                    <a:pt x="185" y="680"/>
-                    <a:pt x="177" y="665"/>
-                  </a:cubicBezTo>
-                  <a:cubicBezTo>
-                    <a:pt x="9" y="374"/>
-                    <a:pt x="9" y="374"/>
-                    <a:pt x="9" y="374"/>
-                  </a:cubicBezTo>
-                  <a:cubicBezTo>
-                    <a:pt x="0" y="358"/>
-                    <a:pt x="0" y="334"/>
-                    <a:pt x="9" y="318"/>
-                  </a:cubicBezTo>
-                  <a:cubicBezTo>
-                    <a:pt x="177" y="27"/>
-                    <a:pt x="177" y="27"/>
-                    <a:pt x="177" y="27"/>
-                  </a:cubicBezTo>
-                  <a:cubicBezTo>
-                    <a:pt x="185" y="12"/>
-                    <a:pt x="207" y="0"/>
-                    <a:pt x="225" y="0"/>
-                  </a:cubicBezTo>
-                  <a:cubicBezTo>
-                    <a:pt x="561" y="0"/>
-                    <a:pt x="561" y="0"/>
-                    <a:pt x="561" y="0"/>
-                  </a:cubicBezTo>
-                  <a:cubicBezTo>
-                    <a:pt x="578" y="0"/>
-                    <a:pt x="600" y="12"/>
-                    <a:pt x="609" y="27"/>
-                  </a:cubicBezTo>
-                  <a:cubicBezTo>
-                    <a:pt x="777" y="318"/>
-                    <a:pt x="777" y="318"/>
-                    <a:pt x="777" y="318"/>
-                  </a:cubicBezTo>
-                  <a:cubicBezTo>
-                    <a:pt x="785" y="334"/>
-                    <a:pt x="785" y="358"/>
-                    <a:pt x="777" y="374"/>
-                  </a:cubicBezTo>
-                  <a:cubicBezTo>
-                    <a:pt x="609" y="665"/>
-                    <a:pt x="609" y="665"/>
-                    <a:pt x="609" y="665"/>
-                  </a:cubicBezTo>
-                  <a:cubicBezTo>
-                    <a:pt x="600" y="680"/>
-                    <a:pt x="578" y="692"/>
-                    <a:pt x="561" y="692"/>
-                  </a:cubicBezTo>
-                  <a:lnTo>
-                    <a:pt x="225" y="692"/>
-                  </a:lnTo>
-                  <a:close/>
-                </a:path>
-              </a:pathLst>
-            </a:custGeom>
-            <a:noFill/>
-            <a:ln w="28575" cmpd="sng">
-              <a:solidFill>
-                <a:schemeClr val="bg1"/>
-              </a:solidFill>
-            </a:ln>
-          </p:spPr>
-          <p:txBody>
-            <a:bodyPr vert="horz" wrap="square" lIns="91440" tIns="45720" rIns="91440" bIns="45720" numCol="1" anchor="t" anchorCtr="0" compatLnSpc="1">
-              <a:prstTxWarp prst="textNoShape">
-                <a:avLst/>
-              </a:prstTxWarp>
-            </a:bodyPr>
-            <a:lstStyle/>
-            <a:p>
-              <a:endParaRPr lang="en-US"/>
-            </a:p>
-          </p:txBody>
-        </p:sp>
-      </p:grpSp>
-      <p:sp>
-        <p:nvSpPr>
-          <p:cNvPr id="2" name="Title 1">
-            <a:extLst>
-              <a:ext uri="{FF2B5EF4-FFF2-40B4-BE49-F238E27FC236}">
-                <a16:creationId xmlns:a16="http://schemas.microsoft.com/office/drawing/2014/main" id="{C9B87478-998B-4CFA-A095-F97E3E00FA17}"/>
+                <a16:creationId xmlns:a16="http://schemas.microsoft.com/office/drawing/2014/main" id="{B89B38CC-5F59-4AE1-8ACA-C30CE64D7724}"/>
               </a:ext>
             </a:extLst>
           </p:cNvPr>
@@ -33528,28 +33180,58 @@
             <a:spLocks noGrp="1"/>
           </p:cNvSpPr>
           <p:nvPr>
-            <p:ph type="title"/>
+            <p:ph idx="1"/>
           </p:nvPr>
         </p:nvSpPr>
         <p:spPr>
           <a:xfrm>
-            <a:off x="767290" y="1166932"/>
-            <a:ext cx="3582073" cy="4279709"/>
+            <a:off x="5297762" y="2706624"/>
+            <a:ext cx="6251110" cy="3483864"/>
           </a:xfrm>
         </p:spPr>
         <p:txBody>
-          <a:bodyPr anchor="ctr">
+          <a:bodyPr>
             <a:normAutofit/>
           </a:bodyPr>
           <a:lstStyle/>
           <a:p>
             <a:r>
-              <a:rPr lang="en-US" sz="4800">
-                <a:solidFill>
-                  <a:schemeClr val="bg1"/>
-                </a:solidFill>
-              </a:rPr>
-              <a:t>Types of Test Markets</a:t>
+              <a:rPr lang="en-US" sz="1700" b="1" dirty="0"/>
+              <a:t>Market Testing</a:t>
+            </a:r>
+            <a:r>
+              <a:rPr lang="en-US" sz="1700" dirty="0"/>
+              <a:t>:  A controlled experiment done in a limited but carefully selected sector of the marketplace </a:t>
+            </a:r>
+          </a:p>
+          <a:p>
+            <a:r>
+              <a:rPr lang="en-US" sz="1700" b="1" dirty="0"/>
+              <a:t>Standard Test Market</a:t>
+            </a:r>
+            <a:r>
+              <a:rPr lang="en-US" sz="1700" dirty="0"/>
+              <a:t>: A test market in which the company sells the product through its normal distribution channels. </a:t>
+            </a:r>
+          </a:p>
+          <a:p>
+            <a:r>
+              <a:rPr lang="en-US" sz="1700" b="1" dirty="0"/>
+              <a:t>Controlled Test Market</a:t>
+            </a:r>
+            <a:r>
+              <a:rPr lang="en-US" sz="1700" dirty="0"/>
+              <a:t>: An entire test program conducted by an outside service in a market in which it can guarantee distribution </a:t>
+            </a:r>
+          </a:p>
+          <a:p>
+            <a:r>
+              <a:rPr lang="en-US" sz="1700" b="1" dirty="0"/>
+              <a:t>Simulated Test Market</a:t>
+            </a:r>
+            <a:r>
+              <a:rPr lang="en-US" sz="1700" dirty="0"/>
+              <a:t>: A study in which consumer ratings are obtained along with likely or actual purchase data often obtained in a simulated store environment; the data are fed into computer models to produce sales and market share predictions. </a:t>
             </a:r>
           </a:p>
         </p:txBody>
@@ -33572,8 +33254,8 @@
         </p:nvSpPr>
         <p:spPr>
           <a:xfrm>
-            <a:off x="7055897" y="405350"/>
-            <a:ext cx="4776711" cy="365125"/>
+            <a:off x="5297762" y="6356350"/>
+            <a:ext cx="4114800" cy="365125"/>
           </a:xfrm>
         </p:spPr>
         <p:txBody>
@@ -33582,73 +33264,14 @@
           </a:bodyPr>
           <a:lstStyle/>
           <a:p>
-            <a:pPr algn="r">
+            <a:pPr algn="l">
               <a:spcAft>
                 <a:spcPts val="600"/>
               </a:spcAft>
             </a:pPr>
             <a:r>
-              <a:rPr lang="en-US" sz="1100">
-                <a:solidFill>
-                  <a:schemeClr val="tx1">
-                    <a:alpha val="80000"/>
-                  </a:schemeClr>
-                </a:solidFill>
-              </a:rPr>
+              <a:rPr lang="en-US"/>
               <a:t>Mike Nguyen</a:t>
-            </a:r>
-          </a:p>
-        </p:txBody>
-      </p:sp>
-      <p:sp>
-        <p:nvSpPr>
-          <p:cNvPr id="3" name="Content Placeholder 2">
-            <a:extLst>
-              <a:ext uri="{FF2B5EF4-FFF2-40B4-BE49-F238E27FC236}">
-                <a16:creationId xmlns:a16="http://schemas.microsoft.com/office/drawing/2014/main" id="{B89B38CC-5F59-4AE1-8ACA-C30CE64D7724}"/>
-              </a:ext>
-            </a:extLst>
-          </p:cNvPr>
-          <p:cNvSpPr>
-            <a:spLocks noGrp="1"/>
-          </p:cNvSpPr>
-          <p:nvPr>
-            <p:ph idx="1"/>
-          </p:nvPr>
-        </p:nvSpPr>
-        <p:spPr>
-          <a:xfrm>
-            <a:off x="5573864" y="1166933"/>
-            <a:ext cx="5716988" cy="4279709"/>
-          </a:xfrm>
-        </p:spPr>
-        <p:txBody>
-          <a:bodyPr anchor="ctr">
-            <a:normAutofit/>
-          </a:bodyPr>
-          <a:lstStyle/>
-          <a:p>
-            <a:r>
-              <a:rPr lang="en-US" sz="1900"/>
-              <a:t>Market Testing:  A controlled experiment done in a limited but carefully selected sector of the marketplace </a:t>
-            </a:r>
-          </a:p>
-          <a:p>
-            <a:r>
-              <a:rPr lang="en-US" sz="1900"/>
-              <a:t>Standard Test Market: A test market in which the company sells the product through its normal distribution channels. </a:t>
-            </a:r>
-          </a:p>
-          <a:p>
-            <a:r>
-              <a:rPr lang="en-US" sz="1900"/>
-              <a:t>Controlled Test Market: An entire test program conducted by an outside service in a market in which it can guarantee distribution </a:t>
-            </a:r>
-          </a:p>
-          <a:p>
-            <a:r>
-              <a:rPr lang="en-US" sz="1900"/>
-              <a:t>Simulated Test Market: A study in which consumer ratings are obtained along with likely or actual purchase data often obtained in a simulated store environment; the data are fed into computer models to produce sales and market share predictions. </a:t>
             </a:r>
           </a:p>
         </p:txBody>
@@ -33663,10 +33286,239 @@
   <p:clrMapOvr>
     <a:masterClrMapping/>
   </p:clrMapOvr>
+  <p:timing>
+    <p:tnLst>
+      <p:par>
+        <p:cTn id="1" dur="indefinite" restart="never" nodeType="tmRoot">
+          <p:childTnLst>
+            <p:seq concurrent="1" nextAc="seek">
+              <p:cTn id="2" dur="indefinite" nodeType="mainSeq">
+                <p:childTnLst>
+                  <p:par>
+                    <p:cTn id="3" fill="hold">
+                      <p:stCondLst>
+                        <p:cond delay="indefinite"/>
+                      </p:stCondLst>
+                      <p:childTnLst>
+                        <p:par>
+                          <p:cTn id="4" fill="hold">
+                            <p:stCondLst>
+                              <p:cond delay="0"/>
+                            </p:stCondLst>
+                            <p:childTnLst>
+                              <p:par>
+                                <p:cTn id="5" presetID="1" presetClass="entr" presetSubtype="0" fill="hold" grpId="0" nodeType="clickEffect">
+                                  <p:stCondLst>
+                                    <p:cond delay="0"/>
+                                  </p:stCondLst>
+                                  <p:childTnLst>
+                                    <p:set>
+                                      <p:cBhvr>
+                                        <p:cTn id="6" dur="1" fill="hold">
+                                          <p:stCondLst>
+                                            <p:cond delay="0"/>
+                                          </p:stCondLst>
+                                        </p:cTn>
+                                        <p:tgtEl>
+                                          <p:spTgt spid="3">
+                                            <p:txEl>
+                                              <p:pRg st="0" end="0"/>
+                                            </p:txEl>
+                                          </p:spTgt>
+                                        </p:tgtEl>
+                                        <p:attrNameLst>
+                                          <p:attrName>style.visibility</p:attrName>
+                                        </p:attrNameLst>
+                                      </p:cBhvr>
+                                      <p:to>
+                                        <p:strVal val="visible"/>
+                                      </p:to>
+                                    </p:set>
+                                  </p:childTnLst>
+                                </p:cTn>
+                              </p:par>
+                            </p:childTnLst>
+                          </p:cTn>
+                        </p:par>
+                      </p:childTnLst>
+                    </p:cTn>
+                  </p:par>
+                  <p:par>
+                    <p:cTn id="7" fill="hold">
+                      <p:stCondLst>
+                        <p:cond delay="indefinite"/>
+                      </p:stCondLst>
+                      <p:childTnLst>
+                        <p:par>
+                          <p:cTn id="8" fill="hold">
+                            <p:stCondLst>
+                              <p:cond delay="0"/>
+                            </p:stCondLst>
+                            <p:childTnLst>
+                              <p:par>
+                                <p:cTn id="9" presetID="1" presetClass="entr" presetSubtype="0" fill="hold" grpId="0" nodeType="clickEffect">
+                                  <p:stCondLst>
+                                    <p:cond delay="0"/>
+                                  </p:stCondLst>
+                                  <p:childTnLst>
+                                    <p:set>
+                                      <p:cBhvr>
+                                        <p:cTn id="10" dur="1" fill="hold">
+                                          <p:stCondLst>
+                                            <p:cond delay="0"/>
+                                          </p:stCondLst>
+                                        </p:cTn>
+                                        <p:tgtEl>
+                                          <p:spTgt spid="3">
+                                            <p:txEl>
+                                              <p:pRg st="1" end="1"/>
+                                            </p:txEl>
+                                          </p:spTgt>
+                                        </p:tgtEl>
+                                        <p:attrNameLst>
+                                          <p:attrName>style.visibility</p:attrName>
+                                        </p:attrNameLst>
+                                      </p:cBhvr>
+                                      <p:to>
+                                        <p:strVal val="visible"/>
+                                      </p:to>
+                                    </p:set>
+                                  </p:childTnLst>
+                                </p:cTn>
+                              </p:par>
+                            </p:childTnLst>
+                          </p:cTn>
+                        </p:par>
+                      </p:childTnLst>
+                    </p:cTn>
+                  </p:par>
+                  <p:par>
+                    <p:cTn id="11" fill="hold">
+                      <p:stCondLst>
+                        <p:cond delay="indefinite"/>
+                      </p:stCondLst>
+                      <p:childTnLst>
+                        <p:par>
+                          <p:cTn id="12" fill="hold">
+                            <p:stCondLst>
+                              <p:cond delay="0"/>
+                            </p:stCondLst>
+                            <p:childTnLst>
+                              <p:par>
+                                <p:cTn id="13" presetID="1" presetClass="entr" presetSubtype="0" fill="hold" grpId="0" nodeType="clickEffect">
+                                  <p:stCondLst>
+                                    <p:cond delay="0"/>
+                                  </p:stCondLst>
+                                  <p:childTnLst>
+                                    <p:set>
+                                      <p:cBhvr>
+                                        <p:cTn id="14" dur="1" fill="hold">
+                                          <p:stCondLst>
+                                            <p:cond delay="0"/>
+                                          </p:stCondLst>
+                                        </p:cTn>
+                                        <p:tgtEl>
+                                          <p:spTgt spid="3">
+                                            <p:txEl>
+                                              <p:pRg st="2" end="2"/>
+                                            </p:txEl>
+                                          </p:spTgt>
+                                        </p:tgtEl>
+                                        <p:attrNameLst>
+                                          <p:attrName>style.visibility</p:attrName>
+                                        </p:attrNameLst>
+                                      </p:cBhvr>
+                                      <p:to>
+                                        <p:strVal val="visible"/>
+                                      </p:to>
+                                    </p:set>
+                                  </p:childTnLst>
+                                </p:cTn>
+                              </p:par>
+                            </p:childTnLst>
+                          </p:cTn>
+                        </p:par>
+                      </p:childTnLst>
+                    </p:cTn>
+                  </p:par>
+                  <p:par>
+                    <p:cTn id="15" fill="hold">
+                      <p:stCondLst>
+                        <p:cond delay="indefinite"/>
+                      </p:stCondLst>
+                      <p:childTnLst>
+                        <p:par>
+                          <p:cTn id="16" fill="hold">
+                            <p:stCondLst>
+                              <p:cond delay="0"/>
+                            </p:stCondLst>
+                            <p:childTnLst>
+                              <p:par>
+                                <p:cTn id="17" presetID="1" presetClass="entr" presetSubtype="0" fill="hold" grpId="0" nodeType="clickEffect">
+                                  <p:stCondLst>
+                                    <p:cond delay="0"/>
+                                  </p:stCondLst>
+                                  <p:childTnLst>
+                                    <p:set>
+                                      <p:cBhvr>
+                                        <p:cTn id="18" dur="1" fill="hold">
+                                          <p:stCondLst>
+                                            <p:cond delay="0"/>
+                                          </p:stCondLst>
+                                        </p:cTn>
+                                        <p:tgtEl>
+                                          <p:spTgt spid="3">
+                                            <p:txEl>
+                                              <p:pRg st="3" end="3"/>
+                                            </p:txEl>
+                                          </p:spTgt>
+                                        </p:tgtEl>
+                                        <p:attrNameLst>
+                                          <p:attrName>style.visibility</p:attrName>
+                                        </p:attrNameLst>
+                                      </p:cBhvr>
+                                      <p:to>
+                                        <p:strVal val="visible"/>
+                                      </p:to>
+                                    </p:set>
+                                  </p:childTnLst>
+                                </p:cTn>
+                              </p:par>
+                            </p:childTnLst>
+                          </p:cTn>
+                        </p:par>
+                      </p:childTnLst>
+                    </p:cTn>
+                  </p:par>
+                </p:childTnLst>
+              </p:cTn>
+              <p:prevCondLst>
+                <p:cond evt="onPrev" delay="0">
+                  <p:tgtEl>
+                    <p:sldTgt/>
+                  </p:tgtEl>
+                </p:cond>
+              </p:prevCondLst>
+              <p:nextCondLst>
+                <p:cond evt="onNext" delay="0">
+                  <p:tgtEl>
+                    <p:sldTgt/>
+                  </p:tgtEl>
+                </p:cond>
+              </p:nextCondLst>
+            </p:seq>
+          </p:childTnLst>
+        </p:cTn>
+      </p:par>
+    </p:tnLst>
+    <p:bldLst>
+      <p:bldP spid="3" grpId="0" build="p"/>
+    </p:bldLst>
+  </p:timing>
 </p:sld>
 </file>
 
-<file path=ppt/slides/slide24.xml><?xml version="1.0" encoding="utf-8"?>
+<file path=ppt/slides/slide23.xml><?xml version="1.0" encoding="utf-8"?>
 <p:sld xmlns:a="http://schemas.openxmlformats.org/drawingml/2006/main" xmlns:r="http://schemas.openxmlformats.org/officeDocument/2006/relationships" xmlns:p="http://schemas.openxmlformats.org/presentationml/2006/main">
   <p:cSld>
     <p:spTree>
@@ -34339,7 +34191,7 @@
 </p:sld>
 </file>
 
-<file path=ppt/slides/slide25.xml><?xml version="1.0" encoding="utf-8"?>
+<file path=ppt/slides/slide24.xml><?xml version="1.0" encoding="utf-8"?>
 <p:sld xmlns:a="http://schemas.openxmlformats.org/drawingml/2006/main" xmlns:r="http://schemas.openxmlformats.org/officeDocument/2006/relationships" xmlns:p="http://schemas.openxmlformats.org/presentationml/2006/main">
   <p:cSld>
     <p:spTree>
@@ -34825,7 +34677,7 @@
 </p:sld>
 </file>
 
-<file path=ppt/slides/slide26.xml><?xml version="1.0" encoding="utf-8"?>
+<file path=ppt/slides/slide25.xml><?xml version="1.0" encoding="utf-8"?>
 <p:sld xmlns:a="http://schemas.openxmlformats.org/drawingml/2006/main" xmlns:r="http://schemas.openxmlformats.org/officeDocument/2006/relationships" xmlns:p="http://schemas.openxmlformats.org/presentationml/2006/main">
   <p:cSld>
     <p:bg>
@@ -35079,7 +34931,7 @@
 </p:sld>
 </file>
 
-<file path=ppt/slides/slide27.xml><?xml version="1.0" encoding="utf-8"?>
+<file path=ppt/slides/slide26.xml><?xml version="1.0" encoding="utf-8"?>
 <p:sld xmlns:a="http://schemas.openxmlformats.org/drawingml/2006/main" xmlns:r="http://schemas.openxmlformats.org/officeDocument/2006/relationships" xmlns:p="http://schemas.openxmlformats.org/presentationml/2006/main">
   <p:cSld>
     <p:bg>
@@ -35656,7 +35508,7 @@
 </p:sld>
 </file>
 
-<file path=ppt/slides/slide28.xml><?xml version="1.0" encoding="utf-8"?>
+<file path=ppt/slides/slide27.xml><?xml version="1.0" encoding="utf-8"?>
 <p:sld xmlns:a="http://schemas.openxmlformats.org/drawingml/2006/main" xmlns:r="http://schemas.openxmlformats.org/officeDocument/2006/relationships" xmlns:p="http://schemas.openxmlformats.org/presentationml/2006/main">
   <p:cSld>
     <p:bg>
@@ -36159,7 +36011,7 @@
 </p:sld>
 </file>
 
-<file path=ppt/slides/slide29.xml><?xml version="1.0" encoding="utf-8"?>
+<file path=ppt/slides/slide28.xml><?xml version="1.0" encoding="utf-8"?>
 <p:sld xmlns:a="http://schemas.openxmlformats.org/drawingml/2006/main" xmlns:r="http://schemas.openxmlformats.org/officeDocument/2006/relationships" xmlns:p="http://schemas.openxmlformats.org/presentationml/2006/main">
   <p:cSld>
     <p:bg>
@@ -36731,272 +36583,7 @@
 </p:sld>
 </file>
 
-<file path=ppt/slides/slide3.xml><?xml version="1.0" encoding="utf-8"?>
-<p:sld xmlns:a="http://schemas.openxmlformats.org/drawingml/2006/main" xmlns:r="http://schemas.openxmlformats.org/officeDocument/2006/relationships" xmlns:p="http://schemas.openxmlformats.org/presentationml/2006/main">
-  <p:cSld>
-    <p:bg>
-      <p:bgPr>
-        <a:solidFill>
-          <a:schemeClr val="bg1"/>
-        </a:solidFill>
-        <a:effectLst/>
-      </p:bgPr>
-    </p:bg>
-    <p:spTree>
-      <p:nvGrpSpPr>
-        <p:cNvPr id="1" name=""/>
-        <p:cNvGrpSpPr/>
-        <p:nvPr/>
-      </p:nvGrpSpPr>
-      <p:grpSpPr>
-        <a:xfrm>
-          <a:off x="0" y="0"/>
-          <a:ext cx="0" cy="0"/>
-          <a:chOff x="0" y="0"/>
-          <a:chExt cx="0" cy="0"/>
-        </a:xfrm>
-      </p:grpSpPr>
-      <p:sp>
-        <p:nvSpPr>
-          <p:cNvPr id="2" name="Title 1">
-            <a:extLst>
-              <a:ext uri="{FF2B5EF4-FFF2-40B4-BE49-F238E27FC236}">
-                <a16:creationId xmlns:a16="http://schemas.microsoft.com/office/drawing/2014/main" id="{C925D1F0-B0E0-4F37-B147-86B526AB9065}"/>
-              </a:ext>
-            </a:extLst>
-          </p:cNvPr>
-          <p:cNvSpPr>
-            <a:spLocks noGrp="1"/>
-          </p:cNvSpPr>
-          <p:nvPr>
-            <p:ph type="title"/>
-          </p:nvPr>
-        </p:nvSpPr>
-        <p:spPr>
-          <a:xfrm>
-            <a:off x="4965430" y="629268"/>
-            <a:ext cx="6586491" cy="1286160"/>
-          </a:xfrm>
-        </p:spPr>
-        <p:txBody>
-          <a:bodyPr anchor="b">
-            <a:normAutofit/>
-          </a:bodyPr>
-          <a:lstStyle/>
-          <a:p>
-            <a:r>
-              <a:rPr lang="en-US" dirty="0"/>
-              <a:t>iClicker Question</a:t>
-            </a:r>
-          </a:p>
-        </p:txBody>
-      </p:sp>
-      <p:sp>
-        <p:nvSpPr>
-          <p:cNvPr id="3" name="Content Placeholder 2">
-            <a:extLst>
-              <a:ext uri="{FF2B5EF4-FFF2-40B4-BE49-F238E27FC236}">
-                <a16:creationId xmlns:a16="http://schemas.microsoft.com/office/drawing/2014/main" id="{E47604B0-CB5A-4E6F-BB9E-2994752A40AC}"/>
-              </a:ext>
-            </a:extLst>
-          </p:cNvPr>
-          <p:cNvSpPr>
-            <a:spLocks noGrp="1"/>
-          </p:cNvSpPr>
-          <p:nvPr>
-            <p:ph idx="1"/>
-          </p:nvPr>
-        </p:nvSpPr>
-        <p:spPr>
-          <a:xfrm>
-            <a:off x="4965431" y="2438400"/>
-            <a:ext cx="6586489" cy="3785419"/>
-          </a:xfrm>
-        </p:spPr>
-        <p:txBody>
-          <a:bodyPr>
-            <a:normAutofit/>
-          </a:bodyPr>
-          <a:lstStyle/>
-          <a:p>
-            <a:pPr marL="0" indent="0">
-              <a:buNone/>
-            </a:pPr>
-            <a:r>
-              <a:rPr lang="en-US" sz="2000" b="1"/>
-              <a:t>Primary data </a:t>
-            </a:r>
-            <a:r>
-              <a:rPr lang="en-US" sz="2000"/>
-              <a:t>are those collected by the researchers for the research question at hand and </a:t>
-            </a:r>
-            <a:r>
-              <a:rPr lang="en-US" sz="2000" b="1"/>
-              <a:t>secondary data</a:t>
-            </a:r>
-            <a:r>
-              <a:rPr lang="en-US" sz="2000"/>
-              <a:t> are those collected for other purposes</a:t>
-            </a:r>
-          </a:p>
-          <a:p>
-            <a:pPr marL="514350" indent="-514350">
-              <a:buFont typeface="+mj-lt"/>
-              <a:buAutoNum type="alphaUcPeriod"/>
-            </a:pPr>
-            <a:r>
-              <a:rPr lang="en-US" sz="2000"/>
-              <a:t>True</a:t>
-            </a:r>
-          </a:p>
-          <a:p>
-            <a:pPr marL="514350" indent="-514350">
-              <a:buFont typeface="+mj-lt"/>
-              <a:buAutoNum type="alphaUcPeriod"/>
-            </a:pPr>
-            <a:r>
-              <a:rPr lang="en-US" sz="2000"/>
-              <a:t>False</a:t>
-            </a:r>
-          </a:p>
-        </p:txBody>
-      </p:sp>
-      <p:pic>
-        <p:nvPicPr>
-          <p:cNvPr id="6" name="Picture 5" descr="Question mark on green pastel background">
-            <a:extLst>
-              <a:ext uri="{FF2B5EF4-FFF2-40B4-BE49-F238E27FC236}">
-                <a16:creationId xmlns:a16="http://schemas.microsoft.com/office/drawing/2014/main" id="{41022404-5D42-4CDB-9075-3BB622CBCD69}"/>
-              </a:ext>
-            </a:extLst>
-          </p:cNvPr>
-          <p:cNvPicPr>
-            <a:picLocks noChangeAspect="1"/>
-          </p:cNvPicPr>
-          <p:nvPr/>
-        </p:nvPicPr>
-        <p:blipFill rotWithShape="1">
-          <a:blip r:embed="rId2"/>
-          <a:srcRect l="44648" r="4656"/>
-          <a:stretch/>
-        </p:blipFill>
-        <p:spPr>
-          <a:xfrm>
-            <a:off x="20" y="10"/>
-            <a:ext cx="4635571" cy="6857990"/>
-          </a:xfrm>
-          <a:prstGeom prst="rect">
-            <a:avLst/>
-          </a:prstGeom>
-          <a:effectLst/>
-        </p:spPr>
-      </p:pic>
-      <p:cxnSp>
-        <p:nvCxnSpPr>
-          <p:cNvPr id="10" name="Straight Connector 9">
-            <a:extLst>
-              <a:ext uri="{FF2B5EF4-FFF2-40B4-BE49-F238E27FC236}">
-                <a16:creationId xmlns:a16="http://schemas.microsoft.com/office/drawing/2014/main" id="{A7F400EE-A8A5-48AF-B4D6-291B52C6F0B0}"/>
-              </a:ext>
-              <a:ext uri="{C183D7F6-B498-43B3-948B-1728B52AA6E4}">
-                <adec:decorative xmlns:adec="http://schemas.microsoft.com/office/drawing/2017/decorative" val="1"/>
-              </a:ext>
-            </a:extLst>
-          </p:cNvPr>
-          <p:cNvCxnSpPr>
-            <a:cxnSpLocks noGrp="1" noRot="1" noChangeAspect="1" noMove="1" noResize="1" noEditPoints="1" noAdjustHandles="1" noChangeArrowheads="1" noChangeShapeType="1"/>
-          </p:cNvCxnSpPr>
-          <p:nvPr>
-            <p:extLst>
-              <p:ext uri="{386F3935-93C4-4BCD-93E2-E3B085C9AB24}">
-                <p16:designElem xmlns:p16="http://schemas.microsoft.com/office/powerpoint/2015/main" val="1"/>
-              </p:ext>
-            </p:extLst>
-          </p:nvPr>
-        </p:nvCxnSpPr>
-        <p:spPr>
-          <a:xfrm>
-            <a:off x="5080934" y="2115117"/>
-            <a:ext cx="6309360" cy="0"/>
-          </a:xfrm>
-          <a:prstGeom prst="line">
-            <a:avLst/>
-          </a:prstGeom>
-          <a:ln w="19050">
-            <a:solidFill>
-              <a:srgbClr val="589195"/>
-            </a:solidFill>
-          </a:ln>
-        </p:spPr>
-        <p:style>
-          <a:lnRef idx="1">
-            <a:schemeClr val="accent1"/>
-          </a:lnRef>
-          <a:fillRef idx="0">
-            <a:schemeClr val="accent1"/>
-          </a:fillRef>
-          <a:effectRef idx="0">
-            <a:schemeClr val="accent1"/>
-          </a:effectRef>
-          <a:fontRef idx="minor">
-            <a:schemeClr val="tx1"/>
-          </a:fontRef>
-        </p:style>
-      </p:cxnSp>
-      <p:sp>
-        <p:nvSpPr>
-          <p:cNvPr id="4" name="Footer Placeholder 3">
-            <a:extLst>
-              <a:ext uri="{FF2B5EF4-FFF2-40B4-BE49-F238E27FC236}">
-                <a16:creationId xmlns:a16="http://schemas.microsoft.com/office/drawing/2014/main" id="{AF00FF57-37D8-4865-8B55-F1BE345C3D29}"/>
-              </a:ext>
-            </a:extLst>
-          </p:cNvPr>
-          <p:cNvSpPr>
-            <a:spLocks noGrp="1"/>
-          </p:cNvSpPr>
-          <p:nvPr>
-            <p:ph type="ftr" sz="quarter" idx="11"/>
-          </p:nvPr>
-        </p:nvSpPr>
-        <p:spPr>
-          <a:xfrm>
-            <a:off x="4965430" y="6356350"/>
-            <a:ext cx="4139134" cy="365125"/>
-          </a:xfrm>
-        </p:spPr>
-        <p:txBody>
-          <a:bodyPr>
-            <a:normAutofit/>
-          </a:bodyPr>
-          <a:lstStyle/>
-          <a:p>
-            <a:pPr algn="l">
-              <a:spcAft>
-                <a:spcPts val="600"/>
-              </a:spcAft>
-            </a:pPr>
-            <a:r>
-              <a:rPr lang="en-US"/>
-              <a:t>Mike Nguyen</a:t>
-            </a:r>
-          </a:p>
-        </p:txBody>
-      </p:sp>
-    </p:spTree>
-    <p:extLst>
-      <p:ext uri="{BB962C8B-B14F-4D97-AF65-F5344CB8AC3E}">
-        <p14:creationId xmlns:p14="http://schemas.microsoft.com/office/powerpoint/2010/main" val="3330819661"/>
-      </p:ext>
-    </p:extLst>
-  </p:cSld>
-  <p:clrMapOvr>
-    <a:masterClrMapping/>
-  </p:clrMapOvr>
-</p:sld>
-</file>
-
-<file path=ppt/slides/slide30.xml><?xml version="1.0" encoding="utf-8"?>
+<file path=ppt/slides/slide29.xml><?xml version="1.0" encoding="utf-8"?>
 <p:sld xmlns:a="http://schemas.openxmlformats.org/drawingml/2006/main" xmlns:r="http://schemas.openxmlformats.org/officeDocument/2006/relationships" xmlns:p="http://schemas.openxmlformats.org/presentationml/2006/main">
   <p:cSld>
     <p:bg>
@@ -37550,7 +37137,272 @@
 </p:sld>
 </file>
 
-<file path=ppt/slides/slide31.xml><?xml version="1.0" encoding="utf-8"?>
+<file path=ppt/slides/slide3.xml><?xml version="1.0" encoding="utf-8"?>
+<p:sld xmlns:a="http://schemas.openxmlformats.org/drawingml/2006/main" xmlns:r="http://schemas.openxmlformats.org/officeDocument/2006/relationships" xmlns:p="http://schemas.openxmlformats.org/presentationml/2006/main">
+  <p:cSld>
+    <p:bg>
+      <p:bgPr>
+        <a:solidFill>
+          <a:schemeClr val="bg1"/>
+        </a:solidFill>
+        <a:effectLst/>
+      </p:bgPr>
+    </p:bg>
+    <p:spTree>
+      <p:nvGrpSpPr>
+        <p:cNvPr id="1" name=""/>
+        <p:cNvGrpSpPr/>
+        <p:nvPr/>
+      </p:nvGrpSpPr>
+      <p:grpSpPr>
+        <a:xfrm>
+          <a:off x="0" y="0"/>
+          <a:ext cx="0" cy="0"/>
+          <a:chOff x="0" y="0"/>
+          <a:chExt cx="0" cy="0"/>
+        </a:xfrm>
+      </p:grpSpPr>
+      <p:sp>
+        <p:nvSpPr>
+          <p:cNvPr id="2" name="Title 1">
+            <a:extLst>
+              <a:ext uri="{FF2B5EF4-FFF2-40B4-BE49-F238E27FC236}">
+                <a16:creationId xmlns:a16="http://schemas.microsoft.com/office/drawing/2014/main" id="{C925D1F0-B0E0-4F37-B147-86B526AB9065}"/>
+              </a:ext>
+            </a:extLst>
+          </p:cNvPr>
+          <p:cNvSpPr>
+            <a:spLocks noGrp="1"/>
+          </p:cNvSpPr>
+          <p:nvPr>
+            <p:ph type="title"/>
+          </p:nvPr>
+        </p:nvSpPr>
+        <p:spPr>
+          <a:xfrm>
+            <a:off x="4965430" y="629268"/>
+            <a:ext cx="6586491" cy="1286160"/>
+          </a:xfrm>
+        </p:spPr>
+        <p:txBody>
+          <a:bodyPr anchor="b">
+            <a:normAutofit/>
+          </a:bodyPr>
+          <a:lstStyle/>
+          <a:p>
+            <a:r>
+              <a:rPr lang="en-US" dirty="0"/>
+              <a:t>iClicker Question</a:t>
+            </a:r>
+          </a:p>
+        </p:txBody>
+      </p:sp>
+      <p:sp>
+        <p:nvSpPr>
+          <p:cNvPr id="3" name="Content Placeholder 2">
+            <a:extLst>
+              <a:ext uri="{FF2B5EF4-FFF2-40B4-BE49-F238E27FC236}">
+                <a16:creationId xmlns:a16="http://schemas.microsoft.com/office/drawing/2014/main" id="{E47604B0-CB5A-4E6F-BB9E-2994752A40AC}"/>
+              </a:ext>
+            </a:extLst>
+          </p:cNvPr>
+          <p:cNvSpPr>
+            <a:spLocks noGrp="1"/>
+          </p:cNvSpPr>
+          <p:nvPr>
+            <p:ph idx="1"/>
+          </p:nvPr>
+        </p:nvSpPr>
+        <p:spPr>
+          <a:xfrm>
+            <a:off x="4965431" y="2438400"/>
+            <a:ext cx="6586489" cy="3785419"/>
+          </a:xfrm>
+        </p:spPr>
+        <p:txBody>
+          <a:bodyPr>
+            <a:normAutofit/>
+          </a:bodyPr>
+          <a:lstStyle/>
+          <a:p>
+            <a:pPr marL="0" indent="0">
+              <a:buNone/>
+            </a:pPr>
+            <a:r>
+              <a:rPr lang="en-US" sz="2000" b="1"/>
+              <a:t>Primary data </a:t>
+            </a:r>
+            <a:r>
+              <a:rPr lang="en-US" sz="2000"/>
+              <a:t>are those collected by the researchers for the research question at hand and </a:t>
+            </a:r>
+            <a:r>
+              <a:rPr lang="en-US" sz="2000" b="1"/>
+              <a:t>secondary data</a:t>
+            </a:r>
+            <a:r>
+              <a:rPr lang="en-US" sz="2000"/>
+              <a:t> are those collected for other purposes</a:t>
+            </a:r>
+          </a:p>
+          <a:p>
+            <a:pPr marL="514350" indent="-514350">
+              <a:buFont typeface="+mj-lt"/>
+              <a:buAutoNum type="alphaUcPeriod"/>
+            </a:pPr>
+            <a:r>
+              <a:rPr lang="en-US" sz="2000"/>
+              <a:t>True</a:t>
+            </a:r>
+          </a:p>
+          <a:p>
+            <a:pPr marL="514350" indent="-514350">
+              <a:buFont typeface="+mj-lt"/>
+              <a:buAutoNum type="alphaUcPeriod"/>
+            </a:pPr>
+            <a:r>
+              <a:rPr lang="en-US" sz="2000"/>
+              <a:t>False</a:t>
+            </a:r>
+          </a:p>
+        </p:txBody>
+      </p:sp>
+      <p:pic>
+        <p:nvPicPr>
+          <p:cNvPr id="6" name="Picture 5" descr="Question mark on green pastel background">
+            <a:extLst>
+              <a:ext uri="{FF2B5EF4-FFF2-40B4-BE49-F238E27FC236}">
+                <a16:creationId xmlns:a16="http://schemas.microsoft.com/office/drawing/2014/main" id="{41022404-5D42-4CDB-9075-3BB622CBCD69}"/>
+              </a:ext>
+            </a:extLst>
+          </p:cNvPr>
+          <p:cNvPicPr>
+            <a:picLocks noChangeAspect="1"/>
+          </p:cNvPicPr>
+          <p:nvPr/>
+        </p:nvPicPr>
+        <p:blipFill rotWithShape="1">
+          <a:blip r:embed="rId2"/>
+          <a:srcRect l="44648" r="4656"/>
+          <a:stretch/>
+        </p:blipFill>
+        <p:spPr>
+          <a:xfrm>
+            <a:off x="20" y="10"/>
+            <a:ext cx="4635571" cy="6857990"/>
+          </a:xfrm>
+          <a:prstGeom prst="rect">
+            <a:avLst/>
+          </a:prstGeom>
+          <a:effectLst/>
+        </p:spPr>
+      </p:pic>
+      <p:cxnSp>
+        <p:nvCxnSpPr>
+          <p:cNvPr id="10" name="Straight Connector 9">
+            <a:extLst>
+              <a:ext uri="{FF2B5EF4-FFF2-40B4-BE49-F238E27FC236}">
+                <a16:creationId xmlns:a16="http://schemas.microsoft.com/office/drawing/2014/main" id="{A7F400EE-A8A5-48AF-B4D6-291B52C6F0B0}"/>
+              </a:ext>
+              <a:ext uri="{C183D7F6-B498-43B3-948B-1728B52AA6E4}">
+                <adec:decorative xmlns:adec="http://schemas.microsoft.com/office/drawing/2017/decorative" val="1"/>
+              </a:ext>
+            </a:extLst>
+          </p:cNvPr>
+          <p:cNvCxnSpPr>
+            <a:cxnSpLocks noGrp="1" noRot="1" noChangeAspect="1" noMove="1" noResize="1" noEditPoints="1" noAdjustHandles="1" noChangeArrowheads="1" noChangeShapeType="1"/>
+          </p:cNvCxnSpPr>
+          <p:nvPr>
+            <p:extLst>
+              <p:ext uri="{386F3935-93C4-4BCD-93E2-E3B085C9AB24}">
+                <p16:designElem xmlns:p16="http://schemas.microsoft.com/office/powerpoint/2015/main" val="1"/>
+              </p:ext>
+            </p:extLst>
+          </p:nvPr>
+        </p:nvCxnSpPr>
+        <p:spPr>
+          <a:xfrm>
+            <a:off x="5080934" y="2115117"/>
+            <a:ext cx="6309360" cy="0"/>
+          </a:xfrm>
+          <a:prstGeom prst="line">
+            <a:avLst/>
+          </a:prstGeom>
+          <a:ln w="19050">
+            <a:solidFill>
+              <a:srgbClr val="589195"/>
+            </a:solidFill>
+          </a:ln>
+        </p:spPr>
+        <p:style>
+          <a:lnRef idx="1">
+            <a:schemeClr val="accent1"/>
+          </a:lnRef>
+          <a:fillRef idx="0">
+            <a:schemeClr val="accent1"/>
+          </a:fillRef>
+          <a:effectRef idx="0">
+            <a:schemeClr val="accent1"/>
+          </a:effectRef>
+          <a:fontRef idx="minor">
+            <a:schemeClr val="tx1"/>
+          </a:fontRef>
+        </p:style>
+      </p:cxnSp>
+      <p:sp>
+        <p:nvSpPr>
+          <p:cNvPr id="4" name="Footer Placeholder 3">
+            <a:extLst>
+              <a:ext uri="{FF2B5EF4-FFF2-40B4-BE49-F238E27FC236}">
+                <a16:creationId xmlns:a16="http://schemas.microsoft.com/office/drawing/2014/main" id="{AF00FF57-37D8-4865-8B55-F1BE345C3D29}"/>
+              </a:ext>
+            </a:extLst>
+          </p:cNvPr>
+          <p:cNvSpPr>
+            <a:spLocks noGrp="1"/>
+          </p:cNvSpPr>
+          <p:nvPr>
+            <p:ph type="ftr" sz="quarter" idx="11"/>
+          </p:nvPr>
+        </p:nvSpPr>
+        <p:spPr>
+          <a:xfrm>
+            <a:off x="4965430" y="6356350"/>
+            <a:ext cx="4139134" cy="365125"/>
+          </a:xfrm>
+        </p:spPr>
+        <p:txBody>
+          <a:bodyPr>
+            <a:normAutofit/>
+          </a:bodyPr>
+          <a:lstStyle/>
+          <a:p>
+            <a:pPr algn="l">
+              <a:spcAft>
+                <a:spcPts val="600"/>
+              </a:spcAft>
+            </a:pPr>
+            <a:r>
+              <a:rPr lang="en-US"/>
+              <a:t>Mike Nguyen</a:t>
+            </a:r>
+          </a:p>
+        </p:txBody>
+      </p:sp>
+    </p:spTree>
+    <p:extLst>
+      <p:ext uri="{BB962C8B-B14F-4D97-AF65-F5344CB8AC3E}">
+        <p14:creationId xmlns:p14="http://schemas.microsoft.com/office/powerpoint/2010/main" val="3330819661"/>
+      </p:ext>
+    </p:extLst>
+  </p:cSld>
+  <p:clrMapOvr>
+    <a:masterClrMapping/>
+  </p:clrMapOvr>
+</p:sld>
+</file>
+
+<file path=ppt/slides/slide30.xml><?xml version="1.0" encoding="utf-8"?>
 <p:sld xmlns:a="http://schemas.openxmlformats.org/drawingml/2006/main" xmlns:r="http://schemas.openxmlformats.org/officeDocument/2006/relationships" xmlns:p="http://schemas.openxmlformats.org/presentationml/2006/main">
   <p:cSld>
     <p:spTree>
@@ -38411,7 +38263,7 @@
 </p:sld>
 </file>
 
-<file path=ppt/slides/slide32.xml><?xml version="1.0" encoding="utf-8"?>
+<file path=ppt/slides/slide31.xml><?xml version="1.0" encoding="utf-8"?>
 <p:sld xmlns:a="http://schemas.openxmlformats.org/drawingml/2006/main" xmlns:r="http://schemas.openxmlformats.org/officeDocument/2006/relationships" xmlns:p="http://schemas.openxmlformats.org/presentationml/2006/main">
   <p:cSld>
     <p:spTree>
@@ -39024,7 +38876,7 @@
 </p:sld>
 </file>
 
-<file path=ppt/slides/slide33.xml><?xml version="1.0" encoding="utf-8"?>
+<file path=ppt/slides/slide32.xml><?xml version="1.0" encoding="utf-8"?>
 <p:sld xmlns:a="http://schemas.openxmlformats.org/drawingml/2006/main" xmlns:r="http://schemas.openxmlformats.org/officeDocument/2006/relationships" xmlns:p="http://schemas.openxmlformats.org/presentationml/2006/main">
   <p:cSld>
     <p:bg>
@@ -39704,7 +39556,7 @@
 </p:sld>
 </file>
 
-<file path=ppt/slides/slide34.xml><?xml version="1.0" encoding="utf-8"?>
+<file path=ppt/slides/slide33.xml><?xml version="1.0" encoding="utf-8"?>
 <p:sld xmlns:a="http://schemas.openxmlformats.org/drawingml/2006/main" xmlns:r="http://schemas.openxmlformats.org/officeDocument/2006/relationships" xmlns:p="http://schemas.openxmlformats.org/presentationml/2006/main">
   <p:cSld>
     <p:bg>
@@ -40352,7 +40204,7 @@
 </p:sld>
 </file>
 
-<file path=ppt/slides/slide35.xml><?xml version="1.0" encoding="utf-8"?>
+<file path=ppt/slides/slide34.xml><?xml version="1.0" encoding="utf-8"?>
 <p:sld xmlns:a="http://schemas.openxmlformats.org/drawingml/2006/main" xmlns:r="http://schemas.openxmlformats.org/officeDocument/2006/relationships" xmlns:p="http://schemas.openxmlformats.org/presentationml/2006/main">
   <p:cSld>
     <p:bg>
@@ -40987,7 +40839,7 @@
 </p:sld>
 </file>
 
-<file path=ppt/slides/slide36.xml><?xml version="1.0" encoding="utf-8"?>
+<file path=ppt/slides/slide35.xml><?xml version="1.0" encoding="utf-8"?>
 <p:sld xmlns:a="http://schemas.openxmlformats.org/drawingml/2006/main" xmlns:r="http://schemas.openxmlformats.org/officeDocument/2006/relationships" xmlns:p="http://schemas.openxmlformats.org/presentationml/2006/main">
   <p:cSld>
     <p:spTree>
@@ -41101,7 +40953,7 @@
 </p:sld>
 </file>
 
-<file path=ppt/slides/slide37.xml><?xml version="1.0" encoding="utf-8"?>
+<file path=ppt/slides/slide36.xml><?xml version="1.0" encoding="utf-8"?>
 <p:sld xmlns:a="http://schemas.openxmlformats.org/drawingml/2006/main" xmlns:r="http://schemas.openxmlformats.org/officeDocument/2006/relationships" xmlns:p="http://schemas.openxmlformats.org/presentationml/2006/main">
   <p:cSld>
     <p:bg>
@@ -41655,7 +41507,7 @@
 </p:sld>
 </file>
 
-<file path=ppt/slides/slide38.xml><?xml version="1.0" encoding="utf-8"?>
+<file path=ppt/slides/slide37.xml><?xml version="1.0" encoding="utf-8"?>
 <p:sld xmlns:a="http://schemas.openxmlformats.org/drawingml/2006/main" xmlns:r="http://schemas.openxmlformats.org/officeDocument/2006/relationships" xmlns:p="http://schemas.openxmlformats.org/presentationml/2006/main">
   <p:cSld>
     <p:bg>
@@ -42360,7 +42212,7 @@
           <p:nvPr/>
         </p:nvPicPr>
         <p:blipFill rotWithShape="1">
-          <a:blip r:embed="rId2"/>
+          <a:blip r:embed="rId3"/>
           <a:srcRect l="23244" r="34510"/>
           <a:stretch/>
         </p:blipFill>
@@ -42483,245 +42335,6 @@
 <file path=ppt/slides/slide6.xml><?xml version="1.0" encoding="utf-8"?>
 <p:sld xmlns:a="http://schemas.openxmlformats.org/drawingml/2006/main" xmlns:r="http://schemas.openxmlformats.org/officeDocument/2006/relationships" xmlns:p="http://schemas.openxmlformats.org/presentationml/2006/main">
   <p:cSld>
-    <p:spTree>
-      <p:nvGrpSpPr>
-        <p:cNvPr id="1" name=""/>
-        <p:cNvGrpSpPr/>
-        <p:nvPr/>
-      </p:nvGrpSpPr>
-      <p:grpSpPr>
-        <a:xfrm>
-          <a:off x="0" y="0"/>
-          <a:ext cx="0" cy="0"/>
-          <a:chOff x="0" y="0"/>
-          <a:chExt cx="0" cy="0"/>
-        </a:xfrm>
-      </p:grpSpPr>
-      <p:sp>
-        <p:nvSpPr>
-          <p:cNvPr id="2" name="Title 1">
-            <a:extLst>
-              <a:ext uri="{FF2B5EF4-FFF2-40B4-BE49-F238E27FC236}">
-                <a16:creationId xmlns:a16="http://schemas.microsoft.com/office/drawing/2014/main" id="{D08EA99A-2098-4069-9DE9-765BFAEFC447}"/>
-              </a:ext>
-            </a:extLst>
-          </p:cNvPr>
-          <p:cNvSpPr>
-            <a:spLocks noGrp="1"/>
-          </p:cNvSpPr>
-          <p:nvPr>
-            <p:ph type="title"/>
-          </p:nvPr>
-        </p:nvSpPr>
-        <p:spPr>
-          <a:xfrm>
-            <a:off x="638881" y="457200"/>
-            <a:ext cx="10909640" cy="1368614"/>
-          </a:xfrm>
-        </p:spPr>
-        <p:txBody>
-          <a:bodyPr vert="horz" lIns="91440" tIns="45720" rIns="91440" bIns="45720" rtlCol="0" anchor="ctr">
-            <a:normAutofit/>
-          </a:bodyPr>
-          <a:lstStyle/>
-          <a:p>
-            <a:pPr algn="ctr"/>
-            <a:r>
-              <a:rPr lang="en-US" sz="5100"/>
-              <a:t>5-min snippet: Social Network Analysis</a:t>
-            </a:r>
-          </a:p>
-        </p:txBody>
-      </p:sp>
-      <p:pic>
-        <p:nvPicPr>
-          <p:cNvPr id="11" name="Picture 10" descr="Diagram, schematic, bubble chart&#10;&#10;Description automatically generated">
-            <a:extLst>
-              <a:ext uri="{FF2B5EF4-FFF2-40B4-BE49-F238E27FC236}">
-                <a16:creationId xmlns:a16="http://schemas.microsoft.com/office/drawing/2014/main" id="{22AE5C64-FC7D-4D76-9392-EA11F6094174}"/>
-              </a:ext>
-            </a:extLst>
-          </p:cNvPr>
-          <p:cNvPicPr>
-            <a:picLocks noChangeAspect="1"/>
-          </p:cNvPicPr>
-          <p:nvPr/>
-        </p:nvPicPr>
-        <p:blipFill>
-          <a:blip r:embed="rId3">
-            <a:extLst>
-              <a:ext uri="{28A0092B-C50C-407E-A947-70E740481C1C}">
-                <a14:useLocalDpi xmlns:a14="http://schemas.microsoft.com/office/drawing/2010/main" val="0"/>
-              </a:ext>
-              <a:ext uri="{837473B0-CC2E-450A-ABE3-18F120FF3D39}">
-                <a1611:picAttrSrcUrl xmlns:a1611="http://schemas.microsoft.com/office/drawing/2016/11/main" r:id="rId4"/>
-              </a:ext>
-            </a:extLst>
-          </a:blip>
-          <a:stretch>
-            <a:fillRect/>
-          </a:stretch>
-        </p:blipFill>
-        <p:spPr>
-          <a:xfrm>
-            <a:off x="690908" y="2642616"/>
-            <a:ext cx="4872680" cy="3605784"/>
-          </a:xfrm>
-          <a:prstGeom prst="rect">
-            <a:avLst/>
-          </a:prstGeom>
-        </p:spPr>
-      </p:pic>
-      <p:pic>
-        <p:nvPicPr>
-          <p:cNvPr id="15" name="Picture 14" descr="Map&#10;&#10;Description automatically generated">
-            <a:extLst>
-              <a:ext uri="{FF2B5EF4-FFF2-40B4-BE49-F238E27FC236}">
-                <a16:creationId xmlns:a16="http://schemas.microsoft.com/office/drawing/2014/main" id="{D83C054A-6250-4F80-9E59-BB7B71C922CF}"/>
-              </a:ext>
-            </a:extLst>
-          </p:cNvPr>
-          <p:cNvPicPr>
-            <a:picLocks noChangeAspect="1"/>
-          </p:cNvPicPr>
-          <p:nvPr/>
-        </p:nvPicPr>
-        <p:blipFill>
-          <a:blip r:embed="rId5">
-            <a:extLst>
-              <a:ext uri="{28A0092B-C50C-407E-A947-70E740481C1C}">
-                <a14:useLocalDpi xmlns:a14="http://schemas.microsoft.com/office/drawing/2010/main" val="0"/>
-              </a:ext>
-              <a:ext uri="{837473B0-CC2E-450A-ABE3-18F120FF3D39}">
-                <a1611:picAttrSrcUrl xmlns:a1611="http://schemas.microsoft.com/office/drawing/2016/11/main" r:id="rId6"/>
-              </a:ext>
-            </a:extLst>
-          </a:blip>
-          <a:stretch>
-            <a:fillRect/>
-          </a:stretch>
-        </p:blipFill>
-        <p:spPr>
-          <a:xfrm>
-            <a:off x="6254496" y="2999796"/>
-            <a:ext cx="5614416" cy="2891424"/>
-          </a:xfrm>
-          <a:prstGeom prst="rect">
-            <a:avLst/>
-          </a:prstGeom>
-        </p:spPr>
-      </p:pic>
-      <p:sp>
-        <p:nvSpPr>
-          <p:cNvPr id="4" name="Footer Placeholder 3">
-            <a:extLst>
-              <a:ext uri="{FF2B5EF4-FFF2-40B4-BE49-F238E27FC236}">
-                <a16:creationId xmlns:a16="http://schemas.microsoft.com/office/drawing/2014/main" id="{DC37974A-7E62-4772-8F58-DE74E62AF40A}"/>
-              </a:ext>
-            </a:extLst>
-          </p:cNvPr>
-          <p:cNvSpPr>
-            <a:spLocks noGrp="1"/>
-          </p:cNvSpPr>
-          <p:nvPr>
-            <p:ph type="ftr" sz="quarter" idx="11"/>
-          </p:nvPr>
-        </p:nvSpPr>
-        <p:spPr>
-          <a:xfrm>
-            <a:off x="4038600" y="6356350"/>
-            <a:ext cx="4114800" cy="365125"/>
-          </a:xfrm>
-        </p:spPr>
-        <p:txBody>
-          <a:bodyPr vert="horz" lIns="91440" tIns="45720" rIns="91440" bIns="45720" rtlCol="0" anchor="ctr">
-            <a:normAutofit/>
-          </a:bodyPr>
-          <a:lstStyle/>
-          <a:p>
-            <a:pPr>
-              <a:spcAft>
-                <a:spcPts val="600"/>
-              </a:spcAft>
-            </a:pPr>
-            <a:r>
-              <a:rPr lang="en-US" kern="1200">
-                <a:solidFill>
-                  <a:schemeClr val="tx1">
-                    <a:tint val="75000"/>
-                  </a:schemeClr>
-                </a:solidFill>
-                <a:latin typeface="+mn-lt"/>
-                <a:ea typeface="+mn-ea"/>
-                <a:cs typeface="+mn-cs"/>
-              </a:rPr>
-              <a:t>Mike Nguyen</a:t>
-            </a:r>
-          </a:p>
-        </p:txBody>
-      </p:sp>
-      <p:sp>
-        <p:nvSpPr>
-          <p:cNvPr id="5" name="Slide Number Placeholder 4">
-            <a:extLst>
-              <a:ext uri="{FF2B5EF4-FFF2-40B4-BE49-F238E27FC236}">
-                <a16:creationId xmlns:a16="http://schemas.microsoft.com/office/drawing/2014/main" id="{73CCD817-81AA-47EB-B057-5B10A0F5A42F}"/>
-              </a:ext>
-            </a:extLst>
-          </p:cNvPr>
-          <p:cNvSpPr>
-            <a:spLocks noGrp="1"/>
-          </p:cNvSpPr>
-          <p:nvPr>
-            <p:ph type="sldNum" sz="quarter" idx="12"/>
-          </p:nvPr>
-        </p:nvSpPr>
-        <p:spPr>
-          <a:xfrm>
-            <a:off x="8610600" y="6356350"/>
-            <a:ext cx="2743200" cy="365125"/>
-          </a:xfrm>
-        </p:spPr>
-        <p:txBody>
-          <a:bodyPr vert="horz" lIns="91440" tIns="45720" rIns="91440" bIns="45720" rtlCol="0" anchor="ctr">
-            <a:normAutofit/>
-          </a:bodyPr>
-          <a:lstStyle/>
-          <a:p>
-            <a:pPr>
-              <a:spcAft>
-                <a:spcPts val="600"/>
-              </a:spcAft>
-            </a:pPr>
-            <a:fld id="{A6AF1B4E-90EC-4A51-B6E5-B702C054ECB0}" type="slidenum">
-              <a:rPr lang="en-US" smtClean="0"/>
-              <a:pPr>
-                <a:spcAft>
-                  <a:spcPts val="600"/>
-                </a:spcAft>
-              </a:pPr>
-              <a:t>6</a:t>
-            </a:fld>
-            <a:endParaRPr lang="en-US"/>
-          </a:p>
-        </p:txBody>
-      </p:sp>
-    </p:spTree>
-    <p:extLst>
-      <p:ext uri="{BB962C8B-B14F-4D97-AF65-F5344CB8AC3E}">
-        <p14:creationId xmlns:p14="http://schemas.microsoft.com/office/powerpoint/2010/main" val="2269414650"/>
-      </p:ext>
-    </p:extLst>
-  </p:cSld>
-  <p:clrMapOvr>
-    <a:masterClrMapping/>
-  </p:clrMapOvr>
-</p:sld>
-</file>
-
-<file path=ppt/slides/slide7.xml><?xml version="1.0" encoding="utf-8"?>
-<p:sld xmlns:a="http://schemas.openxmlformats.org/drawingml/2006/main" xmlns:r="http://schemas.openxmlformats.org/officeDocument/2006/relationships" xmlns:p="http://schemas.openxmlformats.org/presentationml/2006/main">
-  <p:cSld>
     <p:bg>
       <p:bgPr>
         <a:solidFill>
@@ -42942,7 +42555,7 @@
 </p:sld>
 </file>
 
-<file path=ppt/slides/slide8.xml><?xml version="1.0" encoding="utf-8"?>
+<file path=ppt/slides/slide7.xml><?xml version="1.0" encoding="utf-8"?>
 <p:sld xmlns:a="http://schemas.openxmlformats.org/drawingml/2006/main" xmlns:r="http://schemas.openxmlformats.org/officeDocument/2006/relationships" xmlns:p="http://schemas.openxmlformats.org/presentationml/2006/main">
   <p:cSld>
     <p:bg>
@@ -42969,10 +42582,10 @@
       </p:grpSpPr>
       <p:sp useBgFill="1">
         <p:nvSpPr>
-          <p:cNvPr id="9" name="Rectangle 8">
+          <p:cNvPr id="23" name="Rectangle 18">
             <a:extLst>
               <a:ext uri="{FF2B5EF4-FFF2-40B4-BE49-F238E27FC236}">
-                <a16:creationId xmlns:a16="http://schemas.microsoft.com/office/drawing/2014/main" id="{C7FA33FF-088D-4F16-95A2-2C64D353DEA8}"/>
+                <a16:creationId xmlns:a16="http://schemas.microsoft.com/office/drawing/2014/main" id="{F13C74B1-5B17-4795-BED0-7140497B445A}"/>
               </a:ext>
               <a:ext uri="{C183D7F6-B498-43B3-948B-1728B52AA6E4}">
                 <adec:decorative xmlns:adec="http://schemas.microsoft.com/office/drawing/2017/decorative" val="1"/>
@@ -42992,7 +42605,7 @@
         </p:nvSpPr>
         <p:spPr>
           <a:xfrm>
-            <a:off x="1524" y="0"/>
+            <a:off x="0" y="0"/>
             <a:ext cx="12188952" cy="6858000"/>
           </a:xfrm>
           <a:prstGeom prst="rect">
@@ -43022,46 +42635,52 @@
           <a:bodyPr rtlCol="0" anchor="ctr"/>
           <a:lstStyle/>
           <a:p>
-            <a:pPr marL="0" marR="0" lvl="0" indent="0" algn="ctr" defTabSz="914400" rtl="0" eaLnBrk="1" fontAlgn="auto" latinLnBrk="0" hangingPunct="1">
-              <a:lnSpc>
-                <a:spcPct val="100000"/>
-              </a:lnSpc>
-              <a:spcBef>
-                <a:spcPts val="0"/>
-              </a:spcBef>
-              <a:spcAft>
-                <a:spcPts val="0"/>
-              </a:spcAft>
-              <a:buClrTx/>
-              <a:buSzTx/>
-              <a:buFontTx/>
-              <a:buNone/>
-              <a:tabLst/>
-              <a:defRPr/>
-            </a:pPr>
-            <a:endParaRPr kumimoji="0" lang="en-US" sz="1800" b="0" i="0" u="none" strike="noStrike" kern="1200" cap="none" spc="0" normalizeH="0" baseline="0" noProof="0">
-              <a:ln>
-                <a:noFill/>
-              </a:ln>
-              <a:solidFill>
-                <a:prstClr val="white"/>
-              </a:solidFill>
-              <a:effectLst/>
-              <a:uLnTx/>
-              <a:uFillTx/>
-              <a:latin typeface="Calibri" panose="020F0502020204030204"/>
-              <a:ea typeface="+mn-ea"/>
-              <a:cs typeface="+mn-cs"/>
-            </a:endParaRPr>
+            <a:pPr algn="ctr"/>
+            <a:endParaRPr lang="en-US"/>
           </a:p>
         </p:txBody>
       </p:sp>
       <p:sp>
         <p:nvSpPr>
-          <p:cNvPr id="11" name="Rectangle 10">
+          <p:cNvPr id="2" name="Title 1">
             <a:extLst>
               <a:ext uri="{FF2B5EF4-FFF2-40B4-BE49-F238E27FC236}">
-                <a16:creationId xmlns:a16="http://schemas.microsoft.com/office/drawing/2014/main" id="{A376EFB1-01CF-419F-ABF1-2AF02BBFCBD1}"/>
+                <a16:creationId xmlns:a16="http://schemas.microsoft.com/office/drawing/2014/main" id="{60F3F2DF-732D-458C-92B9-9422AA1F6765}"/>
+              </a:ext>
+            </a:extLst>
+          </p:cNvPr>
+          <p:cNvSpPr>
+            <a:spLocks noGrp="1"/>
+          </p:cNvSpPr>
+          <p:nvPr>
+            <p:ph type="title"/>
+          </p:nvPr>
+        </p:nvSpPr>
+        <p:spPr>
+          <a:xfrm>
+            <a:off x="640080" y="325369"/>
+            <a:ext cx="4368602" cy="1956841"/>
+          </a:xfrm>
+        </p:spPr>
+        <p:txBody>
+          <a:bodyPr anchor="b">
+            <a:normAutofit/>
+          </a:bodyPr>
+          <a:lstStyle/>
+          <a:p>
+            <a:r>
+              <a:rPr lang="en-US" sz="5400"/>
+              <a:t>Learning Objectives</a:t>
+            </a:r>
+          </a:p>
+        </p:txBody>
+      </p:sp>
+      <p:sp>
+        <p:nvSpPr>
+          <p:cNvPr id="24" name="sketchy line">
+            <a:extLst>
+              <a:ext uri="{FF2B5EF4-FFF2-40B4-BE49-F238E27FC236}">
+                <a16:creationId xmlns:a16="http://schemas.microsoft.com/office/drawing/2014/main" id="{D4974D33-8DC5-464E-8C6D-BE58F0669C17}"/>
               </a:ext>
               <a:ext uri="{C183D7F6-B498-43B3-948B-1728B52AA6E4}">
                 <adec:decorative xmlns:adec="http://schemas.microsoft.com/office/drawing/2017/decorative" val="1"/>
@@ -43081,19 +42700,237 @@
         </p:nvSpPr>
         <p:spPr>
           <a:xfrm>
-            <a:off x="0" y="0"/>
-            <a:ext cx="4709160" cy="6858000"/>
+            <a:off x="640080" y="2586994"/>
+            <a:ext cx="3474720" cy="18288"/>
           </a:xfrm>
-          <a:prstGeom prst="rect">
+          <a:custGeom>
             <a:avLst/>
-          </a:prstGeom>
+            <a:gdLst>
+              <a:gd name="connsiteX0" fmla="*/ 0 w 3474720"/>
+              <a:gd name="connsiteY0" fmla="*/ 0 h 18288"/>
+              <a:gd name="connsiteX1" fmla="*/ 694944 w 3474720"/>
+              <a:gd name="connsiteY1" fmla="*/ 0 h 18288"/>
+              <a:gd name="connsiteX2" fmla="*/ 1355141 w 3474720"/>
+              <a:gd name="connsiteY2" fmla="*/ 0 h 18288"/>
+              <a:gd name="connsiteX3" fmla="*/ 2015338 w 3474720"/>
+              <a:gd name="connsiteY3" fmla="*/ 0 h 18288"/>
+              <a:gd name="connsiteX4" fmla="*/ 2779776 w 3474720"/>
+              <a:gd name="connsiteY4" fmla="*/ 0 h 18288"/>
+              <a:gd name="connsiteX5" fmla="*/ 3474720 w 3474720"/>
+              <a:gd name="connsiteY5" fmla="*/ 0 h 18288"/>
+              <a:gd name="connsiteX6" fmla="*/ 3474720 w 3474720"/>
+              <a:gd name="connsiteY6" fmla="*/ 18288 h 18288"/>
+              <a:gd name="connsiteX7" fmla="*/ 2779776 w 3474720"/>
+              <a:gd name="connsiteY7" fmla="*/ 18288 h 18288"/>
+              <a:gd name="connsiteX8" fmla="*/ 2189074 w 3474720"/>
+              <a:gd name="connsiteY8" fmla="*/ 18288 h 18288"/>
+              <a:gd name="connsiteX9" fmla="*/ 1528877 w 3474720"/>
+              <a:gd name="connsiteY9" fmla="*/ 18288 h 18288"/>
+              <a:gd name="connsiteX10" fmla="*/ 868680 w 3474720"/>
+              <a:gd name="connsiteY10" fmla="*/ 18288 h 18288"/>
+              <a:gd name="connsiteX11" fmla="*/ 0 w 3474720"/>
+              <a:gd name="connsiteY11" fmla="*/ 18288 h 18288"/>
+              <a:gd name="connsiteX12" fmla="*/ 0 w 3474720"/>
+              <a:gd name="connsiteY12" fmla="*/ 0 h 18288"/>
+            </a:gdLst>
+            <a:ahLst/>
+            <a:cxnLst>
+              <a:cxn ang="0">
+                <a:pos x="connsiteX0" y="connsiteY0"/>
+              </a:cxn>
+              <a:cxn ang="0">
+                <a:pos x="connsiteX1" y="connsiteY1"/>
+              </a:cxn>
+              <a:cxn ang="0">
+                <a:pos x="connsiteX2" y="connsiteY2"/>
+              </a:cxn>
+              <a:cxn ang="0">
+                <a:pos x="connsiteX3" y="connsiteY3"/>
+              </a:cxn>
+              <a:cxn ang="0">
+                <a:pos x="connsiteX4" y="connsiteY4"/>
+              </a:cxn>
+              <a:cxn ang="0">
+                <a:pos x="connsiteX5" y="connsiteY5"/>
+              </a:cxn>
+              <a:cxn ang="0">
+                <a:pos x="connsiteX6" y="connsiteY6"/>
+              </a:cxn>
+              <a:cxn ang="0">
+                <a:pos x="connsiteX7" y="connsiteY7"/>
+              </a:cxn>
+              <a:cxn ang="0">
+                <a:pos x="connsiteX8" y="connsiteY8"/>
+              </a:cxn>
+              <a:cxn ang="0">
+                <a:pos x="connsiteX9" y="connsiteY9"/>
+              </a:cxn>
+              <a:cxn ang="0">
+                <a:pos x="connsiteX10" y="connsiteY10"/>
+              </a:cxn>
+              <a:cxn ang="0">
+                <a:pos x="connsiteX11" y="connsiteY11"/>
+              </a:cxn>
+              <a:cxn ang="0">
+                <a:pos x="connsiteX12" y="connsiteY12"/>
+              </a:cxn>
+            </a:cxnLst>
+            <a:rect l="l" t="t" r="r" b="b"/>
+            <a:pathLst>
+              <a:path w="3474720" h="18288" fill="none" extrusionOk="0">
+                <a:moveTo>
+                  <a:pt x="0" y="0"/>
+                </a:moveTo>
+                <a:cubicBezTo>
+                  <a:pt x="224454" y="-14544"/>
+                  <a:pt x="495407" y="26540"/>
+                  <a:pt x="694944" y="0"/>
+                </a:cubicBezTo>
+                <a:cubicBezTo>
+                  <a:pt x="894481" y="-26540"/>
+                  <a:pt x="1130063" y="24713"/>
+                  <a:pt x="1355141" y="0"/>
+                </a:cubicBezTo>
+                <a:cubicBezTo>
+                  <a:pt x="1580219" y="-24713"/>
+                  <a:pt x="1820099" y="26695"/>
+                  <a:pt x="2015338" y="0"/>
+                </a:cubicBezTo>
+                <a:cubicBezTo>
+                  <a:pt x="2210577" y="-26695"/>
+                  <a:pt x="2402045" y="165"/>
+                  <a:pt x="2779776" y="0"/>
+                </a:cubicBezTo>
+                <a:cubicBezTo>
+                  <a:pt x="3157507" y="-165"/>
+                  <a:pt x="3286859" y="-15571"/>
+                  <a:pt x="3474720" y="0"/>
+                </a:cubicBezTo>
+                <a:cubicBezTo>
+                  <a:pt x="3474286" y="7551"/>
+                  <a:pt x="3474253" y="9822"/>
+                  <a:pt x="3474720" y="18288"/>
+                </a:cubicBezTo>
+                <a:cubicBezTo>
+                  <a:pt x="3233904" y="29845"/>
+                  <a:pt x="2945134" y="-5256"/>
+                  <a:pt x="2779776" y="18288"/>
+                </a:cubicBezTo>
+                <a:cubicBezTo>
+                  <a:pt x="2614418" y="41832"/>
+                  <a:pt x="2339768" y="22709"/>
+                  <a:pt x="2189074" y="18288"/>
+                </a:cubicBezTo>
+                <a:cubicBezTo>
+                  <a:pt x="2038380" y="13867"/>
+                  <a:pt x="1817434" y="-4947"/>
+                  <a:pt x="1528877" y="18288"/>
+                </a:cubicBezTo>
+                <a:cubicBezTo>
+                  <a:pt x="1240320" y="41523"/>
+                  <a:pt x="1042447" y="37198"/>
+                  <a:pt x="868680" y="18288"/>
+                </a:cubicBezTo>
+                <a:cubicBezTo>
+                  <a:pt x="694913" y="-622"/>
+                  <a:pt x="233232" y="44909"/>
+                  <a:pt x="0" y="18288"/>
+                </a:cubicBezTo>
+                <a:cubicBezTo>
+                  <a:pt x="60" y="11696"/>
+                  <a:pt x="66" y="3758"/>
+                  <a:pt x="0" y="0"/>
+                </a:cubicBezTo>
+                <a:close/>
+              </a:path>
+              <a:path w="3474720" h="18288" stroke="0" extrusionOk="0">
+                <a:moveTo>
+                  <a:pt x="0" y="0"/>
+                </a:moveTo>
+                <a:cubicBezTo>
+                  <a:pt x="202328" y="-14716"/>
+                  <a:pt x="332722" y="-11499"/>
+                  <a:pt x="625450" y="0"/>
+                </a:cubicBezTo>
+                <a:cubicBezTo>
+                  <a:pt x="918178" y="11499"/>
+                  <a:pt x="1096688" y="5123"/>
+                  <a:pt x="1389888" y="0"/>
+                </a:cubicBezTo>
+                <a:cubicBezTo>
+                  <a:pt x="1683088" y="-5123"/>
+                  <a:pt x="1835981" y="-14038"/>
+                  <a:pt x="1980590" y="0"/>
+                </a:cubicBezTo>
+                <a:cubicBezTo>
+                  <a:pt x="2125199" y="14038"/>
+                  <a:pt x="2396099" y="-7203"/>
+                  <a:pt x="2571293" y="0"/>
+                </a:cubicBezTo>
+                <a:cubicBezTo>
+                  <a:pt x="2746487" y="7203"/>
+                  <a:pt x="3041609" y="-12036"/>
+                  <a:pt x="3474720" y="0"/>
+                </a:cubicBezTo>
+                <a:cubicBezTo>
+                  <a:pt x="3474638" y="4406"/>
+                  <a:pt x="3474631" y="9982"/>
+                  <a:pt x="3474720" y="18288"/>
+                </a:cubicBezTo>
+                <a:cubicBezTo>
+                  <a:pt x="3324873" y="21876"/>
+                  <a:pt x="3136771" y="12587"/>
+                  <a:pt x="2814523" y="18288"/>
+                </a:cubicBezTo>
+                <a:cubicBezTo>
+                  <a:pt x="2492275" y="23989"/>
+                  <a:pt x="2294402" y="47111"/>
+                  <a:pt x="2154326" y="18288"/>
+                </a:cubicBezTo>
+                <a:cubicBezTo>
+                  <a:pt x="2014250" y="-10535"/>
+                  <a:pt x="1820317" y="33903"/>
+                  <a:pt x="1494130" y="18288"/>
+                </a:cubicBezTo>
+                <a:cubicBezTo>
+                  <a:pt x="1167943" y="2673"/>
+                  <a:pt x="948432" y="14868"/>
+                  <a:pt x="729691" y="18288"/>
+                </a:cubicBezTo>
+                <a:cubicBezTo>
+                  <a:pt x="510950" y="21708"/>
+                  <a:pt x="264032" y="24354"/>
+                  <a:pt x="0" y="18288"/>
+                </a:cubicBezTo>
+                <a:cubicBezTo>
+                  <a:pt x="189" y="14288"/>
+                  <a:pt x="-703" y="3747"/>
+                  <a:pt x="0" y="0"/>
+                </a:cubicBezTo>
+                <a:close/>
+              </a:path>
+            </a:pathLst>
+          </a:custGeom>
           <a:solidFill>
-            <a:schemeClr val="tx1">
-              <a:alpha val="81000"/>
-            </a:schemeClr>
+            <a:schemeClr val="accent2"/>
           </a:solidFill>
-          <a:ln>
-            <a:noFill/>
+          <a:ln w="44450" cap="rnd">
+            <a:solidFill>
+              <a:schemeClr val="accent2"/>
+            </a:solidFill>
+            <a:round/>
+            <a:extLst>
+              <a:ext uri="{C807C97D-BFC1-408E-A445-0C87EB9F89A2}">
+                <ask:lineSketchStyleProps xmlns:ask="http://schemas.microsoft.com/office/drawing/2018/sketchyshapes" sd="2863741219">
+                  <a:prstGeom prst="rect">
+                    <a:avLst/>
+                  </a:prstGeom>
+                  <ask:type>
+                    <ask:lineSketchFreehand/>
+                  </ask:type>
+                </ask:lineSketchStyleProps>
+              </a:ext>
+            </a:extLst>
           </a:ln>
         </p:spPr>
         <p:style>
@@ -43116,221 +42953,14 @@
           <a:bodyPr rtlCol="0" anchor="ctr"/>
           <a:lstStyle/>
           <a:p>
-            <a:pPr marL="0" marR="0" lvl="0" indent="0" algn="ctr" defTabSz="914400" rtl="0" eaLnBrk="1" fontAlgn="auto" latinLnBrk="0" hangingPunct="1">
-              <a:lnSpc>
-                <a:spcPct val="100000"/>
-              </a:lnSpc>
-              <a:spcBef>
-                <a:spcPts val="0"/>
-              </a:spcBef>
-              <a:spcAft>
-                <a:spcPts val="0"/>
-              </a:spcAft>
-              <a:buClrTx/>
-              <a:buSzTx/>
-              <a:buFontTx/>
-              <a:buNone/>
-              <a:tabLst/>
-              <a:defRPr/>
-            </a:pPr>
-            <a:endParaRPr kumimoji="0" lang="en-US" sz="1800" b="0" i="0" u="none" strike="noStrike" kern="1200" cap="none" spc="0" normalizeH="0" baseline="0" noProof="0">
-              <a:ln>
-                <a:noFill/>
-              </a:ln>
-              <a:solidFill>
-                <a:prstClr val="white"/>
-              </a:solidFill>
-              <a:effectLst/>
-              <a:uLnTx/>
-              <a:uFillTx/>
-              <a:latin typeface="Calibri" panose="020F0502020204030204"/>
-              <a:ea typeface="+mn-ea"/>
-              <a:cs typeface="+mn-cs"/>
-            </a:endParaRPr>
+            <a:pPr algn="ctr"/>
+            <a:endParaRPr lang="en-US"/>
           </a:p>
         </p:txBody>
       </p:sp>
       <p:sp>
         <p:nvSpPr>
-          <p:cNvPr id="13" name="Freeform: Shape 12">
-            <a:extLst>
-              <a:ext uri="{FF2B5EF4-FFF2-40B4-BE49-F238E27FC236}">
-                <a16:creationId xmlns:a16="http://schemas.microsoft.com/office/drawing/2014/main" id="{FF9DEA15-78BD-4750-AA18-B9F28A6D5AB8}"/>
-              </a:ext>
-              <a:ext uri="{C183D7F6-B498-43B3-948B-1728B52AA6E4}">
-                <adec:decorative xmlns:adec="http://schemas.microsoft.com/office/drawing/2017/decorative" val="1"/>
-              </a:ext>
-            </a:extLst>
-          </p:cNvPr>
-          <p:cNvSpPr>
-            <a:spLocks noGrp="1" noRot="1" noChangeAspect="1" noMove="1" noResize="1" noEditPoints="1" noAdjustHandles="1" noChangeArrowheads="1" noChangeShapeType="1" noTextEdit="1"/>
-          </p:cNvSpPr>
-          <p:nvPr>
-            <p:extLst>
-              <p:ext uri="{386F3935-93C4-4BCD-93E2-E3B085C9AB24}">
-                <p16:designElem xmlns:p16="http://schemas.microsoft.com/office/powerpoint/2015/main" val="1"/>
-              </p:ext>
-            </p:extLst>
-          </p:nvPr>
-        </p:nvSpPr>
-        <p:spPr>
-          <a:xfrm>
-            <a:off x="0" y="0"/>
-            <a:ext cx="3284331" cy="6858000"/>
-          </a:xfrm>
-          <a:custGeom>
-            <a:avLst/>
-            <a:gdLst>
-              <a:gd name="connsiteX0" fmla="*/ 0 w 4319042"/>
-              <a:gd name="connsiteY0" fmla="*/ 0 h 6858000"/>
-              <a:gd name="connsiteX1" fmla="*/ 1142888 w 4319042"/>
-              <a:gd name="connsiteY1" fmla="*/ 0 h 6858000"/>
-              <a:gd name="connsiteX2" fmla="*/ 4319042 w 4319042"/>
-              <a:gd name="connsiteY2" fmla="*/ 6858000 h 6858000"/>
-              <a:gd name="connsiteX3" fmla="*/ 0 w 4319042"/>
-              <a:gd name="connsiteY3" fmla="*/ 6858000 h 6858000"/>
-            </a:gdLst>
-            <a:ahLst/>
-            <a:cxnLst>
-              <a:cxn ang="0">
-                <a:pos x="connsiteX0" y="connsiteY0"/>
-              </a:cxn>
-              <a:cxn ang="0">
-                <a:pos x="connsiteX1" y="connsiteY1"/>
-              </a:cxn>
-              <a:cxn ang="0">
-                <a:pos x="connsiteX2" y="connsiteY2"/>
-              </a:cxn>
-              <a:cxn ang="0">
-                <a:pos x="connsiteX3" y="connsiteY3"/>
-              </a:cxn>
-            </a:cxnLst>
-            <a:rect l="l" t="t" r="r" b="b"/>
-            <a:pathLst>
-              <a:path w="4319042" h="6858000">
-                <a:moveTo>
-                  <a:pt x="0" y="0"/>
-                </a:moveTo>
-                <a:lnTo>
-                  <a:pt x="1142888" y="0"/>
-                </a:lnTo>
-                <a:lnTo>
-                  <a:pt x="4319042" y="6858000"/>
-                </a:lnTo>
-                <a:lnTo>
-                  <a:pt x="0" y="6858000"/>
-                </a:lnTo>
-                <a:close/>
-              </a:path>
-            </a:pathLst>
-          </a:custGeom>
-          <a:solidFill>
-            <a:schemeClr val="tx1">
-              <a:alpha val="35000"/>
-            </a:schemeClr>
-          </a:solidFill>
-          <a:ln>
-            <a:noFill/>
-          </a:ln>
-        </p:spPr>
-        <p:style>
-          <a:lnRef idx="2">
-            <a:schemeClr val="accent1">
-              <a:shade val="50000"/>
-            </a:schemeClr>
-          </a:lnRef>
-          <a:fillRef idx="1">
-            <a:schemeClr val="accent1"/>
-          </a:fillRef>
-          <a:effectRef idx="0">
-            <a:schemeClr val="accent1"/>
-          </a:effectRef>
-          <a:fontRef idx="minor">
-            <a:schemeClr val="lt1"/>
-          </a:fontRef>
-        </p:style>
-        <p:txBody>
-          <a:bodyPr wrap="square" rtlCol="0" anchor="ctr">
-            <a:noAutofit/>
-          </a:bodyPr>
-          <a:lstStyle/>
-          <a:p>
-            <a:pPr marL="0" marR="0" lvl="0" indent="0" algn="ctr" defTabSz="914400" rtl="0" eaLnBrk="1" fontAlgn="auto" latinLnBrk="0" hangingPunct="1">
-              <a:lnSpc>
-                <a:spcPct val="100000"/>
-              </a:lnSpc>
-              <a:spcBef>
-                <a:spcPts val="0"/>
-              </a:spcBef>
-              <a:spcAft>
-                <a:spcPts val="0"/>
-              </a:spcAft>
-              <a:buClrTx/>
-              <a:buSzTx/>
-              <a:buFontTx/>
-              <a:buNone/>
-              <a:tabLst/>
-              <a:defRPr/>
-            </a:pPr>
-            <a:endParaRPr kumimoji="0" lang="en-US" sz="1800" b="0" i="0" u="none" strike="noStrike" kern="1200" cap="none" spc="0" normalizeH="0" baseline="0" noProof="0">
-              <a:ln>
-                <a:noFill/>
-              </a:ln>
-              <a:solidFill>
-                <a:prstClr val="white"/>
-              </a:solidFill>
-              <a:effectLst/>
-              <a:uLnTx/>
-              <a:uFillTx/>
-              <a:latin typeface="Calibri" panose="020F0502020204030204"/>
-              <a:ea typeface="+mn-ea"/>
-              <a:cs typeface="+mn-cs"/>
-            </a:endParaRPr>
-          </a:p>
-        </p:txBody>
-      </p:sp>
-      <p:sp>
-        <p:nvSpPr>
-          <p:cNvPr id="2" name="Title 1">
-            <a:extLst>
-              <a:ext uri="{FF2B5EF4-FFF2-40B4-BE49-F238E27FC236}">
-                <a16:creationId xmlns:a16="http://schemas.microsoft.com/office/drawing/2014/main" id="{60F3F2DF-732D-458C-92B9-9422AA1F6765}"/>
-              </a:ext>
-            </a:extLst>
-          </p:cNvPr>
-          <p:cNvSpPr>
-            <a:spLocks noGrp="1"/>
-          </p:cNvSpPr>
-          <p:nvPr>
-            <p:ph type="title"/>
-          </p:nvPr>
-        </p:nvSpPr>
-        <p:spPr>
-          <a:xfrm>
-            <a:off x="804672" y="640080"/>
-            <a:ext cx="3282696" cy="5257800"/>
-          </a:xfrm>
-        </p:spPr>
-        <p:txBody>
-          <a:bodyPr>
-            <a:normAutofit/>
-          </a:bodyPr>
-          <a:lstStyle/>
-          <a:p>
-            <a:r>
-              <a:rPr lang="en-US">
-                <a:solidFill>
-                  <a:schemeClr val="bg1"/>
-                </a:solidFill>
-              </a:rPr>
-              <a:t>Learning Objectives</a:t>
-            </a:r>
-          </a:p>
-        </p:txBody>
-      </p:sp>
-      <p:sp>
-        <p:nvSpPr>
-          <p:cNvPr id="3" name="Content Placeholder 2">
+          <p:cNvPr id="25" name="Content Placeholder 2">
             <a:extLst>
               <a:ext uri="{FF2B5EF4-FFF2-40B4-BE49-F238E27FC236}">
                 <a16:creationId xmlns:a16="http://schemas.microsoft.com/office/drawing/2014/main" id="{EAD3ACE4-DD9E-4ACF-AA95-46841096B126}"/>
@@ -43346,12 +42976,12 @@
         </p:nvSpPr>
         <p:spPr>
           <a:xfrm>
-            <a:off x="5358384" y="640081"/>
-            <a:ext cx="6024654" cy="5257800"/>
+            <a:off x="640080" y="2872899"/>
+            <a:ext cx="4243589" cy="3320668"/>
           </a:xfrm>
         </p:spPr>
         <p:txBody>
-          <a:bodyPr anchor="ctr">
+          <a:bodyPr>
             <a:normAutofit/>
           </a:bodyPr>
           <a:lstStyle/>
@@ -43361,7 +42991,7 @@
               <a:buAutoNum type="arabicPeriod"/>
             </a:pPr>
             <a:r>
-              <a:rPr lang="en-US" sz="2400"/>
+              <a:rPr lang="en-US" sz="2200"/>
               <a:t>Describe the process of searching for published external secondary data </a:t>
             </a:r>
           </a:p>
@@ -43371,7 +43001,7 @@
               <a:buAutoNum type="arabicPeriod"/>
             </a:pPr>
             <a:r>
-              <a:rPr lang="en-US" sz="2400"/>
+              <a:rPr lang="en-US" sz="2200"/>
               <a:t>List 3 common uses of the information supplied by standard marketing info services </a:t>
             </a:r>
           </a:p>
@@ -43381,7 +43011,7 @@
               <a:buAutoNum type="arabicPeriod"/>
             </a:pPr>
             <a:r>
-              <a:rPr lang="en-US" sz="2400"/>
+              <a:rPr lang="en-US" sz="2200"/>
               <a:t>Define geodemography</a:t>
             </a:r>
           </a:p>
@@ -43391,32 +43021,153 @@
               <a:buAutoNum type="arabicPeriod"/>
             </a:pPr>
             <a:r>
-              <a:rPr lang="en-US" sz="2400"/>
-              <a:t>Describe the use of diary panels and scanner data for assessing product sales </a:t>
-            </a:r>
-          </a:p>
-          <a:p>
-            <a:pPr marL="514350" indent="-514350">
-              <a:buFont typeface="+mj-lt"/>
-              <a:buAutoNum type="arabicPeriod"/>
-            </a:pPr>
-            <a:r>
-              <a:rPr lang="en-US" sz="2400"/>
-              <a:t>Discuss the purpose and operation of people meters </a:t>
-            </a:r>
-          </a:p>
-          <a:p>
-            <a:pPr marL="514350" indent="-514350">
-              <a:buFont typeface="+mj-lt"/>
-              <a:buAutoNum type="arabicPeriod"/>
-            </a:pPr>
-            <a:r>
-              <a:rPr lang="en-US" sz="2400"/>
+              <a:rPr lang="en-US" sz="2200"/>
               <a:t>Define single-source data</a:t>
             </a:r>
           </a:p>
         </p:txBody>
       </p:sp>
+      <p:pic>
+        <p:nvPicPr>
+          <p:cNvPr id="26" name="Picture 14" descr="People at the meeting desk">
+            <a:extLst>
+              <a:ext uri="{FF2B5EF4-FFF2-40B4-BE49-F238E27FC236}">
+                <a16:creationId xmlns:a16="http://schemas.microsoft.com/office/drawing/2014/main" id="{2599F1CB-D9B1-4AC7-BB82-07D90A5306E1}"/>
+              </a:ext>
+            </a:extLst>
+          </p:cNvPr>
+          <p:cNvPicPr>
+            <a:picLocks noChangeAspect="1"/>
+          </p:cNvPicPr>
+          <p:nvPr/>
+        </p:nvPicPr>
+        <p:blipFill rotWithShape="1">
+          <a:blip r:embed="rId3"/>
+          <a:srcRect l="17089" r="26491"/>
+          <a:stretch/>
+        </p:blipFill>
+        <p:spPr>
+          <a:xfrm>
+            <a:off x="5311702" y="10"/>
+            <a:ext cx="6878775" cy="6857990"/>
+          </a:xfrm>
+          <a:custGeom>
+            <a:avLst/>
+            <a:gdLst/>
+            <a:ahLst/>
+            <a:cxnLst/>
+            <a:rect l="l" t="t" r="r" b="b"/>
+            <a:pathLst>
+              <a:path w="6878775" h="6858000">
+                <a:moveTo>
+                  <a:pt x="1102973" y="0"/>
+                </a:moveTo>
+                <a:lnTo>
+                  <a:pt x="1160688" y="0"/>
+                </a:lnTo>
+                <a:lnTo>
+                  <a:pt x="983189" y="331786"/>
+                </a:lnTo>
+                <a:cubicBezTo>
+                  <a:pt x="914866" y="469145"/>
+                  <a:pt x="850355" y="608712"/>
+                  <a:pt x="789261" y="750263"/>
+                </a:cubicBezTo>
+                <a:cubicBezTo>
+                  <a:pt x="774307" y="784928"/>
+                  <a:pt x="759992" y="819849"/>
+                  <a:pt x="745295" y="854514"/>
+                </a:cubicBezTo>
+                <a:cubicBezTo>
+                  <a:pt x="756682" y="845393"/>
+                  <a:pt x="765489" y="833492"/>
+                  <a:pt x="770857" y="819975"/>
+                </a:cubicBezTo>
+                <a:cubicBezTo>
+                  <a:pt x="879943" y="589569"/>
+                  <a:pt x="999605" y="365513"/>
+                  <a:pt x="1131329" y="148742"/>
+                </a:cubicBezTo>
+                <a:lnTo>
+                  <a:pt x="1227589" y="0"/>
+                </a:lnTo>
+                <a:lnTo>
+                  <a:pt x="6878775" y="0"/>
+                </a:lnTo>
+                <a:lnTo>
+                  <a:pt x="6878775" y="6858000"/>
+                </a:lnTo>
+                <a:lnTo>
+                  <a:pt x="713521" y="6858000"/>
+                </a:lnTo>
+                <a:lnTo>
+                  <a:pt x="625642" y="6670527"/>
+                </a:lnTo>
+                <a:cubicBezTo>
+                  <a:pt x="507232" y="6398531"/>
+                  <a:pt x="403083" y="6118381"/>
+                  <a:pt x="312785" y="5830359"/>
+                </a:cubicBezTo>
+                <a:cubicBezTo>
+                  <a:pt x="278149" y="5719759"/>
+                  <a:pt x="248879" y="5607635"/>
+                  <a:pt x="212198" y="5480401"/>
+                </a:cubicBezTo>
+                <a:cubicBezTo>
+                  <a:pt x="212208" y="5491601"/>
+                  <a:pt x="212803" y="5502788"/>
+                  <a:pt x="213988" y="5513923"/>
+                </a:cubicBezTo>
+                <a:cubicBezTo>
+                  <a:pt x="264089" y="5723695"/>
+                  <a:pt x="307290" y="5935370"/>
+                  <a:pt x="365826" y="6142729"/>
+                </a:cubicBezTo>
+                <a:cubicBezTo>
+                  <a:pt x="433152" y="6380817"/>
+                  <a:pt x="510068" y="6614016"/>
+                  <a:pt x="597975" y="6841549"/>
+                </a:cubicBezTo>
+                <a:lnTo>
+                  <a:pt x="604824" y="6858000"/>
+                </a:lnTo>
+                <a:lnTo>
+                  <a:pt x="552056" y="6858000"/>
+                </a:lnTo>
+                <a:lnTo>
+                  <a:pt x="539576" y="6828295"/>
+                </a:lnTo>
+                <a:cubicBezTo>
+                  <a:pt x="380597" y="6414594"/>
+                  <a:pt x="260223" y="5988893"/>
+                  <a:pt x="171555" y="5552906"/>
+                </a:cubicBezTo>
+                <a:cubicBezTo>
+                  <a:pt x="91163" y="5157998"/>
+                  <a:pt x="43746" y="4758899"/>
+                  <a:pt x="12305" y="4357388"/>
+                </a:cubicBezTo>
+                <a:cubicBezTo>
+                  <a:pt x="-14281" y="4013908"/>
+                  <a:pt x="4507" y="3672965"/>
+                  <a:pt x="46684" y="3331516"/>
+                </a:cubicBezTo>
+                <a:cubicBezTo>
+                  <a:pt x="127203" y="2664286"/>
+                  <a:pt x="277819" y="2007265"/>
+                  <a:pt x="496065" y="1371196"/>
+                </a:cubicBezTo>
+                <a:cubicBezTo>
+                  <a:pt x="636273" y="966066"/>
+                  <a:pt x="800445" y="573253"/>
+                  <a:pt x="995723" y="196614"/>
+                </a:cubicBezTo>
+                <a:close/>
+              </a:path>
+            </a:pathLst>
+          </a:custGeom>
+        </p:spPr>
+      </p:pic>
       <p:sp>
         <p:nvSpPr>
           <p:cNvPr id="4" name="Footer Placeholder 3">
@@ -43435,7 +43186,7 @@
         </p:nvSpPr>
         <p:spPr>
           <a:xfrm>
-            <a:off x="4038600" y="6356350"/>
+            <a:off x="6248400" y="6356350"/>
             <a:ext cx="4114800" cy="365125"/>
           </a:xfrm>
         </p:spPr>
@@ -43445,13 +43196,17 @@
           </a:bodyPr>
           <a:lstStyle/>
           <a:p>
-            <a:pPr>
+            <a:pPr algn="l">
               <a:spcAft>
                 <a:spcPts val="600"/>
               </a:spcAft>
             </a:pPr>
             <a:r>
-              <a:rPr lang="en-US"/>
+              <a:rPr lang="en-US">
+                <a:solidFill>
+                  <a:srgbClr val="FFFFFF"/>
+                </a:solidFill>
+              </a:rPr>
               <a:t>Mike Nguyen</a:t>
             </a:r>
           </a:p>
@@ -43470,7 +43225,7 @@
 </p:sld>
 </file>
 
-<file path=ppt/slides/slide9.xml><?xml version="1.0" encoding="utf-8"?>
+<file path=ppt/slides/slide8.xml><?xml version="1.0" encoding="utf-8"?>
 <p:sld xmlns:a="http://schemas.openxmlformats.org/drawingml/2006/main" xmlns:r="http://schemas.openxmlformats.org/officeDocument/2006/relationships" xmlns:p="http://schemas.openxmlformats.org/presentationml/2006/main">
   <p:cSld>
     <p:bg>
@@ -43871,6 +43626,720 @@
     <p:extLst>
       <p:ext uri="{BB962C8B-B14F-4D97-AF65-F5344CB8AC3E}">
         <p14:creationId xmlns:p14="http://schemas.microsoft.com/office/powerpoint/2010/main" val="1167361123"/>
+      </p:ext>
+    </p:extLst>
+  </p:cSld>
+  <p:clrMapOvr>
+    <a:masterClrMapping/>
+  </p:clrMapOvr>
+</p:sld>
+</file>
+
+<file path=ppt/slides/slide9.xml><?xml version="1.0" encoding="utf-8"?>
+<p:sld xmlns:a="http://schemas.openxmlformats.org/drawingml/2006/main" xmlns:r="http://schemas.openxmlformats.org/officeDocument/2006/relationships" xmlns:p="http://schemas.openxmlformats.org/presentationml/2006/main">
+  <p:cSld>
+    <p:bg>
+      <p:bgPr>
+        <a:solidFill>
+          <a:schemeClr val="bg1"/>
+        </a:solidFill>
+        <a:effectLst/>
+      </p:bgPr>
+    </p:bg>
+    <p:spTree>
+      <p:nvGrpSpPr>
+        <p:cNvPr id="1" name=""/>
+        <p:cNvGrpSpPr/>
+        <p:nvPr/>
+      </p:nvGrpSpPr>
+      <p:grpSpPr>
+        <a:xfrm>
+          <a:off x="0" y="0"/>
+          <a:ext cx="0" cy="0"/>
+          <a:chOff x="0" y="0"/>
+          <a:chExt cx="0" cy="0"/>
+        </a:xfrm>
+      </p:grpSpPr>
+      <p:sp useBgFill="1">
+        <p:nvSpPr>
+          <p:cNvPr id="22" name="Rectangle 21">
+            <a:extLst>
+              <a:ext uri="{FF2B5EF4-FFF2-40B4-BE49-F238E27FC236}">
+                <a16:creationId xmlns:a16="http://schemas.microsoft.com/office/drawing/2014/main" id="{16F9E488-0718-4E1E-9D12-26779F606252}"/>
+              </a:ext>
+              <a:ext uri="{C183D7F6-B498-43B3-948B-1728B52AA6E4}">
+                <adec:decorative xmlns:adec="http://schemas.microsoft.com/office/drawing/2017/decorative" val="1"/>
+              </a:ext>
+            </a:extLst>
+          </p:cNvPr>
+          <p:cNvSpPr>
+            <a:spLocks noGrp="1" noRot="1" noChangeAspect="1" noMove="1" noResize="1" noEditPoints="1" noAdjustHandles="1" noChangeArrowheads="1" noChangeShapeType="1" noTextEdit="1"/>
+          </p:cNvSpPr>
+          <p:nvPr>
+            <p:extLst>
+              <p:ext uri="{386F3935-93C4-4BCD-93E2-E3B085C9AB24}">
+                <p16:designElem xmlns:p16="http://schemas.microsoft.com/office/powerpoint/2015/main" val="1"/>
+              </p:ext>
+            </p:extLst>
+          </p:nvPr>
+        </p:nvSpPr>
+        <p:spPr>
+          <a:xfrm>
+            <a:off x="0" y="0"/>
+            <a:ext cx="12192000" cy="6858000"/>
+          </a:xfrm>
+          <a:prstGeom prst="rect">
+            <a:avLst/>
+          </a:prstGeom>
+          <a:ln>
+            <a:noFill/>
+          </a:ln>
+        </p:spPr>
+        <p:style>
+          <a:lnRef idx="2">
+            <a:schemeClr val="accent1">
+              <a:shade val="50000"/>
+            </a:schemeClr>
+          </a:lnRef>
+          <a:fillRef idx="1">
+            <a:schemeClr val="accent1"/>
+          </a:fillRef>
+          <a:effectRef idx="0">
+            <a:schemeClr val="accent1"/>
+          </a:effectRef>
+          <a:fontRef idx="minor">
+            <a:schemeClr val="lt1"/>
+          </a:fontRef>
+        </p:style>
+        <p:txBody>
+          <a:bodyPr rtlCol="0" anchor="ctr"/>
+          <a:lstStyle/>
+          <a:p>
+            <a:pPr algn="ctr"/>
+            <a:endParaRPr lang="en-US"/>
+          </a:p>
+        </p:txBody>
+      </p:sp>
+      <p:sp>
+        <p:nvSpPr>
+          <p:cNvPr id="24" name="Rectangle 23">
+            <a:extLst>
+              <a:ext uri="{FF2B5EF4-FFF2-40B4-BE49-F238E27FC236}">
+                <a16:creationId xmlns:a16="http://schemas.microsoft.com/office/drawing/2014/main" id="{CE708407-D01D-4E57-8998-FF799DBC3788}"/>
+              </a:ext>
+              <a:ext uri="{C183D7F6-B498-43B3-948B-1728B52AA6E4}">
+                <adec:decorative xmlns:adec="http://schemas.microsoft.com/office/drawing/2017/decorative" val="1"/>
+              </a:ext>
+            </a:extLst>
+          </p:cNvPr>
+          <p:cNvSpPr>
+            <a:spLocks noGrp="1" noRot="1" noChangeAspect="1" noMove="1" noResize="1" noEditPoints="1" noAdjustHandles="1" noChangeArrowheads="1" noChangeShapeType="1" noTextEdit="1"/>
+          </p:cNvSpPr>
+          <p:nvPr>
+            <p:extLst>
+              <p:ext uri="{386F3935-93C4-4BCD-93E2-E3B085C9AB24}">
+                <p16:designElem xmlns:p16="http://schemas.microsoft.com/office/powerpoint/2015/main" val="1"/>
+              </p:ext>
+            </p:extLst>
+          </p:nvPr>
+        </p:nvSpPr>
+        <p:spPr>
+          <a:xfrm>
+            <a:off x="0" y="0"/>
+            <a:ext cx="4694548" cy="6858000"/>
+          </a:xfrm>
+          <a:prstGeom prst="rect">
+            <a:avLst/>
+          </a:prstGeom>
+          <a:solidFill>
+            <a:schemeClr val="tx1"/>
+          </a:solidFill>
+          <a:ln>
+            <a:noFill/>
+          </a:ln>
+        </p:spPr>
+        <p:style>
+          <a:lnRef idx="2">
+            <a:schemeClr val="accent1">
+              <a:shade val="50000"/>
+            </a:schemeClr>
+          </a:lnRef>
+          <a:fillRef idx="1">
+            <a:schemeClr val="accent1"/>
+          </a:fillRef>
+          <a:effectRef idx="0">
+            <a:schemeClr val="accent1"/>
+          </a:effectRef>
+          <a:fontRef idx="minor">
+            <a:schemeClr val="lt1"/>
+          </a:fontRef>
+        </p:style>
+        <p:txBody>
+          <a:bodyPr rtlCol="0" anchor="ctr"/>
+          <a:lstStyle/>
+          <a:p>
+            <a:pPr algn="ctr"/>
+            <a:endParaRPr lang="en-US"/>
+          </a:p>
+        </p:txBody>
+      </p:sp>
+      <p:sp>
+        <p:nvSpPr>
+          <p:cNvPr id="2" name="Title 1">
+            <a:extLst>
+              <a:ext uri="{FF2B5EF4-FFF2-40B4-BE49-F238E27FC236}">
+                <a16:creationId xmlns:a16="http://schemas.microsoft.com/office/drawing/2014/main" id="{9E26A5AB-EC77-4650-9CC8-F8CFFE84421C}"/>
+              </a:ext>
+            </a:extLst>
+          </p:cNvPr>
+          <p:cNvSpPr>
+            <a:spLocks noGrp="1"/>
+          </p:cNvSpPr>
+          <p:nvPr>
+            <p:ph type="title"/>
+          </p:nvPr>
+        </p:nvSpPr>
+        <p:spPr>
+          <a:xfrm>
+            <a:off x="699723" y="1622066"/>
+            <a:ext cx="3554226" cy="2663688"/>
+          </a:xfrm>
+        </p:spPr>
+        <p:txBody>
+          <a:bodyPr vert="horz" lIns="91440" tIns="45720" rIns="91440" bIns="45720" rtlCol="0" anchor="b">
+            <a:normAutofit/>
+          </a:bodyPr>
+          <a:lstStyle/>
+          <a:p>
+            <a:r>
+              <a:rPr lang="en-US" kern="1200">
+                <a:solidFill>
+                  <a:schemeClr val="bg1"/>
+                </a:solidFill>
+                <a:latin typeface="+mj-lt"/>
+                <a:ea typeface="+mj-ea"/>
+                <a:cs typeface="+mj-cs"/>
+              </a:rPr>
+              <a:t>Marketing Research Process</a:t>
+            </a:r>
+          </a:p>
+        </p:txBody>
+      </p:sp>
+      <p:grpSp>
+        <p:nvGrpSpPr>
+          <p:cNvPr id="26" name="Group 25">
+            <a:extLst>
+              <a:ext uri="{FF2B5EF4-FFF2-40B4-BE49-F238E27FC236}">
+                <a16:creationId xmlns:a16="http://schemas.microsoft.com/office/drawing/2014/main" id="{7F963B07-5C9E-478C-A53E-B6F5B4A78933}"/>
+              </a:ext>
+              <a:ext uri="{C183D7F6-B498-43B3-948B-1728B52AA6E4}">
+                <adec:decorative xmlns:adec="http://schemas.microsoft.com/office/drawing/2017/decorative" val="1"/>
+              </a:ext>
+            </a:extLst>
+          </p:cNvPr>
+          <p:cNvGrpSpPr>
+            <a:grpSpLocks noGrp="1" noUngrp="1" noRot="1" noChangeAspect="1" noMove="1" noResize="1"/>
+          </p:cNvGrpSpPr>
+          <p:nvPr>
+            <p:extLst>
+              <p:ext uri="{386F3935-93C4-4BCD-93E2-E3B085C9AB24}">
+                <p16:designElem xmlns:p16="http://schemas.microsoft.com/office/powerpoint/2015/main" val="1"/>
+              </p:ext>
+            </p:extLst>
+          </p:nvPr>
+        </p:nvGrpSpPr>
+        <p:grpSpPr>
+          <a:xfrm>
+            <a:off x="767290" y="681628"/>
+            <a:ext cx="1128382" cy="847206"/>
+            <a:chOff x="668003" y="1684057"/>
+            <a:chExt cx="1128382" cy="847206"/>
+          </a:xfrm>
+        </p:grpSpPr>
+        <p:sp>
+          <p:nvSpPr>
+            <p:cNvPr id="27" name="Freeform 5">
+              <a:extLst>
+                <a:ext uri="{FF2B5EF4-FFF2-40B4-BE49-F238E27FC236}">
+                  <a16:creationId xmlns:a16="http://schemas.microsoft.com/office/drawing/2014/main" id="{A152F29E-C625-4313-96BF-5675B357C03A}"/>
+                </a:ext>
+                <a:ext uri="{C183D7F6-B498-43B3-948B-1728B52AA6E4}">
+                  <adec:decorative xmlns:adec="http://schemas.microsoft.com/office/drawing/2017/decorative" val="1"/>
+                </a:ext>
+              </a:extLst>
+            </p:cNvPr>
+            <p:cNvSpPr>
+              <a:spLocks/>
+            </p:cNvSpPr>
+            <p:nvPr>
+              <p:extLst>
+                <p:ext uri="{386F3935-93C4-4BCD-93E2-E3B085C9AB24}">
+                  <p16:designElem xmlns:p16="http://schemas.microsoft.com/office/powerpoint/2015/main" val="1"/>
+                </p:ext>
+              </p:extLst>
+            </p:nvPr>
+          </p:nvSpPr>
+          <p:spPr bwMode="auto">
+            <a:xfrm>
+              <a:off x="668003" y="1935883"/>
+              <a:ext cx="675351" cy="595380"/>
+            </a:xfrm>
+            <a:custGeom>
+              <a:avLst/>
+              <a:gdLst>
+                <a:gd name="T0" fmla="*/ 225 w 785"/>
+                <a:gd name="T1" fmla="*/ 692 h 692"/>
+                <a:gd name="T2" fmla="*/ 177 w 785"/>
+                <a:gd name="T3" fmla="*/ 665 h 692"/>
+                <a:gd name="T4" fmla="*/ 9 w 785"/>
+                <a:gd name="T5" fmla="*/ 374 h 692"/>
+                <a:gd name="T6" fmla="*/ 9 w 785"/>
+                <a:gd name="T7" fmla="*/ 318 h 692"/>
+                <a:gd name="T8" fmla="*/ 177 w 785"/>
+                <a:gd name="T9" fmla="*/ 27 h 692"/>
+                <a:gd name="T10" fmla="*/ 225 w 785"/>
+                <a:gd name="T11" fmla="*/ 0 h 692"/>
+                <a:gd name="T12" fmla="*/ 561 w 785"/>
+                <a:gd name="T13" fmla="*/ 0 h 692"/>
+                <a:gd name="T14" fmla="*/ 609 w 785"/>
+                <a:gd name="T15" fmla="*/ 27 h 692"/>
+                <a:gd name="T16" fmla="*/ 777 w 785"/>
+                <a:gd name="T17" fmla="*/ 318 h 692"/>
+                <a:gd name="T18" fmla="*/ 777 w 785"/>
+                <a:gd name="T19" fmla="*/ 374 h 692"/>
+                <a:gd name="T20" fmla="*/ 609 w 785"/>
+                <a:gd name="T21" fmla="*/ 665 h 692"/>
+                <a:gd name="T22" fmla="*/ 561 w 785"/>
+                <a:gd name="T23" fmla="*/ 692 h 692"/>
+                <a:gd name="T24" fmla="*/ 225 w 785"/>
+                <a:gd name="T25" fmla="*/ 692 h 692"/>
+              </a:gdLst>
+              <a:ahLst/>
+              <a:cxnLst>
+                <a:cxn ang="0">
+                  <a:pos x="T0" y="T1"/>
+                </a:cxn>
+                <a:cxn ang="0">
+                  <a:pos x="T2" y="T3"/>
+                </a:cxn>
+                <a:cxn ang="0">
+                  <a:pos x="T4" y="T5"/>
+                </a:cxn>
+                <a:cxn ang="0">
+                  <a:pos x="T6" y="T7"/>
+                </a:cxn>
+                <a:cxn ang="0">
+                  <a:pos x="T8" y="T9"/>
+                </a:cxn>
+                <a:cxn ang="0">
+                  <a:pos x="T10" y="T11"/>
+                </a:cxn>
+                <a:cxn ang="0">
+                  <a:pos x="T12" y="T13"/>
+                </a:cxn>
+                <a:cxn ang="0">
+                  <a:pos x="T14" y="T15"/>
+                </a:cxn>
+                <a:cxn ang="0">
+                  <a:pos x="T16" y="T17"/>
+                </a:cxn>
+                <a:cxn ang="0">
+                  <a:pos x="T18" y="T19"/>
+                </a:cxn>
+                <a:cxn ang="0">
+                  <a:pos x="T20" y="T21"/>
+                </a:cxn>
+                <a:cxn ang="0">
+                  <a:pos x="T22" y="T23"/>
+                </a:cxn>
+                <a:cxn ang="0">
+                  <a:pos x="T24" y="T25"/>
+                </a:cxn>
+              </a:cxnLst>
+              <a:rect l="0" t="0" r="r" b="b"/>
+              <a:pathLst>
+                <a:path w="785" h="692">
+                  <a:moveTo>
+                    <a:pt x="225" y="692"/>
+                  </a:moveTo>
+                  <a:cubicBezTo>
+                    <a:pt x="207" y="692"/>
+                    <a:pt x="185" y="680"/>
+                    <a:pt x="177" y="665"/>
+                  </a:cubicBezTo>
+                  <a:cubicBezTo>
+                    <a:pt x="9" y="374"/>
+                    <a:pt x="9" y="374"/>
+                    <a:pt x="9" y="374"/>
+                  </a:cubicBezTo>
+                  <a:cubicBezTo>
+                    <a:pt x="0" y="358"/>
+                    <a:pt x="0" y="334"/>
+                    <a:pt x="9" y="318"/>
+                  </a:cubicBezTo>
+                  <a:cubicBezTo>
+                    <a:pt x="177" y="27"/>
+                    <a:pt x="177" y="27"/>
+                    <a:pt x="177" y="27"/>
+                  </a:cubicBezTo>
+                  <a:cubicBezTo>
+                    <a:pt x="185" y="12"/>
+                    <a:pt x="207" y="0"/>
+                    <a:pt x="225" y="0"/>
+                  </a:cubicBezTo>
+                  <a:cubicBezTo>
+                    <a:pt x="561" y="0"/>
+                    <a:pt x="561" y="0"/>
+                    <a:pt x="561" y="0"/>
+                  </a:cubicBezTo>
+                  <a:cubicBezTo>
+                    <a:pt x="578" y="0"/>
+                    <a:pt x="600" y="12"/>
+                    <a:pt x="609" y="27"/>
+                  </a:cubicBezTo>
+                  <a:cubicBezTo>
+                    <a:pt x="777" y="318"/>
+                    <a:pt x="777" y="318"/>
+                    <a:pt x="777" y="318"/>
+                  </a:cubicBezTo>
+                  <a:cubicBezTo>
+                    <a:pt x="785" y="334"/>
+                    <a:pt x="785" y="358"/>
+                    <a:pt x="777" y="374"/>
+                  </a:cubicBezTo>
+                  <a:cubicBezTo>
+                    <a:pt x="609" y="665"/>
+                    <a:pt x="609" y="665"/>
+                    <a:pt x="609" y="665"/>
+                  </a:cubicBezTo>
+                  <a:cubicBezTo>
+                    <a:pt x="600" y="680"/>
+                    <a:pt x="578" y="692"/>
+                    <a:pt x="561" y="692"/>
+                  </a:cubicBezTo>
+                  <a:lnTo>
+                    <a:pt x="225" y="692"/>
+                  </a:lnTo>
+                  <a:close/>
+                </a:path>
+              </a:pathLst>
+            </a:custGeom>
+            <a:noFill/>
+            <a:ln w="28575" cmpd="sng">
+              <a:solidFill>
+                <a:schemeClr val="bg1"/>
+              </a:solidFill>
+            </a:ln>
+          </p:spPr>
+          <p:txBody>
+            <a:bodyPr vert="horz" wrap="square" lIns="91440" tIns="45720" rIns="91440" bIns="45720" numCol="1" anchor="t" anchorCtr="0" compatLnSpc="1">
+              <a:prstTxWarp prst="textNoShape">
+                <a:avLst/>
+              </a:prstTxWarp>
+            </a:bodyPr>
+            <a:lstStyle/>
+            <a:p>
+              <a:endParaRPr lang="en-US"/>
+            </a:p>
+          </p:txBody>
+        </p:sp>
+        <p:sp>
+          <p:nvSpPr>
+            <p:cNvPr id="28" name="Freeform 5">
+              <a:extLst>
+                <a:ext uri="{FF2B5EF4-FFF2-40B4-BE49-F238E27FC236}">
+                  <a16:creationId xmlns:a16="http://schemas.microsoft.com/office/drawing/2014/main" id="{C2A5CB78-6497-4151-83B6-568BD27EC573}"/>
+                </a:ext>
+                <a:ext uri="{C183D7F6-B498-43B3-948B-1728B52AA6E4}">
+                  <adec:decorative xmlns:adec="http://schemas.microsoft.com/office/drawing/2017/decorative" val="1"/>
+                </a:ext>
+              </a:extLst>
+            </p:cNvPr>
+            <p:cNvSpPr>
+              <a:spLocks/>
+            </p:cNvSpPr>
+            <p:nvPr>
+              <p:extLst>
+                <p:ext uri="{386F3935-93C4-4BCD-93E2-E3B085C9AB24}">
+                  <p16:designElem xmlns:p16="http://schemas.microsoft.com/office/powerpoint/2015/main" val="1"/>
+                </p:ext>
+              </p:extLst>
+            </p:nvPr>
+          </p:nvSpPr>
+          <p:spPr bwMode="auto">
+            <a:xfrm>
+              <a:off x="1245893" y="1684057"/>
+              <a:ext cx="550492" cy="485306"/>
+            </a:xfrm>
+            <a:custGeom>
+              <a:avLst/>
+              <a:gdLst>
+                <a:gd name="T0" fmla="*/ 225 w 785"/>
+                <a:gd name="T1" fmla="*/ 692 h 692"/>
+                <a:gd name="T2" fmla="*/ 177 w 785"/>
+                <a:gd name="T3" fmla="*/ 665 h 692"/>
+                <a:gd name="T4" fmla="*/ 9 w 785"/>
+                <a:gd name="T5" fmla="*/ 374 h 692"/>
+                <a:gd name="T6" fmla="*/ 9 w 785"/>
+                <a:gd name="T7" fmla="*/ 318 h 692"/>
+                <a:gd name="T8" fmla="*/ 177 w 785"/>
+                <a:gd name="T9" fmla="*/ 27 h 692"/>
+                <a:gd name="T10" fmla="*/ 225 w 785"/>
+                <a:gd name="T11" fmla="*/ 0 h 692"/>
+                <a:gd name="T12" fmla="*/ 561 w 785"/>
+                <a:gd name="T13" fmla="*/ 0 h 692"/>
+                <a:gd name="T14" fmla="*/ 609 w 785"/>
+                <a:gd name="T15" fmla="*/ 27 h 692"/>
+                <a:gd name="T16" fmla="*/ 777 w 785"/>
+                <a:gd name="T17" fmla="*/ 318 h 692"/>
+                <a:gd name="T18" fmla="*/ 777 w 785"/>
+                <a:gd name="T19" fmla="*/ 374 h 692"/>
+                <a:gd name="T20" fmla="*/ 609 w 785"/>
+                <a:gd name="T21" fmla="*/ 665 h 692"/>
+                <a:gd name="T22" fmla="*/ 561 w 785"/>
+                <a:gd name="T23" fmla="*/ 692 h 692"/>
+                <a:gd name="T24" fmla="*/ 225 w 785"/>
+                <a:gd name="T25" fmla="*/ 692 h 692"/>
+              </a:gdLst>
+              <a:ahLst/>
+              <a:cxnLst>
+                <a:cxn ang="0">
+                  <a:pos x="T0" y="T1"/>
+                </a:cxn>
+                <a:cxn ang="0">
+                  <a:pos x="T2" y="T3"/>
+                </a:cxn>
+                <a:cxn ang="0">
+                  <a:pos x="T4" y="T5"/>
+                </a:cxn>
+                <a:cxn ang="0">
+                  <a:pos x="T6" y="T7"/>
+                </a:cxn>
+                <a:cxn ang="0">
+                  <a:pos x="T8" y="T9"/>
+                </a:cxn>
+                <a:cxn ang="0">
+                  <a:pos x="T10" y="T11"/>
+                </a:cxn>
+                <a:cxn ang="0">
+                  <a:pos x="T12" y="T13"/>
+                </a:cxn>
+                <a:cxn ang="0">
+                  <a:pos x="T14" y="T15"/>
+                </a:cxn>
+                <a:cxn ang="0">
+                  <a:pos x="T16" y="T17"/>
+                </a:cxn>
+                <a:cxn ang="0">
+                  <a:pos x="T18" y="T19"/>
+                </a:cxn>
+                <a:cxn ang="0">
+                  <a:pos x="T20" y="T21"/>
+                </a:cxn>
+                <a:cxn ang="0">
+                  <a:pos x="T22" y="T23"/>
+                </a:cxn>
+                <a:cxn ang="0">
+                  <a:pos x="T24" y="T25"/>
+                </a:cxn>
+              </a:cxnLst>
+              <a:rect l="0" t="0" r="r" b="b"/>
+              <a:pathLst>
+                <a:path w="785" h="692">
+                  <a:moveTo>
+                    <a:pt x="225" y="692"/>
+                  </a:moveTo>
+                  <a:cubicBezTo>
+                    <a:pt x="207" y="692"/>
+                    <a:pt x="185" y="680"/>
+                    <a:pt x="177" y="665"/>
+                  </a:cubicBezTo>
+                  <a:cubicBezTo>
+                    <a:pt x="9" y="374"/>
+                    <a:pt x="9" y="374"/>
+                    <a:pt x="9" y="374"/>
+                  </a:cubicBezTo>
+                  <a:cubicBezTo>
+                    <a:pt x="0" y="358"/>
+                    <a:pt x="0" y="334"/>
+                    <a:pt x="9" y="318"/>
+                  </a:cubicBezTo>
+                  <a:cubicBezTo>
+                    <a:pt x="177" y="27"/>
+                    <a:pt x="177" y="27"/>
+                    <a:pt x="177" y="27"/>
+                  </a:cubicBezTo>
+                  <a:cubicBezTo>
+                    <a:pt x="185" y="12"/>
+                    <a:pt x="207" y="0"/>
+                    <a:pt x="225" y="0"/>
+                  </a:cubicBezTo>
+                  <a:cubicBezTo>
+                    <a:pt x="561" y="0"/>
+                    <a:pt x="561" y="0"/>
+                    <a:pt x="561" y="0"/>
+                  </a:cubicBezTo>
+                  <a:cubicBezTo>
+                    <a:pt x="578" y="0"/>
+                    <a:pt x="600" y="12"/>
+                    <a:pt x="609" y="27"/>
+                  </a:cubicBezTo>
+                  <a:cubicBezTo>
+                    <a:pt x="777" y="318"/>
+                    <a:pt x="777" y="318"/>
+                    <a:pt x="777" y="318"/>
+                  </a:cubicBezTo>
+                  <a:cubicBezTo>
+                    <a:pt x="785" y="334"/>
+                    <a:pt x="785" y="358"/>
+                    <a:pt x="777" y="374"/>
+                  </a:cubicBezTo>
+                  <a:cubicBezTo>
+                    <a:pt x="609" y="665"/>
+                    <a:pt x="609" y="665"/>
+                    <a:pt x="609" y="665"/>
+                  </a:cubicBezTo>
+                  <a:cubicBezTo>
+                    <a:pt x="600" y="680"/>
+                    <a:pt x="578" y="692"/>
+                    <a:pt x="561" y="692"/>
+                  </a:cubicBezTo>
+                  <a:lnTo>
+                    <a:pt x="225" y="692"/>
+                  </a:lnTo>
+                  <a:close/>
+                </a:path>
+              </a:pathLst>
+            </a:custGeom>
+            <a:noFill/>
+            <a:ln w="28575" cmpd="sng">
+              <a:solidFill>
+                <a:schemeClr val="bg1"/>
+              </a:solidFill>
+            </a:ln>
+          </p:spPr>
+          <p:txBody>
+            <a:bodyPr vert="horz" wrap="square" lIns="91440" tIns="45720" rIns="91440" bIns="45720" numCol="1" anchor="t" anchorCtr="0" compatLnSpc="1">
+              <a:prstTxWarp prst="textNoShape">
+                <a:avLst/>
+              </a:prstTxWarp>
+            </a:bodyPr>
+            <a:lstStyle/>
+            <a:p>
+              <a:endParaRPr lang="en-US"/>
+            </a:p>
+          </p:txBody>
+        </p:sp>
+      </p:grpSp>
+      <p:sp>
+        <p:nvSpPr>
+          <p:cNvPr id="3" name="Footer Placeholder 2">
+            <a:extLst>
+              <a:ext uri="{FF2B5EF4-FFF2-40B4-BE49-F238E27FC236}">
+                <a16:creationId xmlns:a16="http://schemas.microsoft.com/office/drawing/2014/main" id="{4CE8A43F-9BF3-45F5-88CD-FBEA0476ED6E}"/>
+              </a:ext>
+            </a:extLst>
+          </p:cNvPr>
+          <p:cNvSpPr>
+            <a:spLocks noGrp="1"/>
+          </p:cNvSpPr>
+          <p:nvPr>
+            <p:ph type="ftr" sz="quarter" idx="11"/>
+          </p:nvPr>
+        </p:nvSpPr>
+        <p:spPr>
+          <a:xfrm>
+            <a:off x="7872984" y="384048"/>
+            <a:ext cx="3877056" cy="365125"/>
+          </a:xfrm>
+        </p:spPr>
+        <p:txBody>
+          <a:bodyPr vert="horz" lIns="91440" tIns="45720" rIns="91440" bIns="45720" rtlCol="0" anchor="ctr">
+            <a:normAutofit/>
+          </a:bodyPr>
+          <a:lstStyle/>
+          <a:p>
+            <a:pPr algn="r">
+              <a:spcAft>
+                <a:spcPts val="600"/>
+              </a:spcAft>
+            </a:pPr>
+            <a:r>
+              <a:rPr lang="en-US" sz="1100" kern="1200">
+                <a:solidFill>
+                  <a:schemeClr val="tx1">
+                    <a:alpha val="80000"/>
+                  </a:schemeClr>
+                </a:solidFill>
+                <a:latin typeface="+mn-lt"/>
+                <a:ea typeface="+mn-ea"/>
+                <a:cs typeface="+mn-cs"/>
+              </a:rPr>
+              <a:t>Mike Nguyen</a:t>
+            </a:r>
+          </a:p>
+        </p:txBody>
+      </p:sp>
+      <p:pic>
+        <p:nvPicPr>
+          <p:cNvPr id="4" name="Picture 2" descr="An illustration shows the steps of how to begin to search published sources of secondary data. The steps are as follows:&#10;1. Identify what you want to know and what you already know about the topic.&#10;2. Develop a list of key terms and names.&#10;3. Conduct an online search of relevant databases and Web sites.&#10;4. Compile the information you have found; rework the list of key words and authors if necessary.&#10;5. Consult a reference librarian inside your firm, at a public library, or at a university library.&#10;6. Identify authorities in the subject matter and consult with them.">
+            <a:extLst>
+              <a:ext uri="{FF2B5EF4-FFF2-40B4-BE49-F238E27FC236}">
+                <a16:creationId xmlns:a16="http://schemas.microsoft.com/office/drawing/2014/main" id="{EEAD44D1-BBFB-409C-ACD2-CD9F5AB8C558}"/>
+              </a:ext>
+            </a:extLst>
+          </p:cNvPr>
+          <p:cNvPicPr>
+            <a:picLocks noChangeAspect="1" noChangeArrowheads="1"/>
+          </p:cNvPicPr>
+          <p:nvPr/>
+        </p:nvPicPr>
+        <p:blipFill>
+          <a:blip r:embed="rId3">
+            <a:extLst>
+              <a:ext uri="{28A0092B-C50C-407E-A947-70E740481C1C}">
+                <a14:useLocalDpi xmlns:a14="http://schemas.microsoft.com/office/drawing/2010/main" val="0"/>
+              </a:ext>
+            </a:extLst>
+          </a:blip>
+          <a:stretch>
+            <a:fillRect/>
+          </a:stretch>
+        </p:blipFill>
+        <p:spPr bwMode="auto">
+          <a:xfrm>
+            <a:off x="5208104" y="992104"/>
+            <a:ext cx="6472362" cy="4287939"/>
+          </a:xfrm>
+          <a:prstGeom prst="rect">
+            <a:avLst/>
+          </a:prstGeom>
+          <a:noFill/>
+          <a:extLst>
+            <a:ext uri="{909E8E84-426E-40DD-AFC4-6F175D3DCCD1}">
+              <a14:hiddenFill xmlns:a14="http://schemas.microsoft.com/office/drawing/2010/main">
+                <a:solidFill>
+                  <a:schemeClr val="accent1"/>
+                </a:solidFill>
+              </a14:hiddenFill>
+            </a:ext>
+            <a:ext uri="{91240B29-F687-4F45-9708-019B960494DF}">
+              <a14:hiddenLine xmlns:a14="http://schemas.microsoft.com/office/drawing/2010/main" w="9525">
+                <a:solidFill>
+                  <a:schemeClr val="tx1"/>
+                </a:solidFill>
+                <a:miter lim="800000"/>
+                <a:headEnd/>
+                <a:tailEnd/>
+              </a14:hiddenLine>
+            </a:ext>
+          </a:extLst>
+        </p:spPr>
+      </p:pic>
+    </p:spTree>
+    <p:extLst>
+      <p:ext uri="{BB962C8B-B14F-4D97-AF65-F5344CB8AC3E}">
+        <p14:creationId xmlns:p14="http://schemas.microsoft.com/office/powerpoint/2010/main" val="560149371"/>
       </p:ext>
     </p:extLst>
   </p:cSld>
@@ -44977,20 +45446,20 @@
 </file>
 
 <file path=customXml/item2.xml><?xml version="1.0" encoding="utf-8"?>
+<p:properties xmlns:p="http://schemas.microsoft.com/office/2006/metadata/properties" xmlns:xsi="http://www.w3.org/2001/XMLSchema-instance" xmlns:pc="http://schemas.microsoft.com/office/infopath/2007/PartnerControls">
+  <documentManagement>
+    <MediaServiceKeyPoints xmlns="71af3243-3dd4-4a8d-8c0d-dd76da1f02a5" xsi:nil="true"/>
+  </documentManagement>
+</p:properties>
+</file>
+
+<file path=customXml/item3.xml><?xml version="1.0" encoding="utf-8"?>
 <?mso-contentType ?>
 <FormTemplates xmlns="http://schemas.microsoft.com/sharepoint/v3/contenttype/forms">
   <Display>DocumentLibraryForm</Display>
   <Edit>DocumentLibraryForm</Edit>
   <New>DocumentLibraryForm</New>
 </FormTemplates>
-</file>
-
-<file path=customXml/item3.xml><?xml version="1.0" encoding="utf-8"?>
-<p:properties xmlns:p="http://schemas.microsoft.com/office/2006/metadata/properties" xmlns:xsi="http://www.w3.org/2001/XMLSchema-instance" xmlns:pc="http://schemas.microsoft.com/office/infopath/2007/PartnerControls">
-  <documentManagement>
-    <MediaServiceKeyPoints xmlns="71af3243-3dd4-4a8d-8c0d-dd76da1f02a5" xsi:nil="true"/>
-  </documentManagement>
-</p:properties>
 </file>
 
 <file path=customXml/itemProps1.xml><?xml version="1.0" encoding="utf-8"?>
@@ -45013,14 +45482,6 @@
 </file>
 
 <file path=customXml/itemProps2.xml><?xml version="1.0" encoding="utf-8"?>
-<ds:datastoreItem xmlns:ds="http://schemas.openxmlformats.org/officeDocument/2006/customXml" ds:itemID="{5CA875DA-F9FD-4F83-A049-3B1027B542DE}">
-  <ds:schemaRefs>
-    <ds:schemaRef ds:uri="http://schemas.microsoft.com/sharepoint/v3/contenttype/forms"/>
-  </ds:schemaRefs>
-</ds:datastoreItem>
-</file>
-
-<file path=customXml/itemProps3.xml><?xml version="1.0" encoding="utf-8"?>
 <ds:datastoreItem xmlns:ds="http://schemas.openxmlformats.org/officeDocument/2006/customXml" ds:itemID="{03C7D9E6-B0D9-433E-BD46-EB60F64F4DA8}">
   <ds:schemaRefs>
     <ds:schemaRef ds:uri="http://schemas.microsoft.com/office/2006/metadata/properties"/>
@@ -45028,4 +45489,12 @@
     <ds:schemaRef ds:uri="71af3243-3dd4-4a8d-8c0d-dd76da1f02a5"/>
   </ds:schemaRefs>
 </ds:datastoreItem>
+</file>
+
+<file path=customXml/itemProps3.xml><?xml version="1.0" encoding="utf-8"?>
+<ds:datastoreItem xmlns:ds="http://schemas.openxmlformats.org/officeDocument/2006/customXml" ds:itemID="{5CA875DA-F9FD-4F83-A049-3B1027B542DE}">
+  <ds:schemaRefs>
+    <ds:schemaRef ds:uri="http://schemas.microsoft.com/sharepoint/v3/contenttype/forms"/>
+  </ds:schemaRefs>
+</ds:datastoreItem>
 </file>